--- a/unexeshell/tmp_use/python_l/1/p1.pptx
+++ b/unexeshell/tmp_use/python_l/1/p1.pptx
@@ -3,21 +3,30 @@
 <p:presentation xmlns:a="http://schemas.openxmlformats.org/drawingml/2006/main" xmlns:p="http://schemas.openxmlformats.org/presentationml/2006/main" xmlns:r="http://schemas.openxmlformats.org/officeDocument/2006/relationships">
   <p:sldMasterIdLst>
     <p:sldMasterId id="2147483648" r:id="rId2"/>
+    <p:sldMasterId id="2147483661" r:id="rId3"/>
+    <p:sldMasterId id="2147483674" r:id="rId4"/>
   </p:sldMasterIdLst>
   <p:sldIdLst>
-    <p:sldId id="256" r:id="rId3"/>
-    <p:sldId id="257" r:id="rId4"/>
-    <p:sldId id="258" r:id="rId5"/>
-    <p:sldId id="259" r:id="rId6"/>
-    <p:sldId id="260" r:id="rId7"/>
-    <p:sldId id="261" r:id="rId8"/>
-    <p:sldId id="262" r:id="rId9"/>
-    <p:sldId id="263" r:id="rId10"/>
-    <p:sldId id="264" r:id="rId11"/>
-    <p:sldId id="265" r:id="rId12"/>
-    <p:sldId id="266" r:id="rId13"/>
-    <p:sldId id="267" r:id="rId14"/>
-    <p:sldId id="268" r:id="rId15"/>
+    <p:sldId id="256" r:id="rId5"/>
+    <p:sldId id="257" r:id="rId6"/>
+    <p:sldId id="258" r:id="rId7"/>
+    <p:sldId id="259" r:id="rId8"/>
+    <p:sldId id="260" r:id="rId9"/>
+    <p:sldId id="261" r:id="rId10"/>
+    <p:sldId id="262" r:id="rId11"/>
+    <p:sldId id="263" r:id="rId12"/>
+    <p:sldId id="264" r:id="rId13"/>
+    <p:sldId id="265" r:id="rId14"/>
+    <p:sldId id="266" r:id="rId15"/>
+    <p:sldId id="267" r:id="rId16"/>
+    <p:sldId id="268" r:id="rId17"/>
+    <p:sldId id="269" r:id="rId18"/>
+    <p:sldId id="270" r:id="rId19"/>
+    <p:sldId id="271" r:id="rId20"/>
+    <p:sldId id="272" r:id="rId21"/>
+    <p:sldId id="273" r:id="rId22"/>
+    <p:sldId id="274" r:id="rId23"/>
+    <p:sldId id="275" r:id="rId24"/>
   </p:sldIdLst>
   <p:sldSz cx="10080625" cy="7559675"/>
   <p:notesSz cx="7559675" cy="10691812"/>
@@ -76,7 +85,7 @@
         <p:spPr>
           <a:xfrm>
             <a:off x="504000" y="301320"/>
-            <a:ext cx="9071640" cy="1262160"/>
+            <a:ext cx="9070920" cy="1262160"/>
           </a:xfrm>
           <a:prstGeom prst="rect">
             <a:avLst/>
@@ -103,7 +112,7 @@
         <p:spPr>
           <a:xfrm>
             <a:off x="504000" y="1768680"/>
-            <a:ext cx="9071640" cy="2090880"/>
+            <a:ext cx="9070920" cy="2090520"/>
           </a:xfrm>
           <a:prstGeom prst="rect">
             <a:avLst/>
@@ -128,8 +137,8 @@
         </p:nvSpPr>
         <p:spPr>
           <a:xfrm>
-            <a:off x="504000" y="4058640"/>
-            <a:ext cx="9071640" cy="2090880"/>
+            <a:off x="504000" y="4058280"/>
+            <a:ext cx="9070920" cy="2090520"/>
           </a:xfrm>
           <a:prstGeom prst="rect">
             <a:avLst/>
@@ -177,7 +186,7 @@
         <p:spPr>
           <a:xfrm>
             <a:off x="504000" y="301320"/>
-            <a:ext cx="9071640" cy="1262160"/>
+            <a:ext cx="9070920" cy="1262160"/>
           </a:xfrm>
           <a:prstGeom prst="rect">
             <a:avLst/>
@@ -204,7 +213,7 @@
         <p:spPr>
           <a:xfrm>
             <a:off x="504000" y="1768680"/>
-            <a:ext cx="4426920" cy="2090880"/>
+            <a:ext cx="4426560" cy="2090520"/>
           </a:xfrm>
           <a:prstGeom prst="rect">
             <a:avLst/>
@@ -229,8 +238,8 @@
         </p:nvSpPr>
         <p:spPr>
           <a:xfrm>
-            <a:off x="5152680" y="1768680"/>
-            <a:ext cx="4426920" cy="2090880"/>
+            <a:off x="5152320" y="1768680"/>
+            <a:ext cx="4426560" cy="2090520"/>
           </a:xfrm>
           <a:prstGeom prst="rect">
             <a:avLst/>
@@ -255,8 +264,8 @@
         </p:nvSpPr>
         <p:spPr>
           <a:xfrm>
-            <a:off x="5152680" y="4058640"/>
-            <a:ext cx="4426920" cy="2090880"/>
+            <a:off x="5152320" y="4058280"/>
+            <a:ext cx="4426560" cy="2090520"/>
           </a:xfrm>
           <a:prstGeom prst="rect">
             <a:avLst/>
@@ -281,8 +290,8 @@
         </p:nvSpPr>
         <p:spPr>
           <a:xfrm>
-            <a:off x="504000" y="4058640"/>
-            <a:ext cx="4426920" cy="2090880"/>
+            <a:off x="504000" y="4058280"/>
+            <a:ext cx="4426560" cy="2090520"/>
           </a:xfrm>
           <a:prstGeom prst="rect">
             <a:avLst/>
@@ -330,7 +339,7 @@
         <p:spPr>
           <a:xfrm>
             <a:off x="504000" y="301320"/>
-            <a:ext cx="9071640" cy="1262160"/>
+            <a:ext cx="9070920" cy="1262160"/>
           </a:xfrm>
           <a:prstGeom prst="rect">
             <a:avLst/>
@@ -357,7 +366,7 @@
         <p:spPr>
           <a:xfrm>
             <a:off x="504000" y="1768680"/>
-            <a:ext cx="9071640" cy="4383720"/>
+            <a:ext cx="9070920" cy="4383000"/>
           </a:xfrm>
           <a:prstGeom prst="rect">
             <a:avLst/>
@@ -383,7 +392,7 @@
         <p:spPr>
           <a:xfrm>
             <a:off x="504000" y="1768680"/>
-            <a:ext cx="9071640" cy="4383720"/>
+            <a:ext cx="9070920" cy="4383000"/>
           </a:xfrm>
           <a:prstGeom prst="rect">
             <a:avLst/>
@@ -411,7 +420,7 @@
         <p:spPr>
           <a:xfrm>
             <a:off x="2292480" y="1768320"/>
-            <a:ext cx="5494320" cy="4383720"/>
+            <a:ext cx="5493240" cy="4383000"/>
           </a:xfrm>
           <a:prstGeom prst="rect">
             <a:avLst/>
@@ -436,7 +445,7 @@
         <p:spPr>
           <a:xfrm>
             <a:off x="2292480" y="1768320"/>
-            <a:ext cx="5494320" cy="4383720"/>
+            <a:ext cx="5493240" cy="4383000"/>
           </a:xfrm>
           <a:prstGeom prst="rect">
             <a:avLst/>
@@ -446,6 +455,505 @@
           </a:ln>
         </p:spPr>
       </p:pic>
+    </p:spTree>
+  </p:cSld>
+</p:sldLayout>
+</file>
+
+<file path=ppt/slideLayouts/slideLayout13.xml><?xml version="1.0" encoding="utf-8"?>
+<p:sldLayout xmlns:a="http://schemas.openxmlformats.org/drawingml/2006/main" xmlns:p="http://schemas.openxmlformats.org/presentationml/2006/main" xmlns:r="http://schemas.openxmlformats.org/officeDocument/2006/relationships" type="blank" preserve="1">
+  <p:cSld name="Blank Slide">
+    <p:spTree>
+      <p:nvGrpSpPr>
+        <p:cNvPr id="1" name=""/>
+        <p:cNvGrpSpPr/>
+        <p:nvPr/>
+      </p:nvGrpSpPr>
+      <p:grpSpPr>
+        <a:xfrm>
+          <a:off x="0" y="0"/>
+          <a:ext cx="0" cy="0"/>
+          <a:chOff x="0" y="0"/>
+          <a:chExt cx="0" cy="0"/>
+        </a:xfrm>
+      </p:grpSpPr>
+    </p:spTree>
+  </p:cSld>
+</p:sldLayout>
+</file>
+
+<file path=ppt/slideLayouts/slideLayout14.xml><?xml version="1.0" encoding="utf-8"?>
+<p:sldLayout xmlns:a="http://schemas.openxmlformats.org/drawingml/2006/main" xmlns:p="http://schemas.openxmlformats.org/presentationml/2006/main" xmlns:r="http://schemas.openxmlformats.org/officeDocument/2006/relationships" type="tx" preserve="1">
+  <p:cSld name="Title Slide">
+    <p:spTree>
+      <p:nvGrpSpPr>
+        <p:cNvPr id="1" name=""/>
+        <p:cNvGrpSpPr/>
+        <p:nvPr/>
+      </p:nvGrpSpPr>
+      <p:grpSpPr>
+        <a:xfrm>
+          <a:off x="0" y="0"/>
+          <a:ext cx="0" cy="0"/>
+          <a:chOff x="0" y="0"/>
+          <a:chExt cx="0" cy="0"/>
+        </a:xfrm>
+      </p:grpSpPr>
+      <p:sp>
+        <p:nvSpPr>
+          <p:cNvPr id="38" name="PlaceHolder 1"/>
+          <p:cNvSpPr>
+            <a:spLocks noGrp="1"/>
+          </p:cNvSpPr>
+          <p:nvPr>
+            <p:ph type="title"/>
+          </p:nvPr>
+        </p:nvSpPr>
+        <p:spPr>
+          <a:xfrm>
+            <a:off x="504000" y="301320"/>
+            <a:ext cx="9070920" cy="1262160"/>
+          </a:xfrm>
+          <a:prstGeom prst="rect">
+            <a:avLst/>
+          </a:prstGeom>
+        </p:spPr>
+        <p:txBody>
+          <a:bodyPr lIns="0" rIns="0" tIns="0" bIns="0" anchor="ctr"/>
+          <a:p>
+            <a:pPr algn="ctr"/>
+            <a:endParaRPr/>
+          </a:p>
+        </p:txBody>
+      </p:sp>
+      <p:sp>
+        <p:nvSpPr>
+          <p:cNvPr id="39" name="PlaceHolder 2"/>
+          <p:cNvSpPr>
+            <a:spLocks noGrp="1"/>
+          </p:cNvSpPr>
+          <p:nvPr>
+            <p:ph type="subTitle"/>
+          </p:nvPr>
+        </p:nvSpPr>
+        <p:spPr>
+          <a:xfrm>
+            <a:off x="504000" y="1768680"/>
+            <a:ext cx="9070920" cy="4383360"/>
+          </a:xfrm>
+          <a:prstGeom prst="rect">
+            <a:avLst/>
+          </a:prstGeom>
+        </p:spPr>
+        <p:txBody>
+          <a:bodyPr lIns="0" rIns="0" tIns="0" bIns="0" anchor="ctr"/>
+          <a:p>
+            <a:pPr algn="ctr"/>
+            <a:endParaRPr/>
+          </a:p>
+        </p:txBody>
+      </p:sp>
+    </p:spTree>
+  </p:cSld>
+</p:sldLayout>
+</file>
+
+<file path=ppt/slideLayouts/slideLayout15.xml><?xml version="1.0" encoding="utf-8"?>
+<p:sldLayout xmlns:a="http://schemas.openxmlformats.org/drawingml/2006/main" xmlns:p="http://schemas.openxmlformats.org/presentationml/2006/main" xmlns:r="http://schemas.openxmlformats.org/officeDocument/2006/relationships" type="obj" preserve="1">
+  <p:cSld name="Title, Content">
+    <p:spTree>
+      <p:nvGrpSpPr>
+        <p:cNvPr id="1" name=""/>
+        <p:cNvGrpSpPr/>
+        <p:nvPr/>
+      </p:nvGrpSpPr>
+      <p:grpSpPr>
+        <a:xfrm>
+          <a:off x="0" y="0"/>
+          <a:ext cx="0" cy="0"/>
+          <a:chOff x="0" y="0"/>
+          <a:chExt cx="0" cy="0"/>
+        </a:xfrm>
+      </p:grpSpPr>
+      <p:sp>
+        <p:nvSpPr>
+          <p:cNvPr id="40" name="PlaceHolder 1"/>
+          <p:cNvSpPr>
+            <a:spLocks noGrp="1"/>
+          </p:cNvSpPr>
+          <p:nvPr>
+            <p:ph type="title"/>
+          </p:nvPr>
+        </p:nvSpPr>
+        <p:spPr>
+          <a:xfrm>
+            <a:off x="504000" y="301320"/>
+            <a:ext cx="9070920" cy="1262160"/>
+          </a:xfrm>
+          <a:prstGeom prst="rect">
+            <a:avLst/>
+          </a:prstGeom>
+        </p:spPr>
+        <p:txBody>
+          <a:bodyPr lIns="0" rIns="0" tIns="0" bIns="0" anchor="ctr"/>
+          <a:p>
+            <a:pPr algn="ctr"/>
+            <a:endParaRPr/>
+          </a:p>
+        </p:txBody>
+      </p:sp>
+      <p:sp>
+        <p:nvSpPr>
+          <p:cNvPr id="41" name="PlaceHolder 2"/>
+          <p:cNvSpPr>
+            <a:spLocks noGrp="1"/>
+          </p:cNvSpPr>
+          <p:nvPr>
+            <p:ph type="body"/>
+          </p:nvPr>
+        </p:nvSpPr>
+        <p:spPr>
+          <a:xfrm>
+            <a:off x="504000" y="1768680"/>
+            <a:ext cx="9070920" cy="4383000"/>
+          </a:xfrm>
+          <a:prstGeom prst="rect">
+            <a:avLst/>
+          </a:prstGeom>
+        </p:spPr>
+        <p:txBody>
+          <a:bodyPr lIns="0" rIns="0" tIns="0" bIns="0"/>
+          <a:p>
+            <a:endParaRPr/>
+          </a:p>
+        </p:txBody>
+      </p:sp>
+    </p:spTree>
+  </p:cSld>
+</p:sldLayout>
+</file>
+
+<file path=ppt/slideLayouts/slideLayout16.xml><?xml version="1.0" encoding="utf-8"?>
+<p:sldLayout xmlns:a="http://schemas.openxmlformats.org/drawingml/2006/main" xmlns:p="http://schemas.openxmlformats.org/presentationml/2006/main" xmlns:r="http://schemas.openxmlformats.org/officeDocument/2006/relationships" type="twoObj" preserve="1">
+  <p:cSld name="Title, 2 Content">
+    <p:spTree>
+      <p:nvGrpSpPr>
+        <p:cNvPr id="1" name=""/>
+        <p:cNvGrpSpPr/>
+        <p:nvPr/>
+      </p:nvGrpSpPr>
+      <p:grpSpPr>
+        <a:xfrm>
+          <a:off x="0" y="0"/>
+          <a:ext cx="0" cy="0"/>
+          <a:chOff x="0" y="0"/>
+          <a:chExt cx="0" cy="0"/>
+        </a:xfrm>
+      </p:grpSpPr>
+      <p:sp>
+        <p:nvSpPr>
+          <p:cNvPr id="42" name="PlaceHolder 1"/>
+          <p:cNvSpPr>
+            <a:spLocks noGrp="1"/>
+          </p:cNvSpPr>
+          <p:nvPr>
+            <p:ph type="title"/>
+          </p:nvPr>
+        </p:nvSpPr>
+        <p:spPr>
+          <a:xfrm>
+            <a:off x="504000" y="301320"/>
+            <a:ext cx="9070920" cy="1262160"/>
+          </a:xfrm>
+          <a:prstGeom prst="rect">
+            <a:avLst/>
+          </a:prstGeom>
+        </p:spPr>
+        <p:txBody>
+          <a:bodyPr lIns="0" rIns="0" tIns="0" bIns="0" anchor="ctr"/>
+          <a:p>
+            <a:pPr algn="ctr"/>
+            <a:endParaRPr/>
+          </a:p>
+        </p:txBody>
+      </p:sp>
+      <p:sp>
+        <p:nvSpPr>
+          <p:cNvPr id="43" name="PlaceHolder 2"/>
+          <p:cNvSpPr>
+            <a:spLocks noGrp="1"/>
+          </p:cNvSpPr>
+          <p:nvPr>
+            <p:ph type="body"/>
+          </p:nvPr>
+        </p:nvSpPr>
+        <p:spPr>
+          <a:xfrm>
+            <a:off x="504000" y="1768680"/>
+            <a:ext cx="4426560" cy="4383000"/>
+          </a:xfrm>
+          <a:prstGeom prst="rect">
+            <a:avLst/>
+          </a:prstGeom>
+        </p:spPr>
+        <p:txBody>
+          <a:bodyPr lIns="0" rIns="0" tIns="0" bIns="0"/>
+          <a:p>
+            <a:endParaRPr/>
+          </a:p>
+        </p:txBody>
+      </p:sp>
+      <p:sp>
+        <p:nvSpPr>
+          <p:cNvPr id="44" name="PlaceHolder 3"/>
+          <p:cNvSpPr>
+            <a:spLocks noGrp="1"/>
+          </p:cNvSpPr>
+          <p:nvPr>
+            <p:ph type="body"/>
+          </p:nvPr>
+        </p:nvSpPr>
+        <p:spPr>
+          <a:xfrm>
+            <a:off x="5152320" y="1768680"/>
+            <a:ext cx="4426560" cy="4383000"/>
+          </a:xfrm>
+          <a:prstGeom prst="rect">
+            <a:avLst/>
+          </a:prstGeom>
+        </p:spPr>
+        <p:txBody>
+          <a:bodyPr lIns="0" rIns="0" tIns="0" bIns="0"/>
+          <a:p>
+            <a:endParaRPr/>
+          </a:p>
+        </p:txBody>
+      </p:sp>
+    </p:spTree>
+  </p:cSld>
+</p:sldLayout>
+</file>
+
+<file path=ppt/slideLayouts/slideLayout17.xml><?xml version="1.0" encoding="utf-8"?>
+<p:sldLayout xmlns:a="http://schemas.openxmlformats.org/drawingml/2006/main" xmlns:p="http://schemas.openxmlformats.org/presentationml/2006/main" xmlns:r="http://schemas.openxmlformats.org/officeDocument/2006/relationships" type="titleOnly" preserve="1">
+  <p:cSld name="Title Only">
+    <p:spTree>
+      <p:nvGrpSpPr>
+        <p:cNvPr id="1" name=""/>
+        <p:cNvGrpSpPr/>
+        <p:nvPr/>
+      </p:nvGrpSpPr>
+      <p:grpSpPr>
+        <a:xfrm>
+          <a:off x="0" y="0"/>
+          <a:ext cx="0" cy="0"/>
+          <a:chOff x="0" y="0"/>
+          <a:chExt cx="0" cy="0"/>
+        </a:xfrm>
+      </p:grpSpPr>
+      <p:sp>
+        <p:nvSpPr>
+          <p:cNvPr id="45" name="PlaceHolder 1"/>
+          <p:cNvSpPr>
+            <a:spLocks noGrp="1"/>
+          </p:cNvSpPr>
+          <p:nvPr>
+            <p:ph type="title"/>
+          </p:nvPr>
+        </p:nvSpPr>
+        <p:spPr>
+          <a:xfrm>
+            <a:off x="504000" y="301320"/>
+            <a:ext cx="9070920" cy="1262160"/>
+          </a:xfrm>
+          <a:prstGeom prst="rect">
+            <a:avLst/>
+          </a:prstGeom>
+        </p:spPr>
+        <p:txBody>
+          <a:bodyPr lIns="0" rIns="0" tIns="0" bIns="0" anchor="ctr"/>
+          <a:p>
+            <a:pPr algn="ctr"/>
+            <a:endParaRPr/>
+          </a:p>
+        </p:txBody>
+      </p:sp>
+    </p:spTree>
+  </p:cSld>
+</p:sldLayout>
+</file>
+
+<file path=ppt/slideLayouts/slideLayout18.xml><?xml version="1.0" encoding="utf-8"?>
+<p:sldLayout xmlns:a="http://schemas.openxmlformats.org/drawingml/2006/main" xmlns:p="http://schemas.openxmlformats.org/presentationml/2006/main" xmlns:r="http://schemas.openxmlformats.org/officeDocument/2006/relationships" type="objOnly" preserve="1">
+  <p:cSld name="Centered Text">
+    <p:spTree>
+      <p:nvGrpSpPr>
+        <p:cNvPr id="1" name=""/>
+        <p:cNvGrpSpPr/>
+        <p:nvPr/>
+      </p:nvGrpSpPr>
+      <p:grpSpPr>
+        <a:xfrm>
+          <a:off x="0" y="0"/>
+          <a:ext cx="0" cy="0"/>
+          <a:chOff x="0" y="0"/>
+          <a:chExt cx="0" cy="0"/>
+        </a:xfrm>
+      </p:grpSpPr>
+      <p:sp>
+        <p:nvSpPr>
+          <p:cNvPr id="46" name="PlaceHolder 1"/>
+          <p:cNvSpPr>
+            <a:spLocks noGrp="1"/>
+          </p:cNvSpPr>
+          <p:nvPr>
+            <p:ph type="subTitle"/>
+          </p:nvPr>
+        </p:nvSpPr>
+        <p:spPr>
+          <a:xfrm>
+            <a:off x="504000" y="301320"/>
+            <a:ext cx="9070920" cy="5850720"/>
+          </a:xfrm>
+          <a:prstGeom prst="rect">
+            <a:avLst/>
+          </a:prstGeom>
+        </p:spPr>
+        <p:txBody>
+          <a:bodyPr lIns="0" rIns="0" tIns="0" bIns="0" anchor="ctr"/>
+          <a:p>
+            <a:pPr algn="ctr"/>
+            <a:endParaRPr/>
+          </a:p>
+        </p:txBody>
+      </p:sp>
+    </p:spTree>
+  </p:cSld>
+</p:sldLayout>
+</file>
+
+<file path=ppt/slideLayouts/slideLayout19.xml><?xml version="1.0" encoding="utf-8"?>
+<p:sldLayout xmlns:a="http://schemas.openxmlformats.org/drawingml/2006/main" xmlns:p="http://schemas.openxmlformats.org/presentationml/2006/main" xmlns:r="http://schemas.openxmlformats.org/officeDocument/2006/relationships" type="twoObjAndObj" preserve="1">
+  <p:cSld name="Title, 2 Content and Content">
+    <p:spTree>
+      <p:nvGrpSpPr>
+        <p:cNvPr id="1" name=""/>
+        <p:cNvGrpSpPr/>
+        <p:nvPr/>
+      </p:nvGrpSpPr>
+      <p:grpSpPr>
+        <a:xfrm>
+          <a:off x="0" y="0"/>
+          <a:ext cx="0" cy="0"/>
+          <a:chOff x="0" y="0"/>
+          <a:chExt cx="0" cy="0"/>
+        </a:xfrm>
+      </p:grpSpPr>
+      <p:sp>
+        <p:nvSpPr>
+          <p:cNvPr id="47" name="PlaceHolder 1"/>
+          <p:cNvSpPr>
+            <a:spLocks noGrp="1"/>
+          </p:cNvSpPr>
+          <p:nvPr>
+            <p:ph type="title"/>
+          </p:nvPr>
+        </p:nvSpPr>
+        <p:spPr>
+          <a:xfrm>
+            <a:off x="504000" y="301320"/>
+            <a:ext cx="9070920" cy="1262160"/>
+          </a:xfrm>
+          <a:prstGeom prst="rect">
+            <a:avLst/>
+          </a:prstGeom>
+        </p:spPr>
+        <p:txBody>
+          <a:bodyPr lIns="0" rIns="0" tIns="0" bIns="0" anchor="ctr"/>
+          <a:p>
+            <a:pPr algn="ctr"/>
+            <a:endParaRPr/>
+          </a:p>
+        </p:txBody>
+      </p:sp>
+      <p:sp>
+        <p:nvSpPr>
+          <p:cNvPr id="48" name="PlaceHolder 2"/>
+          <p:cNvSpPr>
+            <a:spLocks noGrp="1"/>
+          </p:cNvSpPr>
+          <p:nvPr>
+            <p:ph type="body"/>
+          </p:nvPr>
+        </p:nvSpPr>
+        <p:spPr>
+          <a:xfrm>
+            <a:off x="504000" y="1768680"/>
+            <a:ext cx="4426560" cy="2090520"/>
+          </a:xfrm>
+          <a:prstGeom prst="rect">
+            <a:avLst/>
+          </a:prstGeom>
+        </p:spPr>
+        <p:txBody>
+          <a:bodyPr lIns="0" rIns="0" tIns="0" bIns="0"/>
+          <a:p>
+            <a:endParaRPr/>
+          </a:p>
+        </p:txBody>
+      </p:sp>
+      <p:sp>
+        <p:nvSpPr>
+          <p:cNvPr id="49" name="PlaceHolder 3"/>
+          <p:cNvSpPr>
+            <a:spLocks noGrp="1"/>
+          </p:cNvSpPr>
+          <p:nvPr>
+            <p:ph type="body"/>
+          </p:nvPr>
+        </p:nvSpPr>
+        <p:spPr>
+          <a:xfrm>
+            <a:off x="504000" y="4058280"/>
+            <a:ext cx="4426560" cy="2090520"/>
+          </a:xfrm>
+          <a:prstGeom prst="rect">
+            <a:avLst/>
+          </a:prstGeom>
+        </p:spPr>
+        <p:txBody>
+          <a:bodyPr lIns="0" rIns="0" tIns="0" bIns="0"/>
+          <a:p>
+            <a:endParaRPr/>
+          </a:p>
+        </p:txBody>
+      </p:sp>
+      <p:sp>
+        <p:nvSpPr>
+          <p:cNvPr id="50" name="PlaceHolder 4"/>
+          <p:cNvSpPr>
+            <a:spLocks noGrp="1"/>
+          </p:cNvSpPr>
+          <p:nvPr>
+            <p:ph type="body"/>
+          </p:nvPr>
+        </p:nvSpPr>
+        <p:spPr>
+          <a:xfrm>
+            <a:off x="5152320" y="1768680"/>
+            <a:ext cx="4426560" cy="4383000"/>
+          </a:xfrm>
+          <a:prstGeom prst="rect">
+            <a:avLst/>
+          </a:prstGeom>
+        </p:spPr>
+        <p:txBody>
+          <a:bodyPr lIns="0" rIns="0" tIns="0" bIns="0"/>
+          <a:p>
+            <a:endParaRPr/>
+          </a:p>
+        </p:txBody>
+      </p:sp>
     </p:spTree>
   </p:cSld>
 </p:sldLayout>
@@ -481,7 +989,7 @@
         <p:spPr>
           <a:xfrm>
             <a:off x="504000" y="301320"/>
-            <a:ext cx="9071640" cy="1262160"/>
+            <a:ext cx="9070920" cy="1262160"/>
           </a:xfrm>
           <a:prstGeom prst="rect">
             <a:avLst/>
@@ -508,7 +1016,989 @@
         <p:spPr>
           <a:xfrm>
             <a:off x="504000" y="1768680"/>
-            <a:ext cx="9071640" cy="4384080"/>
+            <a:ext cx="9070920" cy="4383360"/>
+          </a:xfrm>
+          <a:prstGeom prst="rect">
+            <a:avLst/>
+          </a:prstGeom>
+        </p:spPr>
+        <p:txBody>
+          <a:bodyPr lIns="0" rIns="0" tIns="0" bIns="0" anchor="ctr"/>
+          <a:p>
+            <a:pPr algn="ctr"/>
+            <a:endParaRPr/>
+          </a:p>
+        </p:txBody>
+      </p:sp>
+    </p:spTree>
+  </p:cSld>
+</p:sldLayout>
+</file>
+
+<file path=ppt/slideLayouts/slideLayout20.xml><?xml version="1.0" encoding="utf-8"?>
+<p:sldLayout xmlns:a="http://schemas.openxmlformats.org/drawingml/2006/main" xmlns:p="http://schemas.openxmlformats.org/presentationml/2006/main" xmlns:r="http://schemas.openxmlformats.org/officeDocument/2006/relationships" type="objAndTwoObj" preserve="1">
+  <p:cSld name="Title Content and 2 Content">
+    <p:spTree>
+      <p:nvGrpSpPr>
+        <p:cNvPr id="1" name=""/>
+        <p:cNvGrpSpPr/>
+        <p:nvPr/>
+      </p:nvGrpSpPr>
+      <p:grpSpPr>
+        <a:xfrm>
+          <a:off x="0" y="0"/>
+          <a:ext cx="0" cy="0"/>
+          <a:chOff x="0" y="0"/>
+          <a:chExt cx="0" cy="0"/>
+        </a:xfrm>
+      </p:grpSpPr>
+      <p:sp>
+        <p:nvSpPr>
+          <p:cNvPr id="51" name="PlaceHolder 1"/>
+          <p:cNvSpPr>
+            <a:spLocks noGrp="1"/>
+          </p:cNvSpPr>
+          <p:nvPr>
+            <p:ph type="title"/>
+          </p:nvPr>
+        </p:nvSpPr>
+        <p:spPr>
+          <a:xfrm>
+            <a:off x="504000" y="301320"/>
+            <a:ext cx="9070920" cy="1262160"/>
+          </a:xfrm>
+          <a:prstGeom prst="rect">
+            <a:avLst/>
+          </a:prstGeom>
+        </p:spPr>
+        <p:txBody>
+          <a:bodyPr lIns="0" rIns="0" tIns="0" bIns="0" anchor="ctr"/>
+          <a:p>
+            <a:pPr algn="ctr"/>
+            <a:endParaRPr/>
+          </a:p>
+        </p:txBody>
+      </p:sp>
+      <p:sp>
+        <p:nvSpPr>
+          <p:cNvPr id="52" name="PlaceHolder 2"/>
+          <p:cNvSpPr>
+            <a:spLocks noGrp="1"/>
+          </p:cNvSpPr>
+          <p:nvPr>
+            <p:ph type="body"/>
+          </p:nvPr>
+        </p:nvSpPr>
+        <p:spPr>
+          <a:xfrm>
+            <a:off x="504000" y="1768680"/>
+            <a:ext cx="4426560" cy="4383000"/>
+          </a:xfrm>
+          <a:prstGeom prst="rect">
+            <a:avLst/>
+          </a:prstGeom>
+        </p:spPr>
+        <p:txBody>
+          <a:bodyPr lIns="0" rIns="0" tIns="0" bIns="0"/>
+          <a:p>
+            <a:endParaRPr/>
+          </a:p>
+        </p:txBody>
+      </p:sp>
+      <p:sp>
+        <p:nvSpPr>
+          <p:cNvPr id="53" name="PlaceHolder 3"/>
+          <p:cNvSpPr>
+            <a:spLocks noGrp="1"/>
+          </p:cNvSpPr>
+          <p:nvPr>
+            <p:ph type="body"/>
+          </p:nvPr>
+        </p:nvSpPr>
+        <p:spPr>
+          <a:xfrm>
+            <a:off x="5152320" y="1768680"/>
+            <a:ext cx="4426560" cy="2090520"/>
+          </a:xfrm>
+          <a:prstGeom prst="rect">
+            <a:avLst/>
+          </a:prstGeom>
+        </p:spPr>
+        <p:txBody>
+          <a:bodyPr lIns="0" rIns="0" tIns="0" bIns="0"/>
+          <a:p>
+            <a:endParaRPr/>
+          </a:p>
+        </p:txBody>
+      </p:sp>
+      <p:sp>
+        <p:nvSpPr>
+          <p:cNvPr id="54" name="PlaceHolder 4"/>
+          <p:cNvSpPr>
+            <a:spLocks noGrp="1"/>
+          </p:cNvSpPr>
+          <p:nvPr>
+            <p:ph type="body"/>
+          </p:nvPr>
+        </p:nvSpPr>
+        <p:spPr>
+          <a:xfrm>
+            <a:off x="5152320" y="4058280"/>
+            <a:ext cx="4426560" cy="2090520"/>
+          </a:xfrm>
+          <a:prstGeom prst="rect">
+            <a:avLst/>
+          </a:prstGeom>
+        </p:spPr>
+        <p:txBody>
+          <a:bodyPr lIns="0" rIns="0" tIns="0" bIns="0"/>
+          <a:p>
+            <a:endParaRPr/>
+          </a:p>
+        </p:txBody>
+      </p:sp>
+    </p:spTree>
+  </p:cSld>
+</p:sldLayout>
+</file>
+
+<file path=ppt/slideLayouts/slideLayout21.xml><?xml version="1.0" encoding="utf-8"?>
+<p:sldLayout xmlns:a="http://schemas.openxmlformats.org/drawingml/2006/main" xmlns:p="http://schemas.openxmlformats.org/presentationml/2006/main" xmlns:r="http://schemas.openxmlformats.org/officeDocument/2006/relationships" type="twoObjOverTx" preserve="1">
+  <p:cSld name="Title, 2 Content over Content">
+    <p:spTree>
+      <p:nvGrpSpPr>
+        <p:cNvPr id="1" name=""/>
+        <p:cNvGrpSpPr/>
+        <p:nvPr/>
+      </p:nvGrpSpPr>
+      <p:grpSpPr>
+        <a:xfrm>
+          <a:off x="0" y="0"/>
+          <a:ext cx="0" cy="0"/>
+          <a:chOff x="0" y="0"/>
+          <a:chExt cx="0" cy="0"/>
+        </a:xfrm>
+      </p:grpSpPr>
+      <p:sp>
+        <p:nvSpPr>
+          <p:cNvPr id="55" name="PlaceHolder 1"/>
+          <p:cNvSpPr>
+            <a:spLocks noGrp="1"/>
+          </p:cNvSpPr>
+          <p:nvPr>
+            <p:ph type="title"/>
+          </p:nvPr>
+        </p:nvSpPr>
+        <p:spPr>
+          <a:xfrm>
+            <a:off x="504000" y="301320"/>
+            <a:ext cx="9070920" cy="1262160"/>
+          </a:xfrm>
+          <a:prstGeom prst="rect">
+            <a:avLst/>
+          </a:prstGeom>
+        </p:spPr>
+        <p:txBody>
+          <a:bodyPr lIns="0" rIns="0" tIns="0" bIns="0" anchor="ctr"/>
+          <a:p>
+            <a:pPr algn="ctr"/>
+            <a:endParaRPr/>
+          </a:p>
+        </p:txBody>
+      </p:sp>
+      <p:sp>
+        <p:nvSpPr>
+          <p:cNvPr id="56" name="PlaceHolder 2"/>
+          <p:cNvSpPr>
+            <a:spLocks noGrp="1"/>
+          </p:cNvSpPr>
+          <p:nvPr>
+            <p:ph type="body"/>
+          </p:nvPr>
+        </p:nvSpPr>
+        <p:spPr>
+          <a:xfrm>
+            <a:off x="504000" y="1768680"/>
+            <a:ext cx="4426560" cy="2090520"/>
+          </a:xfrm>
+          <a:prstGeom prst="rect">
+            <a:avLst/>
+          </a:prstGeom>
+        </p:spPr>
+        <p:txBody>
+          <a:bodyPr lIns="0" rIns="0" tIns="0" bIns="0"/>
+          <a:p>
+            <a:endParaRPr/>
+          </a:p>
+        </p:txBody>
+      </p:sp>
+      <p:sp>
+        <p:nvSpPr>
+          <p:cNvPr id="57" name="PlaceHolder 3"/>
+          <p:cNvSpPr>
+            <a:spLocks noGrp="1"/>
+          </p:cNvSpPr>
+          <p:nvPr>
+            <p:ph type="body"/>
+          </p:nvPr>
+        </p:nvSpPr>
+        <p:spPr>
+          <a:xfrm>
+            <a:off x="5152320" y="1768680"/>
+            <a:ext cx="4426560" cy="2090520"/>
+          </a:xfrm>
+          <a:prstGeom prst="rect">
+            <a:avLst/>
+          </a:prstGeom>
+        </p:spPr>
+        <p:txBody>
+          <a:bodyPr lIns="0" rIns="0" tIns="0" bIns="0"/>
+          <a:p>
+            <a:endParaRPr/>
+          </a:p>
+        </p:txBody>
+      </p:sp>
+      <p:sp>
+        <p:nvSpPr>
+          <p:cNvPr id="58" name="PlaceHolder 4"/>
+          <p:cNvSpPr>
+            <a:spLocks noGrp="1"/>
+          </p:cNvSpPr>
+          <p:nvPr>
+            <p:ph type="body"/>
+          </p:nvPr>
+        </p:nvSpPr>
+        <p:spPr>
+          <a:xfrm>
+            <a:off x="504000" y="4058280"/>
+            <a:ext cx="9070920" cy="2090520"/>
+          </a:xfrm>
+          <a:prstGeom prst="rect">
+            <a:avLst/>
+          </a:prstGeom>
+        </p:spPr>
+        <p:txBody>
+          <a:bodyPr lIns="0" rIns="0" tIns="0" bIns="0"/>
+          <a:p>
+            <a:endParaRPr/>
+          </a:p>
+        </p:txBody>
+      </p:sp>
+    </p:spTree>
+  </p:cSld>
+</p:sldLayout>
+</file>
+
+<file path=ppt/slideLayouts/slideLayout22.xml><?xml version="1.0" encoding="utf-8"?>
+<p:sldLayout xmlns:a="http://schemas.openxmlformats.org/drawingml/2006/main" xmlns:p="http://schemas.openxmlformats.org/presentationml/2006/main" xmlns:r="http://schemas.openxmlformats.org/officeDocument/2006/relationships" type="objOverTx" preserve="1">
+  <p:cSld name="Title, Content over Content">
+    <p:spTree>
+      <p:nvGrpSpPr>
+        <p:cNvPr id="1" name=""/>
+        <p:cNvGrpSpPr/>
+        <p:nvPr/>
+      </p:nvGrpSpPr>
+      <p:grpSpPr>
+        <a:xfrm>
+          <a:off x="0" y="0"/>
+          <a:ext cx="0" cy="0"/>
+          <a:chOff x="0" y="0"/>
+          <a:chExt cx="0" cy="0"/>
+        </a:xfrm>
+      </p:grpSpPr>
+      <p:sp>
+        <p:nvSpPr>
+          <p:cNvPr id="59" name="PlaceHolder 1"/>
+          <p:cNvSpPr>
+            <a:spLocks noGrp="1"/>
+          </p:cNvSpPr>
+          <p:nvPr>
+            <p:ph type="title"/>
+          </p:nvPr>
+        </p:nvSpPr>
+        <p:spPr>
+          <a:xfrm>
+            <a:off x="504000" y="301320"/>
+            <a:ext cx="9070920" cy="1262160"/>
+          </a:xfrm>
+          <a:prstGeom prst="rect">
+            <a:avLst/>
+          </a:prstGeom>
+        </p:spPr>
+        <p:txBody>
+          <a:bodyPr lIns="0" rIns="0" tIns="0" bIns="0" anchor="ctr"/>
+          <a:p>
+            <a:pPr algn="ctr"/>
+            <a:endParaRPr/>
+          </a:p>
+        </p:txBody>
+      </p:sp>
+      <p:sp>
+        <p:nvSpPr>
+          <p:cNvPr id="60" name="PlaceHolder 2"/>
+          <p:cNvSpPr>
+            <a:spLocks noGrp="1"/>
+          </p:cNvSpPr>
+          <p:nvPr>
+            <p:ph type="body"/>
+          </p:nvPr>
+        </p:nvSpPr>
+        <p:spPr>
+          <a:xfrm>
+            <a:off x="504000" y="1768680"/>
+            <a:ext cx="9070920" cy="2090520"/>
+          </a:xfrm>
+          <a:prstGeom prst="rect">
+            <a:avLst/>
+          </a:prstGeom>
+        </p:spPr>
+        <p:txBody>
+          <a:bodyPr lIns="0" rIns="0" tIns="0" bIns="0"/>
+          <a:p>
+            <a:endParaRPr/>
+          </a:p>
+        </p:txBody>
+      </p:sp>
+      <p:sp>
+        <p:nvSpPr>
+          <p:cNvPr id="61" name="PlaceHolder 3"/>
+          <p:cNvSpPr>
+            <a:spLocks noGrp="1"/>
+          </p:cNvSpPr>
+          <p:nvPr>
+            <p:ph type="body"/>
+          </p:nvPr>
+        </p:nvSpPr>
+        <p:spPr>
+          <a:xfrm>
+            <a:off x="504000" y="4058280"/>
+            <a:ext cx="9070920" cy="2090520"/>
+          </a:xfrm>
+          <a:prstGeom prst="rect">
+            <a:avLst/>
+          </a:prstGeom>
+        </p:spPr>
+        <p:txBody>
+          <a:bodyPr lIns="0" rIns="0" tIns="0" bIns="0"/>
+          <a:p>
+            <a:endParaRPr/>
+          </a:p>
+        </p:txBody>
+      </p:sp>
+    </p:spTree>
+  </p:cSld>
+</p:sldLayout>
+</file>
+
+<file path=ppt/slideLayouts/slideLayout23.xml><?xml version="1.0" encoding="utf-8"?>
+<p:sldLayout xmlns:a="http://schemas.openxmlformats.org/drawingml/2006/main" xmlns:p="http://schemas.openxmlformats.org/presentationml/2006/main" xmlns:r="http://schemas.openxmlformats.org/officeDocument/2006/relationships" type="fourObj" preserve="1">
+  <p:cSld name="Title, 4 Content">
+    <p:spTree>
+      <p:nvGrpSpPr>
+        <p:cNvPr id="1" name=""/>
+        <p:cNvGrpSpPr/>
+        <p:nvPr/>
+      </p:nvGrpSpPr>
+      <p:grpSpPr>
+        <a:xfrm>
+          <a:off x="0" y="0"/>
+          <a:ext cx="0" cy="0"/>
+          <a:chOff x="0" y="0"/>
+          <a:chExt cx="0" cy="0"/>
+        </a:xfrm>
+      </p:grpSpPr>
+      <p:sp>
+        <p:nvSpPr>
+          <p:cNvPr id="62" name="PlaceHolder 1"/>
+          <p:cNvSpPr>
+            <a:spLocks noGrp="1"/>
+          </p:cNvSpPr>
+          <p:nvPr>
+            <p:ph type="title"/>
+          </p:nvPr>
+        </p:nvSpPr>
+        <p:spPr>
+          <a:xfrm>
+            <a:off x="504000" y="301320"/>
+            <a:ext cx="9070920" cy="1262160"/>
+          </a:xfrm>
+          <a:prstGeom prst="rect">
+            <a:avLst/>
+          </a:prstGeom>
+        </p:spPr>
+        <p:txBody>
+          <a:bodyPr lIns="0" rIns="0" tIns="0" bIns="0" anchor="ctr"/>
+          <a:p>
+            <a:pPr algn="ctr"/>
+            <a:endParaRPr/>
+          </a:p>
+        </p:txBody>
+      </p:sp>
+      <p:sp>
+        <p:nvSpPr>
+          <p:cNvPr id="63" name="PlaceHolder 2"/>
+          <p:cNvSpPr>
+            <a:spLocks noGrp="1"/>
+          </p:cNvSpPr>
+          <p:nvPr>
+            <p:ph type="body"/>
+          </p:nvPr>
+        </p:nvSpPr>
+        <p:spPr>
+          <a:xfrm>
+            <a:off x="504000" y="1768680"/>
+            <a:ext cx="4426560" cy="2090520"/>
+          </a:xfrm>
+          <a:prstGeom prst="rect">
+            <a:avLst/>
+          </a:prstGeom>
+        </p:spPr>
+        <p:txBody>
+          <a:bodyPr lIns="0" rIns="0" tIns="0" bIns="0"/>
+          <a:p>
+            <a:endParaRPr/>
+          </a:p>
+        </p:txBody>
+      </p:sp>
+      <p:sp>
+        <p:nvSpPr>
+          <p:cNvPr id="64" name="PlaceHolder 3"/>
+          <p:cNvSpPr>
+            <a:spLocks noGrp="1"/>
+          </p:cNvSpPr>
+          <p:nvPr>
+            <p:ph type="body"/>
+          </p:nvPr>
+        </p:nvSpPr>
+        <p:spPr>
+          <a:xfrm>
+            <a:off x="5152320" y="1768680"/>
+            <a:ext cx="4426560" cy="2090520"/>
+          </a:xfrm>
+          <a:prstGeom prst="rect">
+            <a:avLst/>
+          </a:prstGeom>
+        </p:spPr>
+        <p:txBody>
+          <a:bodyPr lIns="0" rIns="0" tIns="0" bIns="0"/>
+          <a:p>
+            <a:endParaRPr/>
+          </a:p>
+        </p:txBody>
+      </p:sp>
+      <p:sp>
+        <p:nvSpPr>
+          <p:cNvPr id="65" name="PlaceHolder 4"/>
+          <p:cNvSpPr>
+            <a:spLocks noGrp="1"/>
+          </p:cNvSpPr>
+          <p:nvPr>
+            <p:ph type="body"/>
+          </p:nvPr>
+        </p:nvSpPr>
+        <p:spPr>
+          <a:xfrm>
+            <a:off x="5152320" y="4058280"/>
+            <a:ext cx="4426560" cy="2090520"/>
+          </a:xfrm>
+          <a:prstGeom prst="rect">
+            <a:avLst/>
+          </a:prstGeom>
+        </p:spPr>
+        <p:txBody>
+          <a:bodyPr lIns="0" rIns="0" tIns="0" bIns="0"/>
+          <a:p>
+            <a:endParaRPr/>
+          </a:p>
+        </p:txBody>
+      </p:sp>
+      <p:sp>
+        <p:nvSpPr>
+          <p:cNvPr id="66" name="PlaceHolder 5"/>
+          <p:cNvSpPr>
+            <a:spLocks noGrp="1"/>
+          </p:cNvSpPr>
+          <p:nvPr>
+            <p:ph type="body"/>
+          </p:nvPr>
+        </p:nvSpPr>
+        <p:spPr>
+          <a:xfrm>
+            <a:off x="504000" y="4058280"/>
+            <a:ext cx="4426560" cy="2090520"/>
+          </a:xfrm>
+          <a:prstGeom prst="rect">
+            <a:avLst/>
+          </a:prstGeom>
+        </p:spPr>
+        <p:txBody>
+          <a:bodyPr lIns="0" rIns="0" tIns="0" bIns="0"/>
+          <a:p>
+            <a:endParaRPr/>
+          </a:p>
+        </p:txBody>
+      </p:sp>
+    </p:spTree>
+  </p:cSld>
+</p:sldLayout>
+</file>
+
+<file path=ppt/slideLayouts/slideLayout24.xml><?xml version="1.0" encoding="utf-8"?>
+<p:sldLayout xmlns:a="http://schemas.openxmlformats.org/drawingml/2006/main" xmlns:p="http://schemas.openxmlformats.org/presentationml/2006/main" xmlns:r="http://schemas.openxmlformats.org/officeDocument/2006/relationships" type="blank" preserve="1">
+  <p:cSld name="Title, 6 Content">
+    <p:spTree>
+      <p:nvGrpSpPr>
+        <p:cNvPr id="1" name=""/>
+        <p:cNvGrpSpPr/>
+        <p:nvPr/>
+      </p:nvGrpSpPr>
+      <p:grpSpPr>
+        <a:xfrm>
+          <a:off x="0" y="0"/>
+          <a:ext cx="0" cy="0"/>
+          <a:chOff x="0" y="0"/>
+          <a:chExt cx="0" cy="0"/>
+        </a:xfrm>
+      </p:grpSpPr>
+      <p:sp>
+        <p:nvSpPr>
+          <p:cNvPr id="67" name="PlaceHolder 1"/>
+          <p:cNvSpPr>
+            <a:spLocks noGrp="1"/>
+          </p:cNvSpPr>
+          <p:nvPr>
+            <p:ph type="title"/>
+          </p:nvPr>
+        </p:nvSpPr>
+        <p:spPr>
+          <a:xfrm>
+            <a:off x="504000" y="301320"/>
+            <a:ext cx="9070920" cy="1262160"/>
+          </a:xfrm>
+          <a:prstGeom prst="rect">
+            <a:avLst/>
+          </a:prstGeom>
+        </p:spPr>
+        <p:txBody>
+          <a:bodyPr lIns="0" rIns="0" tIns="0" bIns="0" anchor="ctr"/>
+          <a:p>
+            <a:pPr algn="ctr"/>
+            <a:endParaRPr/>
+          </a:p>
+        </p:txBody>
+      </p:sp>
+      <p:sp>
+        <p:nvSpPr>
+          <p:cNvPr id="68" name="PlaceHolder 2"/>
+          <p:cNvSpPr>
+            <a:spLocks noGrp="1"/>
+          </p:cNvSpPr>
+          <p:nvPr>
+            <p:ph type="body"/>
+          </p:nvPr>
+        </p:nvSpPr>
+        <p:spPr>
+          <a:xfrm>
+            <a:off x="504000" y="1768680"/>
+            <a:ext cx="9070920" cy="4383000"/>
+          </a:xfrm>
+          <a:prstGeom prst="rect">
+            <a:avLst/>
+          </a:prstGeom>
+        </p:spPr>
+        <p:txBody>
+          <a:bodyPr lIns="0" rIns="0" tIns="0" bIns="0"/>
+          <a:p>
+            <a:endParaRPr/>
+          </a:p>
+        </p:txBody>
+      </p:sp>
+      <p:sp>
+        <p:nvSpPr>
+          <p:cNvPr id="69" name="PlaceHolder 3"/>
+          <p:cNvSpPr>
+            <a:spLocks noGrp="1"/>
+          </p:cNvSpPr>
+          <p:nvPr>
+            <p:ph type="body"/>
+          </p:nvPr>
+        </p:nvSpPr>
+        <p:spPr>
+          <a:xfrm>
+            <a:off x="504000" y="1768680"/>
+            <a:ext cx="9070920" cy="4383000"/>
+          </a:xfrm>
+          <a:prstGeom prst="rect">
+            <a:avLst/>
+          </a:prstGeom>
+        </p:spPr>
+        <p:txBody>
+          <a:bodyPr lIns="0" rIns="0" tIns="0" bIns="0"/>
+          <a:p>
+            <a:endParaRPr/>
+          </a:p>
+        </p:txBody>
+      </p:sp>
+      <p:pic>
+        <p:nvPicPr>
+          <p:cNvPr id="70" name="" descr=""/>
+          <p:cNvPicPr/>
+          <p:nvPr/>
+        </p:nvPicPr>
+        <p:blipFill>
+          <a:blip r:embed="rId2"/>
+          <a:stretch>
+            <a:fillRect/>
+          </a:stretch>
+        </p:blipFill>
+        <p:spPr>
+          <a:xfrm>
+            <a:off x="2292480" y="1768320"/>
+            <a:ext cx="5493240" cy="4383000"/>
+          </a:xfrm>
+          <a:prstGeom prst="rect">
+            <a:avLst/>
+          </a:prstGeom>
+          <a:ln>
+            <a:noFill/>
+          </a:ln>
+        </p:spPr>
+      </p:pic>
+      <p:pic>
+        <p:nvPicPr>
+          <p:cNvPr id="71" name="" descr=""/>
+          <p:cNvPicPr/>
+          <p:nvPr/>
+        </p:nvPicPr>
+        <p:blipFill>
+          <a:blip r:embed="rId3"/>
+          <a:stretch>
+            <a:fillRect/>
+          </a:stretch>
+        </p:blipFill>
+        <p:spPr>
+          <a:xfrm>
+            <a:off x="2292480" y="1768320"/>
+            <a:ext cx="5493240" cy="4383000"/>
+          </a:xfrm>
+          <a:prstGeom prst="rect">
+            <a:avLst/>
+          </a:prstGeom>
+          <a:ln>
+            <a:noFill/>
+          </a:ln>
+        </p:spPr>
+      </p:pic>
+    </p:spTree>
+  </p:cSld>
+</p:sldLayout>
+</file>
+
+<file path=ppt/slideLayouts/slideLayout25.xml><?xml version="1.0" encoding="utf-8"?>
+<p:sldLayout xmlns:a="http://schemas.openxmlformats.org/drawingml/2006/main" xmlns:p="http://schemas.openxmlformats.org/presentationml/2006/main" xmlns:r="http://schemas.openxmlformats.org/officeDocument/2006/relationships" type="blank" preserve="1">
+  <p:cSld name="Blank Slide">
+    <p:spTree>
+      <p:nvGrpSpPr>
+        <p:cNvPr id="1" name=""/>
+        <p:cNvGrpSpPr/>
+        <p:nvPr/>
+      </p:nvGrpSpPr>
+      <p:grpSpPr>
+        <a:xfrm>
+          <a:off x="0" y="0"/>
+          <a:ext cx="0" cy="0"/>
+          <a:chOff x="0" y="0"/>
+          <a:chExt cx="0" cy="0"/>
+        </a:xfrm>
+      </p:grpSpPr>
+    </p:spTree>
+  </p:cSld>
+</p:sldLayout>
+</file>
+
+<file path=ppt/slideLayouts/slideLayout26.xml><?xml version="1.0" encoding="utf-8"?>
+<p:sldLayout xmlns:a="http://schemas.openxmlformats.org/drawingml/2006/main" xmlns:p="http://schemas.openxmlformats.org/presentationml/2006/main" xmlns:r="http://schemas.openxmlformats.org/officeDocument/2006/relationships" type="tx" preserve="1">
+  <p:cSld name="Title Slide">
+    <p:spTree>
+      <p:nvGrpSpPr>
+        <p:cNvPr id="1" name=""/>
+        <p:cNvGrpSpPr/>
+        <p:nvPr/>
+      </p:nvGrpSpPr>
+      <p:grpSpPr>
+        <a:xfrm>
+          <a:off x="0" y="0"/>
+          <a:ext cx="0" cy="0"/>
+          <a:chOff x="0" y="0"/>
+          <a:chExt cx="0" cy="0"/>
+        </a:xfrm>
+      </p:grpSpPr>
+      <p:sp>
+        <p:nvSpPr>
+          <p:cNvPr id="74" name="PlaceHolder 1"/>
+          <p:cNvSpPr>
+            <a:spLocks noGrp="1"/>
+          </p:cNvSpPr>
+          <p:nvPr>
+            <p:ph type="title"/>
+          </p:nvPr>
+        </p:nvSpPr>
+        <p:spPr>
+          <a:xfrm>
+            <a:off x="504000" y="301320"/>
+            <a:ext cx="9070920" cy="1262160"/>
+          </a:xfrm>
+          <a:prstGeom prst="rect">
+            <a:avLst/>
+          </a:prstGeom>
+        </p:spPr>
+        <p:txBody>
+          <a:bodyPr lIns="0" rIns="0" tIns="0" bIns="0" anchor="ctr"/>
+          <a:p>
+            <a:pPr algn="ctr"/>
+            <a:endParaRPr/>
+          </a:p>
+        </p:txBody>
+      </p:sp>
+      <p:sp>
+        <p:nvSpPr>
+          <p:cNvPr id="75" name="PlaceHolder 2"/>
+          <p:cNvSpPr>
+            <a:spLocks noGrp="1"/>
+          </p:cNvSpPr>
+          <p:nvPr>
+            <p:ph type="subTitle"/>
+          </p:nvPr>
+        </p:nvSpPr>
+        <p:spPr>
+          <a:xfrm>
+            <a:off x="504000" y="1768680"/>
+            <a:ext cx="9070920" cy="4383360"/>
+          </a:xfrm>
+          <a:prstGeom prst="rect">
+            <a:avLst/>
+          </a:prstGeom>
+        </p:spPr>
+        <p:txBody>
+          <a:bodyPr lIns="0" rIns="0" tIns="0" bIns="0" anchor="ctr"/>
+          <a:p>
+            <a:pPr algn="ctr"/>
+            <a:endParaRPr/>
+          </a:p>
+        </p:txBody>
+      </p:sp>
+    </p:spTree>
+  </p:cSld>
+</p:sldLayout>
+</file>
+
+<file path=ppt/slideLayouts/slideLayout27.xml><?xml version="1.0" encoding="utf-8"?>
+<p:sldLayout xmlns:a="http://schemas.openxmlformats.org/drawingml/2006/main" xmlns:p="http://schemas.openxmlformats.org/presentationml/2006/main" xmlns:r="http://schemas.openxmlformats.org/officeDocument/2006/relationships" type="obj" preserve="1">
+  <p:cSld name="Title, Content">
+    <p:spTree>
+      <p:nvGrpSpPr>
+        <p:cNvPr id="1" name=""/>
+        <p:cNvGrpSpPr/>
+        <p:nvPr/>
+      </p:nvGrpSpPr>
+      <p:grpSpPr>
+        <a:xfrm>
+          <a:off x="0" y="0"/>
+          <a:ext cx="0" cy="0"/>
+          <a:chOff x="0" y="0"/>
+          <a:chExt cx="0" cy="0"/>
+        </a:xfrm>
+      </p:grpSpPr>
+      <p:sp>
+        <p:nvSpPr>
+          <p:cNvPr id="76" name="PlaceHolder 1"/>
+          <p:cNvSpPr>
+            <a:spLocks noGrp="1"/>
+          </p:cNvSpPr>
+          <p:nvPr>
+            <p:ph type="title"/>
+          </p:nvPr>
+        </p:nvSpPr>
+        <p:spPr>
+          <a:xfrm>
+            <a:off x="504000" y="301320"/>
+            <a:ext cx="9070920" cy="1262160"/>
+          </a:xfrm>
+          <a:prstGeom prst="rect">
+            <a:avLst/>
+          </a:prstGeom>
+        </p:spPr>
+        <p:txBody>
+          <a:bodyPr lIns="0" rIns="0" tIns="0" bIns="0" anchor="ctr"/>
+          <a:p>
+            <a:pPr algn="ctr"/>
+            <a:endParaRPr/>
+          </a:p>
+        </p:txBody>
+      </p:sp>
+      <p:sp>
+        <p:nvSpPr>
+          <p:cNvPr id="77" name="PlaceHolder 2"/>
+          <p:cNvSpPr>
+            <a:spLocks noGrp="1"/>
+          </p:cNvSpPr>
+          <p:nvPr>
+            <p:ph type="body"/>
+          </p:nvPr>
+        </p:nvSpPr>
+        <p:spPr>
+          <a:xfrm>
+            <a:off x="504000" y="1768680"/>
+            <a:ext cx="9070920" cy="4383000"/>
+          </a:xfrm>
+          <a:prstGeom prst="rect">
+            <a:avLst/>
+          </a:prstGeom>
+        </p:spPr>
+        <p:txBody>
+          <a:bodyPr lIns="0" rIns="0" tIns="0" bIns="0"/>
+          <a:p>
+            <a:endParaRPr/>
+          </a:p>
+        </p:txBody>
+      </p:sp>
+    </p:spTree>
+  </p:cSld>
+</p:sldLayout>
+</file>
+
+<file path=ppt/slideLayouts/slideLayout28.xml><?xml version="1.0" encoding="utf-8"?>
+<p:sldLayout xmlns:a="http://schemas.openxmlformats.org/drawingml/2006/main" xmlns:p="http://schemas.openxmlformats.org/presentationml/2006/main" xmlns:r="http://schemas.openxmlformats.org/officeDocument/2006/relationships" type="twoObj" preserve="1">
+  <p:cSld name="Title, 2 Content">
+    <p:spTree>
+      <p:nvGrpSpPr>
+        <p:cNvPr id="1" name=""/>
+        <p:cNvGrpSpPr/>
+        <p:nvPr/>
+      </p:nvGrpSpPr>
+      <p:grpSpPr>
+        <a:xfrm>
+          <a:off x="0" y="0"/>
+          <a:ext cx="0" cy="0"/>
+          <a:chOff x="0" y="0"/>
+          <a:chExt cx="0" cy="0"/>
+        </a:xfrm>
+      </p:grpSpPr>
+      <p:sp>
+        <p:nvSpPr>
+          <p:cNvPr id="78" name="PlaceHolder 1"/>
+          <p:cNvSpPr>
+            <a:spLocks noGrp="1"/>
+          </p:cNvSpPr>
+          <p:nvPr>
+            <p:ph type="title"/>
+          </p:nvPr>
+        </p:nvSpPr>
+        <p:spPr>
+          <a:xfrm>
+            <a:off x="504000" y="301320"/>
+            <a:ext cx="9070920" cy="1262160"/>
+          </a:xfrm>
+          <a:prstGeom prst="rect">
+            <a:avLst/>
+          </a:prstGeom>
+        </p:spPr>
+        <p:txBody>
+          <a:bodyPr lIns="0" rIns="0" tIns="0" bIns="0" anchor="ctr"/>
+          <a:p>
+            <a:pPr algn="ctr"/>
+            <a:endParaRPr/>
+          </a:p>
+        </p:txBody>
+      </p:sp>
+      <p:sp>
+        <p:nvSpPr>
+          <p:cNvPr id="79" name="PlaceHolder 2"/>
+          <p:cNvSpPr>
+            <a:spLocks noGrp="1"/>
+          </p:cNvSpPr>
+          <p:nvPr>
+            <p:ph type="body"/>
+          </p:nvPr>
+        </p:nvSpPr>
+        <p:spPr>
+          <a:xfrm>
+            <a:off x="504000" y="1768680"/>
+            <a:ext cx="4426560" cy="4383000"/>
+          </a:xfrm>
+          <a:prstGeom prst="rect">
+            <a:avLst/>
+          </a:prstGeom>
+        </p:spPr>
+        <p:txBody>
+          <a:bodyPr lIns="0" rIns="0" tIns="0" bIns="0"/>
+          <a:p>
+            <a:endParaRPr/>
+          </a:p>
+        </p:txBody>
+      </p:sp>
+      <p:sp>
+        <p:nvSpPr>
+          <p:cNvPr id="80" name="PlaceHolder 3"/>
+          <p:cNvSpPr>
+            <a:spLocks noGrp="1"/>
+          </p:cNvSpPr>
+          <p:nvPr>
+            <p:ph type="body"/>
+          </p:nvPr>
+        </p:nvSpPr>
+        <p:spPr>
+          <a:xfrm>
+            <a:off x="5152320" y="1768680"/>
+            <a:ext cx="4426560" cy="4383000"/>
+          </a:xfrm>
+          <a:prstGeom prst="rect">
+            <a:avLst/>
+          </a:prstGeom>
+        </p:spPr>
+        <p:txBody>
+          <a:bodyPr lIns="0" rIns="0" tIns="0" bIns="0"/>
+          <a:p>
+            <a:endParaRPr/>
+          </a:p>
+        </p:txBody>
+      </p:sp>
+    </p:spTree>
+  </p:cSld>
+</p:sldLayout>
+</file>
+
+<file path=ppt/slideLayouts/slideLayout29.xml><?xml version="1.0" encoding="utf-8"?>
+<p:sldLayout xmlns:a="http://schemas.openxmlformats.org/drawingml/2006/main" xmlns:p="http://schemas.openxmlformats.org/presentationml/2006/main" xmlns:r="http://schemas.openxmlformats.org/officeDocument/2006/relationships" type="titleOnly" preserve="1">
+  <p:cSld name="Title Only">
+    <p:spTree>
+      <p:nvGrpSpPr>
+        <p:cNvPr id="1" name=""/>
+        <p:cNvGrpSpPr/>
+        <p:nvPr/>
+      </p:nvGrpSpPr>
+      <p:grpSpPr>
+        <a:xfrm>
+          <a:off x="0" y="0"/>
+          <a:ext cx="0" cy="0"/>
+          <a:chOff x="0" y="0"/>
+          <a:chExt cx="0" cy="0"/>
+        </a:xfrm>
+      </p:grpSpPr>
+      <p:sp>
+        <p:nvSpPr>
+          <p:cNvPr id="81" name="PlaceHolder 1"/>
+          <p:cNvSpPr>
+            <a:spLocks noGrp="1"/>
+          </p:cNvSpPr>
+          <p:nvPr>
+            <p:ph type="title"/>
+          </p:nvPr>
+        </p:nvSpPr>
+        <p:spPr>
+          <a:xfrm>
+            <a:off x="504000" y="301320"/>
+            <a:ext cx="9070920" cy="1262160"/>
           </a:xfrm>
           <a:prstGeom prst="rect">
             <a:avLst/>
@@ -557,7 +2047,7 @@
         <p:spPr>
           <a:xfrm>
             <a:off x="504000" y="301320"/>
-            <a:ext cx="9071640" cy="1262160"/>
+            <a:ext cx="9070920" cy="1262160"/>
           </a:xfrm>
           <a:prstGeom prst="rect">
             <a:avLst/>
@@ -584,7 +2074,7 @@
         <p:spPr>
           <a:xfrm>
             <a:off x="504000" y="1768680"/>
-            <a:ext cx="9071640" cy="4383720"/>
+            <a:ext cx="9070920" cy="4383000"/>
           </a:xfrm>
           <a:prstGeom prst="rect">
             <a:avLst/>
@@ -597,6 +2087,841 @@
           </a:p>
         </p:txBody>
       </p:sp>
+    </p:spTree>
+  </p:cSld>
+</p:sldLayout>
+</file>
+
+<file path=ppt/slideLayouts/slideLayout30.xml><?xml version="1.0" encoding="utf-8"?>
+<p:sldLayout xmlns:a="http://schemas.openxmlformats.org/drawingml/2006/main" xmlns:p="http://schemas.openxmlformats.org/presentationml/2006/main" xmlns:r="http://schemas.openxmlformats.org/officeDocument/2006/relationships" type="objOnly" preserve="1">
+  <p:cSld name="Centered Text">
+    <p:spTree>
+      <p:nvGrpSpPr>
+        <p:cNvPr id="1" name=""/>
+        <p:cNvGrpSpPr/>
+        <p:nvPr/>
+      </p:nvGrpSpPr>
+      <p:grpSpPr>
+        <a:xfrm>
+          <a:off x="0" y="0"/>
+          <a:ext cx="0" cy="0"/>
+          <a:chOff x="0" y="0"/>
+          <a:chExt cx="0" cy="0"/>
+        </a:xfrm>
+      </p:grpSpPr>
+      <p:sp>
+        <p:nvSpPr>
+          <p:cNvPr id="82" name="PlaceHolder 1"/>
+          <p:cNvSpPr>
+            <a:spLocks noGrp="1"/>
+          </p:cNvSpPr>
+          <p:nvPr>
+            <p:ph type="subTitle"/>
+          </p:nvPr>
+        </p:nvSpPr>
+        <p:spPr>
+          <a:xfrm>
+            <a:off x="504000" y="301320"/>
+            <a:ext cx="9070920" cy="5850720"/>
+          </a:xfrm>
+          <a:prstGeom prst="rect">
+            <a:avLst/>
+          </a:prstGeom>
+        </p:spPr>
+        <p:txBody>
+          <a:bodyPr lIns="0" rIns="0" tIns="0" bIns="0" anchor="ctr"/>
+          <a:p>
+            <a:pPr algn="ctr"/>
+            <a:endParaRPr/>
+          </a:p>
+        </p:txBody>
+      </p:sp>
+    </p:spTree>
+  </p:cSld>
+</p:sldLayout>
+</file>
+
+<file path=ppt/slideLayouts/slideLayout31.xml><?xml version="1.0" encoding="utf-8"?>
+<p:sldLayout xmlns:a="http://schemas.openxmlformats.org/drawingml/2006/main" xmlns:p="http://schemas.openxmlformats.org/presentationml/2006/main" xmlns:r="http://schemas.openxmlformats.org/officeDocument/2006/relationships" type="twoObjAndObj" preserve="1">
+  <p:cSld name="Title, 2 Content and Content">
+    <p:spTree>
+      <p:nvGrpSpPr>
+        <p:cNvPr id="1" name=""/>
+        <p:cNvGrpSpPr/>
+        <p:nvPr/>
+      </p:nvGrpSpPr>
+      <p:grpSpPr>
+        <a:xfrm>
+          <a:off x="0" y="0"/>
+          <a:ext cx="0" cy="0"/>
+          <a:chOff x="0" y="0"/>
+          <a:chExt cx="0" cy="0"/>
+        </a:xfrm>
+      </p:grpSpPr>
+      <p:sp>
+        <p:nvSpPr>
+          <p:cNvPr id="83" name="PlaceHolder 1"/>
+          <p:cNvSpPr>
+            <a:spLocks noGrp="1"/>
+          </p:cNvSpPr>
+          <p:nvPr>
+            <p:ph type="title"/>
+          </p:nvPr>
+        </p:nvSpPr>
+        <p:spPr>
+          <a:xfrm>
+            <a:off x="504000" y="301320"/>
+            <a:ext cx="9070920" cy="1262160"/>
+          </a:xfrm>
+          <a:prstGeom prst="rect">
+            <a:avLst/>
+          </a:prstGeom>
+        </p:spPr>
+        <p:txBody>
+          <a:bodyPr lIns="0" rIns="0" tIns="0" bIns="0" anchor="ctr"/>
+          <a:p>
+            <a:pPr algn="ctr"/>
+            <a:endParaRPr/>
+          </a:p>
+        </p:txBody>
+      </p:sp>
+      <p:sp>
+        <p:nvSpPr>
+          <p:cNvPr id="84" name="PlaceHolder 2"/>
+          <p:cNvSpPr>
+            <a:spLocks noGrp="1"/>
+          </p:cNvSpPr>
+          <p:nvPr>
+            <p:ph type="body"/>
+          </p:nvPr>
+        </p:nvSpPr>
+        <p:spPr>
+          <a:xfrm>
+            <a:off x="504000" y="1768680"/>
+            <a:ext cx="4426560" cy="2090520"/>
+          </a:xfrm>
+          <a:prstGeom prst="rect">
+            <a:avLst/>
+          </a:prstGeom>
+        </p:spPr>
+        <p:txBody>
+          <a:bodyPr lIns="0" rIns="0" tIns="0" bIns="0"/>
+          <a:p>
+            <a:endParaRPr/>
+          </a:p>
+        </p:txBody>
+      </p:sp>
+      <p:sp>
+        <p:nvSpPr>
+          <p:cNvPr id="85" name="PlaceHolder 3"/>
+          <p:cNvSpPr>
+            <a:spLocks noGrp="1"/>
+          </p:cNvSpPr>
+          <p:nvPr>
+            <p:ph type="body"/>
+          </p:nvPr>
+        </p:nvSpPr>
+        <p:spPr>
+          <a:xfrm>
+            <a:off x="504000" y="4058280"/>
+            <a:ext cx="4426560" cy="2090520"/>
+          </a:xfrm>
+          <a:prstGeom prst="rect">
+            <a:avLst/>
+          </a:prstGeom>
+        </p:spPr>
+        <p:txBody>
+          <a:bodyPr lIns="0" rIns="0" tIns="0" bIns="0"/>
+          <a:p>
+            <a:endParaRPr/>
+          </a:p>
+        </p:txBody>
+      </p:sp>
+      <p:sp>
+        <p:nvSpPr>
+          <p:cNvPr id="86" name="PlaceHolder 4"/>
+          <p:cNvSpPr>
+            <a:spLocks noGrp="1"/>
+          </p:cNvSpPr>
+          <p:nvPr>
+            <p:ph type="body"/>
+          </p:nvPr>
+        </p:nvSpPr>
+        <p:spPr>
+          <a:xfrm>
+            <a:off x="5152320" y="1768680"/>
+            <a:ext cx="4426560" cy="4383000"/>
+          </a:xfrm>
+          <a:prstGeom prst="rect">
+            <a:avLst/>
+          </a:prstGeom>
+        </p:spPr>
+        <p:txBody>
+          <a:bodyPr lIns="0" rIns="0" tIns="0" bIns="0"/>
+          <a:p>
+            <a:endParaRPr/>
+          </a:p>
+        </p:txBody>
+      </p:sp>
+    </p:spTree>
+  </p:cSld>
+</p:sldLayout>
+</file>
+
+<file path=ppt/slideLayouts/slideLayout32.xml><?xml version="1.0" encoding="utf-8"?>
+<p:sldLayout xmlns:a="http://schemas.openxmlformats.org/drawingml/2006/main" xmlns:p="http://schemas.openxmlformats.org/presentationml/2006/main" xmlns:r="http://schemas.openxmlformats.org/officeDocument/2006/relationships" type="objAndTwoObj" preserve="1">
+  <p:cSld name="Title Content and 2 Content">
+    <p:spTree>
+      <p:nvGrpSpPr>
+        <p:cNvPr id="1" name=""/>
+        <p:cNvGrpSpPr/>
+        <p:nvPr/>
+      </p:nvGrpSpPr>
+      <p:grpSpPr>
+        <a:xfrm>
+          <a:off x="0" y="0"/>
+          <a:ext cx="0" cy="0"/>
+          <a:chOff x="0" y="0"/>
+          <a:chExt cx="0" cy="0"/>
+        </a:xfrm>
+      </p:grpSpPr>
+      <p:sp>
+        <p:nvSpPr>
+          <p:cNvPr id="87" name="PlaceHolder 1"/>
+          <p:cNvSpPr>
+            <a:spLocks noGrp="1"/>
+          </p:cNvSpPr>
+          <p:nvPr>
+            <p:ph type="title"/>
+          </p:nvPr>
+        </p:nvSpPr>
+        <p:spPr>
+          <a:xfrm>
+            <a:off x="504000" y="301320"/>
+            <a:ext cx="9070920" cy="1262160"/>
+          </a:xfrm>
+          <a:prstGeom prst="rect">
+            <a:avLst/>
+          </a:prstGeom>
+        </p:spPr>
+        <p:txBody>
+          <a:bodyPr lIns="0" rIns="0" tIns="0" bIns="0" anchor="ctr"/>
+          <a:p>
+            <a:pPr algn="ctr"/>
+            <a:endParaRPr/>
+          </a:p>
+        </p:txBody>
+      </p:sp>
+      <p:sp>
+        <p:nvSpPr>
+          <p:cNvPr id="88" name="PlaceHolder 2"/>
+          <p:cNvSpPr>
+            <a:spLocks noGrp="1"/>
+          </p:cNvSpPr>
+          <p:nvPr>
+            <p:ph type="body"/>
+          </p:nvPr>
+        </p:nvSpPr>
+        <p:spPr>
+          <a:xfrm>
+            <a:off x="504000" y="1768680"/>
+            <a:ext cx="4426560" cy="4383000"/>
+          </a:xfrm>
+          <a:prstGeom prst="rect">
+            <a:avLst/>
+          </a:prstGeom>
+        </p:spPr>
+        <p:txBody>
+          <a:bodyPr lIns="0" rIns="0" tIns="0" bIns="0"/>
+          <a:p>
+            <a:endParaRPr/>
+          </a:p>
+        </p:txBody>
+      </p:sp>
+      <p:sp>
+        <p:nvSpPr>
+          <p:cNvPr id="89" name="PlaceHolder 3"/>
+          <p:cNvSpPr>
+            <a:spLocks noGrp="1"/>
+          </p:cNvSpPr>
+          <p:nvPr>
+            <p:ph type="body"/>
+          </p:nvPr>
+        </p:nvSpPr>
+        <p:spPr>
+          <a:xfrm>
+            <a:off x="5152320" y="1768680"/>
+            <a:ext cx="4426560" cy="2090520"/>
+          </a:xfrm>
+          <a:prstGeom prst="rect">
+            <a:avLst/>
+          </a:prstGeom>
+        </p:spPr>
+        <p:txBody>
+          <a:bodyPr lIns="0" rIns="0" tIns="0" bIns="0"/>
+          <a:p>
+            <a:endParaRPr/>
+          </a:p>
+        </p:txBody>
+      </p:sp>
+      <p:sp>
+        <p:nvSpPr>
+          <p:cNvPr id="90" name="PlaceHolder 4"/>
+          <p:cNvSpPr>
+            <a:spLocks noGrp="1"/>
+          </p:cNvSpPr>
+          <p:nvPr>
+            <p:ph type="body"/>
+          </p:nvPr>
+        </p:nvSpPr>
+        <p:spPr>
+          <a:xfrm>
+            <a:off x="5152320" y="4058280"/>
+            <a:ext cx="4426560" cy="2090520"/>
+          </a:xfrm>
+          <a:prstGeom prst="rect">
+            <a:avLst/>
+          </a:prstGeom>
+        </p:spPr>
+        <p:txBody>
+          <a:bodyPr lIns="0" rIns="0" tIns="0" bIns="0"/>
+          <a:p>
+            <a:endParaRPr/>
+          </a:p>
+        </p:txBody>
+      </p:sp>
+    </p:spTree>
+  </p:cSld>
+</p:sldLayout>
+</file>
+
+<file path=ppt/slideLayouts/slideLayout33.xml><?xml version="1.0" encoding="utf-8"?>
+<p:sldLayout xmlns:a="http://schemas.openxmlformats.org/drawingml/2006/main" xmlns:p="http://schemas.openxmlformats.org/presentationml/2006/main" xmlns:r="http://schemas.openxmlformats.org/officeDocument/2006/relationships" type="twoObjOverTx" preserve="1">
+  <p:cSld name="Title, 2 Content over Content">
+    <p:spTree>
+      <p:nvGrpSpPr>
+        <p:cNvPr id="1" name=""/>
+        <p:cNvGrpSpPr/>
+        <p:nvPr/>
+      </p:nvGrpSpPr>
+      <p:grpSpPr>
+        <a:xfrm>
+          <a:off x="0" y="0"/>
+          <a:ext cx="0" cy="0"/>
+          <a:chOff x="0" y="0"/>
+          <a:chExt cx="0" cy="0"/>
+        </a:xfrm>
+      </p:grpSpPr>
+      <p:sp>
+        <p:nvSpPr>
+          <p:cNvPr id="91" name="PlaceHolder 1"/>
+          <p:cNvSpPr>
+            <a:spLocks noGrp="1"/>
+          </p:cNvSpPr>
+          <p:nvPr>
+            <p:ph type="title"/>
+          </p:nvPr>
+        </p:nvSpPr>
+        <p:spPr>
+          <a:xfrm>
+            <a:off x="504000" y="301320"/>
+            <a:ext cx="9070920" cy="1262160"/>
+          </a:xfrm>
+          <a:prstGeom prst="rect">
+            <a:avLst/>
+          </a:prstGeom>
+        </p:spPr>
+        <p:txBody>
+          <a:bodyPr lIns="0" rIns="0" tIns="0" bIns="0" anchor="ctr"/>
+          <a:p>
+            <a:pPr algn="ctr"/>
+            <a:endParaRPr/>
+          </a:p>
+        </p:txBody>
+      </p:sp>
+      <p:sp>
+        <p:nvSpPr>
+          <p:cNvPr id="92" name="PlaceHolder 2"/>
+          <p:cNvSpPr>
+            <a:spLocks noGrp="1"/>
+          </p:cNvSpPr>
+          <p:nvPr>
+            <p:ph type="body"/>
+          </p:nvPr>
+        </p:nvSpPr>
+        <p:spPr>
+          <a:xfrm>
+            <a:off x="504000" y="1768680"/>
+            <a:ext cx="4426560" cy="2090520"/>
+          </a:xfrm>
+          <a:prstGeom prst="rect">
+            <a:avLst/>
+          </a:prstGeom>
+        </p:spPr>
+        <p:txBody>
+          <a:bodyPr lIns="0" rIns="0" tIns="0" bIns="0"/>
+          <a:p>
+            <a:endParaRPr/>
+          </a:p>
+        </p:txBody>
+      </p:sp>
+      <p:sp>
+        <p:nvSpPr>
+          <p:cNvPr id="93" name="PlaceHolder 3"/>
+          <p:cNvSpPr>
+            <a:spLocks noGrp="1"/>
+          </p:cNvSpPr>
+          <p:nvPr>
+            <p:ph type="body"/>
+          </p:nvPr>
+        </p:nvSpPr>
+        <p:spPr>
+          <a:xfrm>
+            <a:off x="5152320" y="1768680"/>
+            <a:ext cx="4426560" cy="2090520"/>
+          </a:xfrm>
+          <a:prstGeom prst="rect">
+            <a:avLst/>
+          </a:prstGeom>
+        </p:spPr>
+        <p:txBody>
+          <a:bodyPr lIns="0" rIns="0" tIns="0" bIns="0"/>
+          <a:p>
+            <a:endParaRPr/>
+          </a:p>
+        </p:txBody>
+      </p:sp>
+      <p:sp>
+        <p:nvSpPr>
+          <p:cNvPr id="94" name="PlaceHolder 4"/>
+          <p:cNvSpPr>
+            <a:spLocks noGrp="1"/>
+          </p:cNvSpPr>
+          <p:nvPr>
+            <p:ph type="body"/>
+          </p:nvPr>
+        </p:nvSpPr>
+        <p:spPr>
+          <a:xfrm>
+            <a:off x="504000" y="4058280"/>
+            <a:ext cx="9070920" cy="2090520"/>
+          </a:xfrm>
+          <a:prstGeom prst="rect">
+            <a:avLst/>
+          </a:prstGeom>
+        </p:spPr>
+        <p:txBody>
+          <a:bodyPr lIns="0" rIns="0" tIns="0" bIns="0"/>
+          <a:p>
+            <a:endParaRPr/>
+          </a:p>
+        </p:txBody>
+      </p:sp>
+    </p:spTree>
+  </p:cSld>
+</p:sldLayout>
+</file>
+
+<file path=ppt/slideLayouts/slideLayout34.xml><?xml version="1.0" encoding="utf-8"?>
+<p:sldLayout xmlns:a="http://schemas.openxmlformats.org/drawingml/2006/main" xmlns:p="http://schemas.openxmlformats.org/presentationml/2006/main" xmlns:r="http://schemas.openxmlformats.org/officeDocument/2006/relationships" type="objOverTx" preserve="1">
+  <p:cSld name="Title, Content over Content">
+    <p:spTree>
+      <p:nvGrpSpPr>
+        <p:cNvPr id="1" name=""/>
+        <p:cNvGrpSpPr/>
+        <p:nvPr/>
+      </p:nvGrpSpPr>
+      <p:grpSpPr>
+        <a:xfrm>
+          <a:off x="0" y="0"/>
+          <a:ext cx="0" cy="0"/>
+          <a:chOff x="0" y="0"/>
+          <a:chExt cx="0" cy="0"/>
+        </a:xfrm>
+      </p:grpSpPr>
+      <p:sp>
+        <p:nvSpPr>
+          <p:cNvPr id="95" name="PlaceHolder 1"/>
+          <p:cNvSpPr>
+            <a:spLocks noGrp="1"/>
+          </p:cNvSpPr>
+          <p:nvPr>
+            <p:ph type="title"/>
+          </p:nvPr>
+        </p:nvSpPr>
+        <p:spPr>
+          <a:xfrm>
+            <a:off x="504000" y="301320"/>
+            <a:ext cx="9070920" cy="1262160"/>
+          </a:xfrm>
+          <a:prstGeom prst="rect">
+            <a:avLst/>
+          </a:prstGeom>
+        </p:spPr>
+        <p:txBody>
+          <a:bodyPr lIns="0" rIns="0" tIns="0" bIns="0" anchor="ctr"/>
+          <a:p>
+            <a:pPr algn="ctr"/>
+            <a:endParaRPr/>
+          </a:p>
+        </p:txBody>
+      </p:sp>
+      <p:sp>
+        <p:nvSpPr>
+          <p:cNvPr id="96" name="PlaceHolder 2"/>
+          <p:cNvSpPr>
+            <a:spLocks noGrp="1"/>
+          </p:cNvSpPr>
+          <p:nvPr>
+            <p:ph type="body"/>
+          </p:nvPr>
+        </p:nvSpPr>
+        <p:spPr>
+          <a:xfrm>
+            <a:off x="504000" y="1768680"/>
+            <a:ext cx="9070920" cy="2090520"/>
+          </a:xfrm>
+          <a:prstGeom prst="rect">
+            <a:avLst/>
+          </a:prstGeom>
+        </p:spPr>
+        <p:txBody>
+          <a:bodyPr lIns="0" rIns="0" tIns="0" bIns="0"/>
+          <a:p>
+            <a:endParaRPr/>
+          </a:p>
+        </p:txBody>
+      </p:sp>
+      <p:sp>
+        <p:nvSpPr>
+          <p:cNvPr id="97" name="PlaceHolder 3"/>
+          <p:cNvSpPr>
+            <a:spLocks noGrp="1"/>
+          </p:cNvSpPr>
+          <p:nvPr>
+            <p:ph type="body"/>
+          </p:nvPr>
+        </p:nvSpPr>
+        <p:spPr>
+          <a:xfrm>
+            <a:off x="504000" y="4058280"/>
+            <a:ext cx="9070920" cy="2090520"/>
+          </a:xfrm>
+          <a:prstGeom prst="rect">
+            <a:avLst/>
+          </a:prstGeom>
+        </p:spPr>
+        <p:txBody>
+          <a:bodyPr lIns="0" rIns="0" tIns="0" bIns="0"/>
+          <a:p>
+            <a:endParaRPr/>
+          </a:p>
+        </p:txBody>
+      </p:sp>
+    </p:spTree>
+  </p:cSld>
+</p:sldLayout>
+</file>
+
+<file path=ppt/slideLayouts/slideLayout35.xml><?xml version="1.0" encoding="utf-8"?>
+<p:sldLayout xmlns:a="http://schemas.openxmlformats.org/drawingml/2006/main" xmlns:p="http://schemas.openxmlformats.org/presentationml/2006/main" xmlns:r="http://schemas.openxmlformats.org/officeDocument/2006/relationships" type="fourObj" preserve="1">
+  <p:cSld name="Title, 4 Content">
+    <p:spTree>
+      <p:nvGrpSpPr>
+        <p:cNvPr id="1" name=""/>
+        <p:cNvGrpSpPr/>
+        <p:nvPr/>
+      </p:nvGrpSpPr>
+      <p:grpSpPr>
+        <a:xfrm>
+          <a:off x="0" y="0"/>
+          <a:ext cx="0" cy="0"/>
+          <a:chOff x="0" y="0"/>
+          <a:chExt cx="0" cy="0"/>
+        </a:xfrm>
+      </p:grpSpPr>
+      <p:sp>
+        <p:nvSpPr>
+          <p:cNvPr id="98" name="PlaceHolder 1"/>
+          <p:cNvSpPr>
+            <a:spLocks noGrp="1"/>
+          </p:cNvSpPr>
+          <p:nvPr>
+            <p:ph type="title"/>
+          </p:nvPr>
+        </p:nvSpPr>
+        <p:spPr>
+          <a:xfrm>
+            <a:off x="504000" y="301320"/>
+            <a:ext cx="9070920" cy="1262160"/>
+          </a:xfrm>
+          <a:prstGeom prst="rect">
+            <a:avLst/>
+          </a:prstGeom>
+        </p:spPr>
+        <p:txBody>
+          <a:bodyPr lIns="0" rIns="0" tIns="0" bIns="0" anchor="ctr"/>
+          <a:p>
+            <a:pPr algn="ctr"/>
+            <a:endParaRPr/>
+          </a:p>
+        </p:txBody>
+      </p:sp>
+      <p:sp>
+        <p:nvSpPr>
+          <p:cNvPr id="99" name="PlaceHolder 2"/>
+          <p:cNvSpPr>
+            <a:spLocks noGrp="1"/>
+          </p:cNvSpPr>
+          <p:nvPr>
+            <p:ph type="body"/>
+          </p:nvPr>
+        </p:nvSpPr>
+        <p:spPr>
+          <a:xfrm>
+            <a:off x="504000" y="1768680"/>
+            <a:ext cx="4426560" cy="2090520"/>
+          </a:xfrm>
+          <a:prstGeom prst="rect">
+            <a:avLst/>
+          </a:prstGeom>
+        </p:spPr>
+        <p:txBody>
+          <a:bodyPr lIns="0" rIns="0" tIns="0" bIns="0"/>
+          <a:p>
+            <a:endParaRPr/>
+          </a:p>
+        </p:txBody>
+      </p:sp>
+      <p:sp>
+        <p:nvSpPr>
+          <p:cNvPr id="100" name="PlaceHolder 3"/>
+          <p:cNvSpPr>
+            <a:spLocks noGrp="1"/>
+          </p:cNvSpPr>
+          <p:nvPr>
+            <p:ph type="body"/>
+          </p:nvPr>
+        </p:nvSpPr>
+        <p:spPr>
+          <a:xfrm>
+            <a:off x="5152320" y="1768680"/>
+            <a:ext cx="4426560" cy="2090520"/>
+          </a:xfrm>
+          <a:prstGeom prst="rect">
+            <a:avLst/>
+          </a:prstGeom>
+        </p:spPr>
+        <p:txBody>
+          <a:bodyPr lIns="0" rIns="0" tIns="0" bIns="0"/>
+          <a:p>
+            <a:endParaRPr/>
+          </a:p>
+        </p:txBody>
+      </p:sp>
+      <p:sp>
+        <p:nvSpPr>
+          <p:cNvPr id="101" name="PlaceHolder 4"/>
+          <p:cNvSpPr>
+            <a:spLocks noGrp="1"/>
+          </p:cNvSpPr>
+          <p:nvPr>
+            <p:ph type="body"/>
+          </p:nvPr>
+        </p:nvSpPr>
+        <p:spPr>
+          <a:xfrm>
+            <a:off x="5152320" y="4058280"/>
+            <a:ext cx="4426560" cy="2090520"/>
+          </a:xfrm>
+          <a:prstGeom prst="rect">
+            <a:avLst/>
+          </a:prstGeom>
+        </p:spPr>
+        <p:txBody>
+          <a:bodyPr lIns="0" rIns="0" tIns="0" bIns="0"/>
+          <a:p>
+            <a:endParaRPr/>
+          </a:p>
+        </p:txBody>
+      </p:sp>
+      <p:sp>
+        <p:nvSpPr>
+          <p:cNvPr id="102" name="PlaceHolder 5"/>
+          <p:cNvSpPr>
+            <a:spLocks noGrp="1"/>
+          </p:cNvSpPr>
+          <p:nvPr>
+            <p:ph type="body"/>
+          </p:nvPr>
+        </p:nvSpPr>
+        <p:spPr>
+          <a:xfrm>
+            <a:off x="504000" y="4058280"/>
+            <a:ext cx="4426560" cy="2090520"/>
+          </a:xfrm>
+          <a:prstGeom prst="rect">
+            <a:avLst/>
+          </a:prstGeom>
+        </p:spPr>
+        <p:txBody>
+          <a:bodyPr lIns="0" rIns="0" tIns="0" bIns="0"/>
+          <a:p>
+            <a:endParaRPr/>
+          </a:p>
+        </p:txBody>
+      </p:sp>
+    </p:spTree>
+  </p:cSld>
+</p:sldLayout>
+</file>
+
+<file path=ppt/slideLayouts/slideLayout36.xml><?xml version="1.0" encoding="utf-8"?>
+<p:sldLayout xmlns:a="http://schemas.openxmlformats.org/drawingml/2006/main" xmlns:p="http://schemas.openxmlformats.org/presentationml/2006/main" xmlns:r="http://schemas.openxmlformats.org/officeDocument/2006/relationships" type="blank" preserve="1">
+  <p:cSld name="Title, 6 Content">
+    <p:spTree>
+      <p:nvGrpSpPr>
+        <p:cNvPr id="1" name=""/>
+        <p:cNvGrpSpPr/>
+        <p:nvPr/>
+      </p:nvGrpSpPr>
+      <p:grpSpPr>
+        <a:xfrm>
+          <a:off x="0" y="0"/>
+          <a:ext cx="0" cy="0"/>
+          <a:chOff x="0" y="0"/>
+          <a:chExt cx="0" cy="0"/>
+        </a:xfrm>
+      </p:grpSpPr>
+      <p:sp>
+        <p:nvSpPr>
+          <p:cNvPr id="103" name="PlaceHolder 1"/>
+          <p:cNvSpPr>
+            <a:spLocks noGrp="1"/>
+          </p:cNvSpPr>
+          <p:nvPr>
+            <p:ph type="title"/>
+          </p:nvPr>
+        </p:nvSpPr>
+        <p:spPr>
+          <a:xfrm>
+            <a:off x="504000" y="301320"/>
+            <a:ext cx="9070920" cy="1262160"/>
+          </a:xfrm>
+          <a:prstGeom prst="rect">
+            <a:avLst/>
+          </a:prstGeom>
+        </p:spPr>
+        <p:txBody>
+          <a:bodyPr lIns="0" rIns="0" tIns="0" bIns="0" anchor="ctr"/>
+          <a:p>
+            <a:pPr algn="ctr"/>
+            <a:endParaRPr/>
+          </a:p>
+        </p:txBody>
+      </p:sp>
+      <p:sp>
+        <p:nvSpPr>
+          <p:cNvPr id="104" name="PlaceHolder 2"/>
+          <p:cNvSpPr>
+            <a:spLocks noGrp="1"/>
+          </p:cNvSpPr>
+          <p:nvPr>
+            <p:ph type="body"/>
+          </p:nvPr>
+        </p:nvSpPr>
+        <p:spPr>
+          <a:xfrm>
+            <a:off x="504000" y="1768680"/>
+            <a:ext cx="9070920" cy="4383000"/>
+          </a:xfrm>
+          <a:prstGeom prst="rect">
+            <a:avLst/>
+          </a:prstGeom>
+        </p:spPr>
+        <p:txBody>
+          <a:bodyPr lIns="0" rIns="0" tIns="0" bIns="0"/>
+          <a:p>
+            <a:endParaRPr/>
+          </a:p>
+        </p:txBody>
+      </p:sp>
+      <p:sp>
+        <p:nvSpPr>
+          <p:cNvPr id="105" name="PlaceHolder 3"/>
+          <p:cNvSpPr>
+            <a:spLocks noGrp="1"/>
+          </p:cNvSpPr>
+          <p:nvPr>
+            <p:ph type="body"/>
+          </p:nvPr>
+        </p:nvSpPr>
+        <p:spPr>
+          <a:xfrm>
+            <a:off x="504000" y="1768680"/>
+            <a:ext cx="9070920" cy="4383000"/>
+          </a:xfrm>
+          <a:prstGeom prst="rect">
+            <a:avLst/>
+          </a:prstGeom>
+        </p:spPr>
+        <p:txBody>
+          <a:bodyPr lIns="0" rIns="0" tIns="0" bIns="0"/>
+          <a:p>
+            <a:endParaRPr/>
+          </a:p>
+        </p:txBody>
+      </p:sp>
+      <p:pic>
+        <p:nvPicPr>
+          <p:cNvPr id="106" name="" descr=""/>
+          <p:cNvPicPr/>
+          <p:nvPr/>
+        </p:nvPicPr>
+        <p:blipFill>
+          <a:blip r:embed="rId2"/>
+          <a:stretch>
+            <a:fillRect/>
+          </a:stretch>
+        </p:blipFill>
+        <p:spPr>
+          <a:xfrm>
+            <a:off x="2292480" y="1768320"/>
+            <a:ext cx="5493240" cy="4383000"/>
+          </a:xfrm>
+          <a:prstGeom prst="rect">
+            <a:avLst/>
+          </a:prstGeom>
+          <a:ln>
+            <a:noFill/>
+          </a:ln>
+        </p:spPr>
+      </p:pic>
+      <p:pic>
+        <p:nvPicPr>
+          <p:cNvPr id="107" name="" descr=""/>
+          <p:cNvPicPr/>
+          <p:nvPr/>
+        </p:nvPicPr>
+        <p:blipFill>
+          <a:blip r:embed="rId3"/>
+          <a:stretch>
+            <a:fillRect/>
+          </a:stretch>
+        </p:blipFill>
+        <p:spPr>
+          <a:xfrm>
+            <a:off x="2292480" y="1768320"/>
+            <a:ext cx="5493240" cy="4383000"/>
+          </a:xfrm>
+          <a:prstGeom prst="rect">
+            <a:avLst/>
+          </a:prstGeom>
+          <a:ln>
+            <a:noFill/>
+          </a:ln>
+        </p:spPr>
+      </p:pic>
     </p:spTree>
   </p:cSld>
 </p:sldLayout>
@@ -632,7 +2957,7 @@
         <p:spPr>
           <a:xfrm>
             <a:off x="504000" y="301320"/>
-            <a:ext cx="9071640" cy="1262160"/>
+            <a:ext cx="9070920" cy="1262160"/>
           </a:xfrm>
           <a:prstGeom prst="rect">
             <a:avLst/>
@@ -659,7 +2984,7 @@
         <p:spPr>
           <a:xfrm>
             <a:off x="504000" y="1768680"/>
-            <a:ext cx="4426920" cy="4383720"/>
+            <a:ext cx="4426560" cy="4383000"/>
           </a:xfrm>
           <a:prstGeom prst="rect">
             <a:avLst/>
@@ -684,8 +3009,8 @@
         </p:nvSpPr>
         <p:spPr>
           <a:xfrm>
-            <a:off x="5152680" y="1768680"/>
-            <a:ext cx="4426920" cy="4383720"/>
+            <a:off x="5152320" y="1768680"/>
+            <a:ext cx="4426560" cy="4383000"/>
           </a:xfrm>
           <a:prstGeom prst="rect">
             <a:avLst/>
@@ -733,7 +3058,7 @@
         <p:spPr>
           <a:xfrm>
             <a:off x="504000" y="301320"/>
-            <a:ext cx="9071640" cy="1262160"/>
+            <a:ext cx="9070920" cy="1262160"/>
           </a:xfrm>
           <a:prstGeom prst="rect">
             <a:avLst/>
@@ -782,7 +3107,7 @@
         <p:spPr>
           <a:xfrm>
             <a:off x="504000" y="301320"/>
-            <a:ext cx="9071640" cy="5850720"/>
+            <a:ext cx="9070920" cy="5850720"/>
           </a:xfrm>
           <a:prstGeom prst="rect">
             <a:avLst/>
@@ -831,7 +3156,7 @@
         <p:spPr>
           <a:xfrm>
             <a:off x="504000" y="301320"/>
-            <a:ext cx="9071640" cy="1262160"/>
+            <a:ext cx="9070920" cy="1262160"/>
           </a:xfrm>
           <a:prstGeom prst="rect">
             <a:avLst/>
@@ -858,7 +3183,7 @@
         <p:spPr>
           <a:xfrm>
             <a:off x="504000" y="1768680"/>
-            <a:ext cx="4426920" cy="2090880"/>
+            <a:ext cx="4426560" cy="2090520"/>
           </a:xfrm>
           <a:prstGeom prst="rect">
             <a:avLst/>
@@ -883,8 +3208,8 @@
         </p:nvSpPr>
         <p:spPr>
           <a:xfrm>
-            <a:off x="504000" y="4058640"/>
-            <a:ext cx="4426920" cy="2090880"/>
+            <a:off x="504000" y="4058280"/>
+            <a:ext cx="4426560" cy="2090520"/>
           </a:xfrm>
           <a:prstGeom prst="rect">
             <a:avLst/>
@@ -909,8 +3234,8 @@
         </p:nvSpPr>
         <p:spPr>
           <a:xfrm>
-            <a:off x="5152680" y="1768680"/>
-            <a:ext cx="4426920" cy="4383720"/>
+            <a:off x="5152320" y="1768680"/>
+            <a:ext cx="4426560" cy="4383000"/>
           </a:xfrm>
           <a:prstGeom prst="rect">
             <a:avLst/>
@@ -958,7 +3283,7 @@
         <p:spPr>
           <a:xfrm>
             <a:off x="504000" y="301320"/>
-            <a:ext cx="9071640" cy="1262160"/>
+            <a:ext cx="9070920" cy="1262160"/>
           </a:xfrm>
           <a:prstGeom prst="rect">
             <a:avLst/>
@@ -985,7 +3310,7 @@
         <p:spPr>
           <a:xfrm>
             <a:off x="504000" y="1768680"/>
-            <a:ext cx="4426920" cy="4383720"/>
+            <a:ext cx="4426560" cy="4383000"/>
           </a:xfrm>
           <a:prstGeom prst="rect">
             <a:avLst/>
@@ -1010,8 +3335,8 @@
         </p:nvSpPr>
         <p:spPr>
           <a:xfrm>
-            <a:off x="5152680" y="1768680"/>
-            <a:ext cx="4426920" cy="2090880"/>
+            <a:off x="5152320" y="1768680"/>
+            <a:ext cx="4426560" cy="2090520"/>
           </a:xfrm>
           <a:prstGeom prst="rect">
             <a:avLst/>
@@ -1036,8 +3361,8 @@
         </p:nvSpPr>
         <p:spPr>
           <a:xfrm>
-            <a:off x="5152680" y="4058640"/>
-            <a:ext cx="4426920" cy="2090880"/>
+            <a:off x="5152320" y="4058280"/>
+            <a:ext cx="4426560" cy="2090520"/>
           </a:xfrm>
           <a:prstGeom prst="rect">
             <a:avLst/>
@@ -1085,7 +3410,7 @@
         <p:spPr>
           <a:xfrm>
             <a:off x="504000" y="301320"/>
-            <a:ext cx="9071640" cy="1262160"/>
+            <a:ext cx="9070920" cy="1262160"/>
           </a:xfrm>
           <a:prstGeom prst="rect">
             <a:avLst/>
@@ -1112,7 +3437,7 @@
         <p:spPr>
           <a:xfrm>
             <a:off x="504000" y="1768680"/>
-            <a:ext cx="4426920" cy="2090880"/>
+            <a:ext cx="4426560" cy="2090520"/>
           </a:xfrm>
           <a:prstGeom prst="rect">
             <a:avLst/>
@@ -1137,8 +3462,8 @@
         </p:nvSpPr>
         <p:spPr>
           <a:xfrm>
-            <a:off x="5152680" y="1768680"/>
-            <a:ext cx="4426920" cy="2090880"/>
+            <a:off x="5152320" y="1768680"/>
+            <a:ext cx="4426560" cy="2090520"/>
           </a:xfrm>
           <a:prstGeom prst="rect">
             <a:avLst/>
@@ -1163,8 +3488,8 @@
         </p:nvSpPr>
         <p:spPr>
           <a:xfrm>
-            <a:off x="504000" y="4058640"/>
-            <a:ext cx="9071640" cy="2090880"/>
+            <a:off x="504000" y="4058280"/>
+            <a:ext cx="9070920" cy="2090520"/>
           </a:xfrm>
           <a:prstGeom prst="rect">
             <a:avLst/>
@@ -1212,7 +3537,7 @@
         <p:spPr>
           <a:xfrm>
             <a:off x="504000" y="301320"/>
-            <a:ext cx="9071640" cy="1261800"/>
+            <a:ext cx="9072000" cy="1261800"/>
           </a:xfrm>
           <a:prstGeom prst="rect">
             <a:avLst/>
@@ -1221,8 +3546,9 @@
         <p:txBody>
           <a:bodyPr lIns="0" rIns="0" tIns="0" bIns="0" anchor="ctr"/>
           <a:p>
-            <a:r>
-              <a:rPr lang="en-US">
+            <a:pPr algn="ctr"/>
+            <a:r>
+              <a:rPr lang="en-US" sz="4400">
                 <a:latin typeface="Arial"/>
               </a:rPr>
               <a:t>单击鼠标编辑标题文字格式</a:t>
@@ -1244,7 +3570,7 @@
         <p:spPr>
           <a:xfrm>
             <a:off x="504000" y="1768680"/>
-            <a:ext cx="9071640" cy="4383720"/>
+            <a:ext cx="9072000" cy="4384080"/>
           </a:xfrm>
           <a:prstGeom prst="rect">
             <a:avLst/>
@@ -1259,7 +3585,7 @@
               <a:buChar char=""/>
             </a:pPr>
             <a:r>
-              <a:rPr lang="en-US">
+              <a:rPr lang="en-US" sz="3200">
                 <a:latin typeface="Arial"/>
               </a:rPr>
               <a:t>单击鼠标编辑大纲文字格式</a:t>
@@ -1273,7 +3599,7 @@
               <a:buChar char=""/>
             </a:pPr>
             <a:r>
-              <a:rPr lang="en-US">
+              <a:rPr lang="en-US" sz="2800">
                 <a:latin typeface="Arial"/>
               </a:rPr>
               <a:t>第二个大纲级</a:t>
@@ -1287,7 +3613,7 @@
               <a:buChar char=""/>
             </a:pPr>
             <a:r>
-              <a:rPr lang="en-US">
+              <a:rPr lang="en-US" sz="2400">
                 <a:latin typeface="Arial"/>
               </a:rPr>
               <a:t>第三大纲级别</a:t>
@@ -1301,7 +3627,7 @@
               <a:buChar char=""/>
             </a:pPr>
             <a:r>
-              <a:rPr lang="en-US">
+              <a:rPr lang="en-US" sz="2000">
                 <a:latin typeface="Arial"/>
               </a:rPr>
               <a:t>第四大纲级别</a:t>
@@ -1315,7 +3641,7 @@
               <a:buChar char=""/>
             </a:pPr>
             <a:r>
-              <a:rPr lang="en-US">
+              <a:rPr lang="en-US" sz="2000">
                 <a:latin typeface="Arial"/>
               </a:rPr>
               <a:t>第五大纲级别</a:t>
@@ -1329,7 +3655,7 @@
               <a:buChar char=""/>
             </a:pPr>
             <a:r>
-              <a:rPr lang="en-US">
+              <a:rPr lang="en-US" sz="2000">
                 <a:latin typeface="Arial"/>
               </a:rPr>
               <a:t>第六大纲级别</a:t>
@@ -1343,7 +3669,7 @@
               <a:buChar char=""/>
             </a:pPr>
             <a:r>
-              <a:rPr lang="en-US">
+              <a:rPr lang="en-US" sz="2000">
                 <a:latin typeface="Arial"/>
               </a:rPr>
               <a:t>第七大纲级别</a:t>
@@ -1368,6 +3694,387 @@
     <p:sldLayoutId id="2147483658" r:id="rId11"/>
     <p:sldLayoutId id="2147483659" r:id="rId12"/>
     <p:sldLayoutId id="2147483660" r:id="rId13"/>
+  </p:sldLayoutIdLst>
+</p:sldMaster>
+</file>
+
+<file path=ppt/slideMasters/slideMaster2.xml><?xml version="1.0" encoding="utf-8"?>
+<p:sldMaster xmlns:a="http://schemas.openxmlformats.org/drawingml/2006/main" xmlns:p="http://schemas.openxmlformats.org/presentationml/2006/main" xmlns:r="http://schemas.openxmlformats.org/officeDocument/2006/relationships">
+  <p:cSld>
+    <p:spTree>
+      <p:nvGrpSpPr>
+        <p:cNvPr id="1" name=""/>
+        <p:cNvGrpSpPr/>
+        <p:nvPr/>
+      </p:nvGrpSpPr>
+      <p:grpSpPr>
+        <a:xfrm>
+          <a:off x="0" y="0"/>
+          <a:ext cx="0" cy="0"/>
+          <a:chOff x="0" y="0"/>
+          <a:chExt cx="0" cy="0"/>
+        </a:xfrm>
+      </p:grpSpPr>
+      <p:sp>
+        <p:nvSpPr>
+          <p:cNvPr id="36" name="PlaceHolder 1"/>
+          <p:cNvSpPr>
+            <a:spLocks noGrp="1"/>
+          </p:cNvSpPr>
+          <p:nvPr>
+            <p:ph type="title"/>
+          </p:nvPr>
+        </p:nvSpPr>
+        <p:spPr>
+          <a:xfrm>
+            <a:off x="504000" y="301320"/>
+            <a:ext cx="9072000" cy="1261800"/>
+          </a:xfrm>
+          <a:prstGeom prst="rect">
+            <a:avLst/>
+          </a:prstGeom>
+        </p:spPr>
+        <p:txBody>
+          <a:bodyPr lIns="0" rIns="0" tIns="0" bIns="0" anchor="ctr"/>
+          <a:p>
+            <a:pPr algn="ctr"/>
+            <a:r>
+              <a:rPr lang="en-US" sz="4400">
+                <a:latin typeface="Arial"/>
+              </a:rPr>
+              <a:t>单击鼠标编辑标题文字格式</a:t>
+            </a:r>
+            <a:endParaRPr/>
+          </a:p>
+        </p:txBody>
+      </p:sp>
+      <p:sp>
+        <p:nvSpPr>
+          <p:cNvPr id="37" name="PlaceHolder 2"/>
+          <p:cNvSpPr>
+            <a:spLocks noGrp="1"/>
+          </p:cNvSpPr>
+          <p:nvPr>
+            <p:ph type="body"/>
+          </p:nvPr>
+        </p:nvSpPr>
+        <p:spPr>
+          <a:xfrm>
+            <a:off x="504000" y="1768680"/>
+            <a:ext cx="9072000" cy="4384080"/>
+          </a:xfrm>
+          <a:prstGeom prst="rect">
+            <a:avLst/>
+          </a:prstGeom>
+        </p:spPr>
+        <p:txBody>
+          <a:bodyPr lIns="0" rIns="0" tIns="0" bIns="0"/>
+          <a:p>
+            <a:pPr>
+              <a:buSzPct val="45000"/>
+              <a:buFont typeface="StarSymbol"/>
+              <a:buChar char=""/>
+            </a:pPr>
+            <a:r>
+              <a:rPr lang="en-US" sz="3200">
+                <a:latin typeface="Arial"/>
+              </a:rPr>
+              <a:t>单击鼠标编辑大纲文字格式</a:t>
+            </a:r>
+            <a:endParaRPr/>
+          </a:p>
+          <a:p>
+            <a:pPr lvl="1">
+              <a:buSzPct val="75000"/>
+              <a:buFont typeface="StarSymbol"/>
+              <a:buChar char=""/>
+            </a:pPr>
+            <a:r>
+              <a:rPr lang="en-US" sz="2800">
+                <a:latin typeface="Arial"/>
+              </a:rPr>
+              <a:t>第二个大纲级</a:t>
+            </a:r>
+            <a:endParaRPr/>
+          </a:p>
+          <a:p>
+            <a:pPr lvl="2">
+              <a:buSzPct val="45000"/>
+              <a:buFont typeface="StarSymbol"/>
+              <a:buChar char=""/>
+            </a:pPr>
+            <a:r>
+              <a:rPr lang="en-US" sz="2400">
+                <a:latin typeface="Arial"/>
+              </a:rPr>
+              <a:t>第三大纲级别</a:t>
+            </a:r>
+            <a:endParaRPr/>
+          </a:p>
+          <a:p>
+            <a:pPr lvl="3">
+              <a:buSzPct val="75000"/>
+              <a:buFont typeface="StarSymbol"/>
+              <a:buChar char=""/>
+            </a:pPr>
+            <a:r>
+              <a:rPr lang="en-US" sz="2000">
+                <a:latin typeface="Arial"/>
+              </a:rPr>
+              <a:t>第四大纲级别</a:t>
+            </a:r>
+            <a:endParaRPr/>
+          </a:p>
+          <a:p>
+            <a:pPr lvl="4">
+              <a:buSzPct val="45000"/>
+              <a:buFont typeface="StarSymbol"/>
+              <a:buChar char=""/>
+            </a:pPr>
+            <a:r>
+              <a:rPr lang="en-US" sz="2000">
+                <a:latin typeface="Arial"/>
+              </a:rPr>
+              <a:t>第五大纲级别</a:t>
+            </a:r>
+            <a:endParaRPr/>
+          </a:p>
+          <a:p>
+            <a:pPr lvl="5">
+              <a:buSzPct val="45000"/>
+              <a:buFont typeface="StarSymbol"/>
+              <a:buChar char=""/>
+            </a:pPr>
+            <a:r>
+              <a:rPr lang="en-US" sz="2000">
+                <a:latin typeface="Arial"/>
+              </a:rPr>
+              <a:t>第六大纲级别</a:t>
+            </a:r>
+            <a:endParaRPr/>
+          </a:p>
+          <a:p>
+            <a:pPr lvl="6">
+              <a:buSzPct val="45000"/>
+              <a:buFont typeface="StarSymbol"/>
+              <a:buChar char=""/>
+            </a:pPr>
+            <a:r>
+              <a:rPr lang="en-US" sz="2000">
+                <a:latin typeface="Arial"/>
+              </a:rPr>
+              <a:t>第七大纲级别</a:t>
+            </a:r>
+            <a:endParaRPr/>
+          </a:p>
+        </p:txBody>
+      </p:sp>
+    </p:spTree>
+  </p:cSld>
+  <p:clrMap bg1="lt1" bg2="lt2" tx1="dk1" tx2="dk2" accent1="accent1" accent2="accent2" accent3="accent3" accent4="accent4" accent5="accent5" accent6="accent6" hlink="hlink" folHlink="folHlink"/>
+  <p:sldLayoutIdLst>
+    <p:sldLayoutId id="2147483662" r:id="rId2"/>
+    <p:sldLayoutId id="2147483663" r:id="rId3"/>
+    <p:sldLayoutId id="2147483664" r:id="rId4"/>
+    <p:sldLayoutId id="2147483665" r:id="rId5"/>
+    <p:sldLayoutId id="2147483666" r:id="rId6"/>
+    <p:sldLayoutId id="2147483667" r:id="rId7"/>
+    <p:sldLayoutId id="2147483668" r:id="rId8"/>
+    <p:sldLayoutId id="2147483669" r:id="rId9"/>
+    <p:sldLayoutId id="2147483670" r:id="rId10"/>
+    <p:sldLayoutId id="2147483671" r:id="rId11"/>
+    <p:sldLayoutId id="2147483672" r:id="rId12"/>
+    <p:sldLayoutId id="2147483673" r:id="rId13"/>
+  </p:sldLayoutIdLst>
+</p:sldMaster>
+</file>
+
+<file path=ppt/slideMasters/slideMaster3.xml><?xml version="1.0" encoding="utf-8"?>
+<p:sldMaster xmlns:a="http://schemas.openxmlformats.org/drawingml/2006/main" xmlns:p="http://schemas.openxmlformats.org/presentationml/2006/main" xmlns:r="http://schemas.openxmlformats.org/officeDocument/2006/relationships">
+  <p:cSld>
+    <p:spTree>
+      <p:nvGrpSpPr>
+        <p:cNvPr id="1" name=""/>
+        <p:cNvGrpSpPr/>
+        <p:nvPr/>
+      </p:nvGrpSpPr>
+      <p:grpSpPr>
+        <a:xfrm>
+          <a:off x="0" y="0"/>
+          <a:ext cx="0" cy="0"/>
+          <a:chOff x="0" y="0"/>
+          <a:chExt cx="0" cy="0"/>
+        </a:xfrm>
+      </p:grpSpPr>
+      <p:sp>
+        <p:nvSpPr>
+          <p:cNvPr id="72" name="PlaceHolder 1"/>
+          <p:cNvSpPr>
+            <a:spLocks noGrp="1"/>
+          </p:cNvSpPr>
+          <p:nvPr>
+            <p:ph type="title"/>
+          </p:nvPr>
+        </p:nvSpPr>
+        <p:spPr>
+          <a:xfrm>
+            <a:off x="504000" y="301320"/>
+            <a:ext cx="9070920" cy="1261800"/>
+          </a:xfrm>
+          <a:prstGeom prst="rect">
+            <a:avLst/>
+          </a:prstGeom>
+        </p:spPr>
+        <p:txBody>
+          <a:bodyPr lIns="0" rIns="0" tIns="0" bIns="0" anchor="ctr"/>
+          <a:p>
+            <a:r>
+              <a:rPr lang="en-US">
+                <a:latin typeface="Arial"/>
+              </a:rPr>
+              <a:t>单击鼠标编辑标题文字格式</a:t>
+            </a:r>
+            <a:endParaRPr/>
+          </a:p>
+        </p:txBody>
+      </p:sp>
+      <p:sp>
+        <p:nvSpPr>
+          <p:cNvPr id="73" name="PlaceHolder 2"/>
+          <p:cNvSpPr>
+            <a:spLocks noGrp="1"/>
+          </p:cNvSpPr>
+          <p:nvPr>
+            <p:ph type="body"/>
+          </p:nvPr>
+        </p:nvSpPr>
+        <p:spPr>
+          <a:xfrm>
+            <a:off x="504000" y="1768680"/>
+            <a:ext cx="9070920" cy="4383000"/>
+          </a:xfrm>
+          <a:prstGeom prst="rect">
+            <a:avLst/>
+          </a:prstGeom>
+        </p:spPr>
+        <p:txBody>
+          <a:bodyPr lIns="0" rIns="0" tIns="0" bIns="0"/>
+          <a:p>
+            <a:pPr>
+              <a:buSzPct val="45000"/>
+              <a:buFont typeface="StarSymbol"/>
+              <a:buChar char=""/>
+            </a:pPr>
+            <a:r>
+              <a:rPr lang="en-US">
+                <a:latin typeface="Arial"/>
+              </a:rPr>
+              <a:t>单击鼠标编辑大纲文字格式</a:t>
+            </a:r>
+            <a:endParaRPr/>
+          </a:p>
+          <a:p>
+            <a:pPr lvl="1">
+              <a:buSzPct val="75000"/>
+              <a:buFont typeface="StarSymbol"/>
+              <a:buChar char=""/>
+            </a:pPr>
+            <a:r>
+              <a:rPr lang="en-US">
+                <a:latin typeface="Arial"/>
+              </a:rPr>
+              <a:t>第二个大纲级</a:t>
+            </a:r>
+            <a:endParaRPr/>
+          </a:p>
+          <a:p>
+            <a:pPr lvl="2">
+              <a:buSzPct val="45000"/>
+              <a:buFont typeface="StarSymbol"/>
+              <a:buChar char=""/>
+            </a:pPr>
+            <a:r>
+              <a:rPr lang="en-US">
+                <a:latin typeface="Arial"/>
+              </a:rPr>
+              <a:t>第三大纲级别</a:t>
+            </a:r>
+            <a:endParaRPr/>
+          </a:p>
+          <a:p>
+            <a:pPr lvl="3">
+              <a:buSzPct val="75000"/>
+              <a:buFont typeface="StarSymbol"/>
+              <a:buChar char=""/>
+            </a:pPr>
+            <a:r>
+              <a:rPr lang="en-US">
+                <a:latin typeface="Arial"/>
+              </a:rPr>
+              <a:t>第四大纲级别</a:t>
+            </a:r>
+            <a:endParaRPr/>
+          </a:p>
+          <a:p>
+            <a:pPr lvl="4">
+              <a:buSzPct val="45000"/>
+              <a:buFont typeface="StarSymbol"/>
+              <a:buChar char=""/>
+            </a:pPr>
+            <a:r>
+              <a:rPr lang="en-US">
+                <a:latin typeface="Arial"/>
+              </a:rPr>
+              <a:t>第五大纲级别</a:t>
+            </a:r>
+            <a:endParaRPr/>
+          </a:p>
+          <a:p>
+            <a:pPr lvl="5">
+              <a:buSzPct val="45000"/>
+              <a:buFont typeface="StarSymbol"/>
+              <a:buChar char=""/>
+            </a:pPr>
+            <a:r>
+              <a:rPr lang="en-US">
+                <a:latin typeface="Arial"/>
+              </a:rPr>
+              <a:t>第六大纲级别</a:t>
+            </a:r>
+            <a:endParaRPr/>
+          </a:p>
+          <a:p>
+            <a:pPr lvl="6">
+              <a:buSzPct val="45000"/>
+              <a:buFont typeface="StarSymbol"/>
+              <a:buChar char=""/>
+            </a:pPr>
+            <a:r>
+              <a:rPr lang="en-US">
+                <a:latin typeface="Arial"/>
+              </a:rPr>
+              <a:t>第七大纲级别</a:t>
+            </a:r>
+            <a:endParaRPr/>
+          </a:p>
+        </p:txBody>
+      </p:sp>
+    </p:spTree>
+  </p:cSld>
+  <p:clrMap bg1="lt1" bg2="lt2" tx1="dk1" tx2="dk2" accent1="accent1" accent2="accent2" accent3="accent3" accent4="accent4" accent5="accent5" accent6="accent6" hlink="hlink" folHlink="folHlink"/>
+  <p:sldLayoutIdLst>
+    <p:sldLayoutId id="2147483675" r:id="rId2"/>
+    <p:sldLayoutId id="2147483676" r:id="rId3"/>
+    <p:sldLayoutId id="2147483677" r:id="rId4"/>
+    <p:sldLayoutId id="2147483678" r:id="rId5"/>
+    <p:sldLayoutId id="2147483679" r:id="rId6"/>
+    <p:sldLayoutId id="2147483680" r:id="rId7"/>
+    <p:sldLayoutId id="2147483681" r:id="rId8"/>
+    <p:sldLayoutId id="2147483682" r:id="rId9"/>
+    <p:sldLayoutId id="2147483683" r:id="rId10"/>
+    <p:sldLayoutId id="2147483684" r:id="rId11"/>
+    <p:sldLayoutId id="2147483685" r:id="rId12"/>
+    <p:sldLayoutId id="2147483686" r:id="rId13"/>
   </p:sldLayoutIdLst>
 </p:sldMaster>
 </file>
@@ -1391,14 +4098,14 @@
       </p:grpSpPr>
       <p:sp>
         <p:nvSpPr>
-          <p:cNvPr id="36" name="CustomShape 1"/>
+          <p:cNvPr id="108" name="CustomShape 1"/>
           <p:cNvSpPr/>
           <p:nvPr/>
         </p:nvSpPr>
         <p:spPr>
           <a:xfrm>
             <a:off x="504000" y="301320"/>
-            <a:ext cx="9071640" cy="1261440"/>
+            <a:ext cx="9070920" cy="1260720"/>
           </a:xfrm>
           <a:prstGeom prst="rect">
             <a:avLst/>
@@ -1428,14 +4135,14 @@
       </p:sp>
       <p:sp>
         <p:nvSpPr>
-          <p:cNvPr id="37" name="CustomShape 2"/>
+          <p:cNvPr id="109" name="CustomShape 2"/>
           <p:cNvSpPr/>
           <p:nvPr/>
         </p:nvSpPr>
         <p:spPr>
           <a:xfrm>
             <a:off x="504000" y="1768680"/>
-            <a:ext cx="9071640" cy="4383720"/>
+            <a:ext cx="9070920" cy="4383000"/>
           </a:xfrm>
           <a:prstGeom prst="rect">
             <a:avLst/>
@@ -1574,23 +4281,31 @@
       </p:grpSpPr>
       <p:sp>
         <p:nvSpPr>
-          <p:cNvPr id="54" name="TextShape 1"/>
-          <p:cNvSpPr txBox="1"/>
+          <p:cNvPr id="126" name="CustomShape 1"/>
+          <p:cNvSpPr/>
           <p:nvPr/>
         </p:nvSpPr>
         <p:spPr>
           <a:xfrm>
             <a:off x="504000" y="301320"/>
-            <a:ext cx="9071640" cy="1261800"/>
-          </a:xfrm>
-          <a:prstGeom prst="rect">
-            <a:avLst/>
-          </a:prstGeom>
+            <a:ext cx="9070920" cy="1261080"/>
+          </a:xfrm>
+          <a:prstGeom prst="rect">
+            <a:avLst/>
+          </a:prstGeom>
+          <a:noFill/>
+          <a:ln>
+            <a:noFill/>
+          </a:ln>
         </p:spPr>
         <p:txBody>
           <a:bodyPr lIns="0" rIns="0" tIns="0" bIns="0" anchor="ctr"/>
           <a:p>
-            <a:pPr algn="ctr"/>
+            <a:pPr algn="ctr">
+              <a:lnSpc>
+                <a:spcPct val="100000"/>
+              </a:lnSpc>
+            </a:pPr>
             <a:r>
               <a:rPr lang="en-US" sz="4400">
                 <a:latin typeface="Arial"/>
@@ -1603,26 +4318,33 @@
       </p:sp>
       <p:sp>
         <p:nvSpPr>
-          <p:cNvPr id="55" name="TextShape 2"/>
-          <p:cNvSpPr txBox="1"/>
+          <p:cNvPr id="127" name="CustomShape 2"/>
+          <p:cNvSpPr/>
           <p:nvPr/>
         </p:nvSpPr>
         <p:spPr>
           <a:xfrm>
             <a:off x="504000" y="1768680"/>
-            <a:ext cx="9071640" cy="4383720"/>
-          </a:xfrm>
-          <a:prstGeom prst="rect">
-            <a:avLst/>
-          </a:prstGeom>
+            <a:ext cx="9070920" cy="4383000"/>
+          </a:xfrm>
+          <a:prstGeom prst="rect">
+            <a:avLst/>
+          </a:prstGeom>
+          <a:noFill/>
+          <a:ln>
+            <a:noFill/>
+          </a:ln>
         </p:spPr>
         <p:txBody>
           <a:bodyPr lIns="0" rIns="0" tIns="0" bIns="0"/>
           <a:p>
             <a:pPr>
-              <a:buSzPct val="45000"/>
-              <a:buFont typeface="StarSymbol"/>
-              <a:buChar char=""/>
+              <a:lnSpc>
+                <a:spcPct val="100000"/>
+              </a:lnSpc>
+              <a:buSzPct val="45000"/>
+              <a:buFont typeface="StarSymbol"/>
+              <a:buChar char="l"/>
             </a:pPr>
             <a:r>
               <a:rPr lang="en-US" sz="3200">
@@ -1640,9 +4362,12 @@
           </a:p>
           <a:p>
             <a:pPr>
-              <a:buSzPct val="45000"/>
-              <a:buFont typeface="StarSymbol"/>
-              <a:buChar char=""/>
+              <a:lnSpc>
+                <a:spcPct val="100000"/>
+              </a:lnSpc>
+              <a:buSzPct val="45000"/>
+              <a:buFont typeface="StarSymbol"/>
+              <a:buChar char="l"/>
             </a:pPr>
             <a:r>
               <a:rPr lang="en-US" sz="3200">
@@ -1660,9 +4385,12 @@
           </a:p>
           <a:p>
             <a:pPr>
-              <a:buSzPct val="45000"/>
-              <a:buFont typeface="StarSymbol"/>
-              <a:buChar char=""/>
+              <a:lnSpc>
+                <a:spcPct val="100000"/>
+              </a:lnSpc>
+              <a:buSzPct val="45000"/>
+              <a:buFont typeface="StarSymbol"/>
+              <a:buChar char="l"/>
             </a:pPr>
             <a:r>
               <a:rPr lang="en-US" sz="3200">
@@ -1674,9 +4402,12 @@
           </a:p>
           <a:p>
             <a:pPr>
-              <a:buSzPct val="45000"/>
-              <a:buFont typeface="StarSymbol"/>
-              <a:buChar char=""/>
+              <a:lnSpc>
+                <a:spcPct val="100000"/>
+              </a:lnSpc>
+              <a:buSzPct val="45000"/>
+              <a:buFont typeface="StarSymbol"/>
+              <a:buChar char="l"/>
             </a:pPr>
             <a:r>
               <a:rPr lang="en-US" sz="3200">
@@ -1739,23 +4470,31 @@
       </p:grpSpPr>
       <p:sp>
         <p:nvSpPr>
-          <p:cNvPr id="56" name="TextShape 1"/>
-          <p:cNvSpPr txBox="1"/>
+          <p:cNvPr id="128" name="CustomShape 1"/>
+          <p:cNvSpPr/>
           <p:nvPr/>
         </p:nvSpPr>
         <p:spPr>
           <a:xfrm>
             <a:off x="504000" y="301320"/>
-            <a:ext cx="9071640" cy="1261800"/>
-          </a:xfrm>
-          <a:prstGeom prst="rect">
-            <a:avLst/>
-          </a:prstGeom>
+            <a:ext cx="9070920" cy="1261080"/>
+          </a:xfrm>
+          <a:prstGeom prst="rect">
+            <a:avLst/>
+          </a:prstGeom>
+          <a:noFill/>
+          <a:ln>
+            <a:noFill/>
+          </a:ln>
         </p:spPr>
         <p:txBody>
           <a:bodyPr lIns="0" rIns="0" tIns="0" bIns="0" anchor="ctr"/>
           <a:p>
-            <a:pPr algn="ctr"/>
+            <a:pPr algn="ctr">
+              <a:lnSpc>
+                <a:spcPct val="100000"/>
+              </a:lnSpc>
+            </a:pPr>
             <a:r>
               <a:rPr lang="en-US" sz="4400">
                 <a:latin typeface="Arial"/>
@@ -1768,26 +4507,33 @@
       </p:sp>
       <p:sp>
         <p:nvSpPr>
-          <p:cNvPr id="57" name="TextShape 2"/>
-          <p:cNvSpPr txBox="1"/>
+          <p:cNvPr id="129" name="CustomShape 2"/>
+          <p:cNvSpPr/>
           <p:nvPr/>
         </p:nvSpPr>
         <p:spPr>
           <a:xfrm>
             <a:off x="504000" y="1768680"/>
-            <a:ext cx="9071640" cy="4383720"/>
-          </a:xfrm>
-          <a:prstGeom prst="rect">
-            <a:avLst/>
-          </a:prstGeom>
+            <a:ext cx="9070920" cy="4383000"/>
+          </a:xfrm>
+          <a:prstGeom prst="rect">
+            <a:avLst/>
+          </a:prstGeom>
+          <a:noFill/>
+          <a:ln>
+            <a:noFill/>
+          </a:ln>
         </p:spPr>
         <p:txBody>
           <a:bodyPr lIns="0" rIns="0" tIns="0" bIns="0"/>
           <a:p>
             <a:pPr>
-              <a:buSzPct val="45000"/>
-              <a:buFont typeface="StarSymbol"/>
-              <a:buChar char=""/>
+              <a:lnSpc>
+                <a:spcPct val="100000"/>
+              </a:lnSpc>
+              <a:buSzPct val="45000"/>
+              <a:buFont typeface="StarSymbol"/>
+              <a:buChar char="l"/>
             </a:pPr>
             <a:r>
               <a:rPr lang="en-US" sz="3200">
@@ -1805,9 +4551,12 @@
           </a:p>
           <a:p>
             <a:pPr>
-              <a:buSzPct val="45000"/>
-              <a:buFont typeface="StarSymbol"/>
-              <a:buChar char=""/>
+              <a:lnSpc>
+                <a:spcPct val="100000"/>
+              </a:lnSpc>
+              <a:buSzPct val="45000"/>
+              <a:buFont typeface="StarSymbol"/>
+              <a:buChar char="l"/>
             </a:pPr>
             <a:r>
               <a:rPr lang="en-US" sz="3200">
@@ -1819,9 +4568,12 @@
           </a:p>
           <a:p>
             <a:pPr>
-              <a:buSzPct val="45000"/>
-              <a:buFont typeface="StarSymbol"/>
-              <a:buChar char=""/>
+              <a:lnSpc>
+                <a:spcPct val="100000"/>
+              </a:lnSpc>
+              <a:buSzPct val="45000"/>
+              <a:buFont typeface="StarSymbol"/>
+              <a:buChar char="l"/>
             </a:pPr>
             <a:r>
               <a:rPr lang="en-US" sz="3200">
@@ -1833,9 +4585,12 @@
           </a:p>
           <a:p>
             <a:pPr>
-              <a:buSzPct val="45000"/>
-              <a:buFont typeface="StarSymbol"/>
-              <a:buChar char=""/>
+              <a:lnSpc>
+                <a:spcPct val="100000"/>
+              </a:lnSpc>
+              <a:buSzPct val="45000"/>
+              <a:buFont typeface="StarSymbol"/>
+              <a:buChar char="l"/>
             </a:pPr>
             <a:r>
               <a:rPr lang="en-US" sz="3200">
@@ -1847,9 +4602,12 @@
           </a:p>
           <a:p>
             <a:pPr lvl="1">
+              <a:lnSpc>
+                <a:spcPct val="100000"/>
+              </a:lnSpc>
               <a:buSzPct val="75000"/>
               <a:buFont typeface="StarSymbol"/>
-              <a:buChar char=""/>
+              <a:buChar char="l"/>
             </a:pPr>
             <a:r>
               <a:rPr lang="en-US" sz="2800">
@@ -1861,17 +4619,17 @@
           </a:p>
           <a:p>
             <a:pPr>
-              <a:buSzPct val="45000"/>
-              <a:buFont typeface="StarSymbol"/>
-              <a:buChar char=""/>
-            </a:pPr>
-            <a:endParaRPr/>
-          </a:p>
-          <a:p>
-            <a:pPr>
-              <a:buSzPct val="45000"/>
-              <a:buFont typeface="StarSymbol"/>
-              <a:buChar char=""/>
+              <a:lnSpc>
+                <a:spcPct val="100000"/>
+              </a:lnSpc>
+            </a:pPr>
+            <a:endParaRPr/>
+          </a:p>
+          <a:p>
+            <a:pPr>
+              <a:lnSpc>
+                <a:spcPct val="100000"/>
+              </a:lnSpc>
             </a:pPr>
             <a:endParaRPr/>
           </a:p>
@@ -1928,62 +4686,73 @@
       </p:grpSpPr>
       <p:sp>
         <p:nvSpPr>
-          <p:cNvPr id="58" name="TextShape 1"/>
-          <p:cNvSpPr txBox="1"/>
+          <p:cNvPr id="130" name="CustomShape 1"/>
+          <p:cNvSpPr/>
           <p:nvPr/>
         </p:nvSpPr>
         <p:spPr>
           <a:xfrm>
             <a:off x="504000" y="199080"/>
-            <a:ext cx="9071640" cy="1466280"/>
-          </a:xfrm>
-          <a:prstGeom prst="rect">
-            <a:avLst/>
-          </a:prstGeom>
+            <a:ext cx="9070920" cy="1465560"/>
+          </a:xfrm>
+          <a:prstGeom prst="rect">
+            <a:avLst/>
+          </a:prstGeom>
+          <a:noFill/>
+          <a:ln>
+            <a:noFill/>
+          </a:ln>
         </p:spPr>
         <p:txBody>
           <a:bodyPr lIns="0" rIns="0" tIns="0" bIns="0" anchor="ctr"/>
           <a:p>
-            <a:pPr algn="ctr"/>
             <a:r>
               <a:rPr lang="en-US" sz="4400">
                 <a:latin typeface="Arial"/>
               </a:rPr>
               <a:t>其他</a:t>
             </a:r>
-            <a:r>
-              <a:rPr lang="en-US" sz="4400">
-                <a:latin typeface="Arial"/>
-              </a:rPr>
-              <a:t>
-</a:t>
-            </a:r>
-            <a:endParaRPr/>
-          </a:p>
-        </p:txBody>
-      </p:sp>
-      <p:sp>
-        <p:nvSpPr>
-          <p:cNvPr id="59" name="TextShape 2"/>
-          <p:cNvSpPr txBox="1"/>
+            <a:endParaRPr/>
+          </a:p>
+          <a:p>
+            <a:pPr algn="ctr">
+              <a:lnSpc>
+                <a:spcPct val="100000"/>
+              </a:lnSpc>
+            </a:pPr>
+            <a:endParaRPr/>
+          </a:p>
+        </p:txBody>
+      </p:sp>
+      <p:sp>
+        <p:nvSpPr>
+          <p:cNvPr id="131" name="CustomShape 2"/>
+          <p:cNvSpPr/>
           <p:nvPr/>
         </p:nvSpPr>
         <p:spPr>
           <a:xfrm>
             <a:off x="504000" y="1768680"/>
-            <a:ext cx="9071640" cy="4383720"/>
-          </a:xfrm>
-          <a:prstGeom prst="rect">
-            <a:avLst/>
-          </a:prstGeom>
+            <a:ext cx="9070920" cy="4383000"/>
+          </a:xfrm>
+          <a:prstGeom prst="rect">
+            <a:avLst/>
+          </a:prstGeom>
+          <a:noFill/>
+          <a:ln>
+            <a:noFill/>
+          </a:ln>
         </p:spPr>
         <p:txBody>
           <a:bodyPr lIns="0" rIns="0" tIns="0" bIns="0"/>
           <a:p>
             <a:pPr>
-              <a:buSzPct val="45000"/>
-              <a:buFont typeface="StarSymbol"/>
-              <a:buChar char=""/>
+              <a:lnSpc>
+                <a:spcPct val="100000"/>
+              </a:lnSpc>
+              <a:buSzPct val="45000"/>
+              <a:buFont typeface="StarSymbol"/>
+              <a:buChar char="l"/>
             </a:pPr>
             <a:r>
               <a:rPr lang="en-US" sz="3200">
@@ -2001,9 +4770,12 @@
           </a:p>
           <a:p>
             <a:pPr>
-              <a:buSzPct val="45000"/>
-              <a:buFont typeface="StarSymbol"/>
-              <a:buChar char=""/>
+              <a:lnSpc>
+                <a:spcPct val="100000"/>
+              </a:lnSpc>
+              <a:buSzPct val="45000"/>
+              <a:buFont typeface="StarSymbol"/>
+              <a:buChar char="l"/>
             </a:pPr>
             <a:r>
               <a:rPr lang="en-US" sz="3200">
@@ -2078,23 +4850,31 @@
       </p:grpSpPr>
       <p:sp>
         <p:nvSpPr>
-          <p:cNvPr id="60" name="TextShape 1"/>
-          <p:cNvSpPr txBox="1"/>
+          <p:cNvPr id="132" name="CustomShape 1"/>
+          <p:cNvSpPr/>
           <p:nvPr/>
         </p:nvSpPr>
         <p:spPr>
           <a:xfrm>
             <a:off x="504000" y="301320"/>
-            <a:ext cx="9071640" cy="1261800"/>
-          </a:xfrm>
-          <a:prstGeom prst="rect">
-            <a:avLst/>
-          </a:prstGeom>
+            <a:ext cx="9070920" cy="1261080"/>
+          </a:xfrm>
+          <a:prstGeom prst="rect">
+            <a:avLst/>
+          </a:prstGeom>
+          <a:noFill/>
+          <a:ln>
+            <a:noFill/>
+          </a:ln>
         </p:spPr>
         <p:txBody>
           <a:bodyPr lIns="0" rIns="0" tIns="0" bIns="0" anchor="ctr"/>
           <a:p>
-            <a:pPr algn="ctr"/>
+            <a:pPr algn="ctr">
+              <a:lnSpc>
+                <a:spcPct val="100000"/>
+              </a:lnSpc>
+            </a:pPr>
             <a:r>
               <a:rPr lang="en-US" sz="4400">
                 <a:latin typeface="Arial"/>
@@ -2107,26 +4887,33 @@
       </p:sp>
       <p:sp>
         <p:nvSpPr>
-          <p:cNvPr id="61" name="TextShape 2"/>
-          <p:cNvSpPr txBox="1"/>
+          <p:cNvPr id="133" name="CustomShape 2"/>
+          <p:cNvSpPr/>
           <p:nvPr/>
         </p:nvSpPr>
         <p:spPr>
           <a:xfrm>
             <a:off x="504000" y="1768680"/>
-            <a:ext cx="9071640" cy="4383720"/>
-          </a:xfrm>
-          <a:prstGeom prst="rect">
-            <a:avLst/>
-          </a:prstGeom>
+            <a:ext cx="9070920" cy="4383000"/>
+          </a:xfrm>
+          <a:prstGeom prst="rect">
+            <a:avLst/>
+          </a:prstGeom>
+          <a:noFill/>
+          <a:ln>
+            <a:noFill/>
+          </a:ln>
         </p:spPr>
         <p:txBody>
           <a:bodyPr lIns="0" rIns="0" tIns="0" bIns="0"/>
           <a:p>
             <a:pPr>
-              <a:buSzPct val="45000"/>
-              <a:buFont typeface="StarSymbol"/>
-              <a:buChar char=""/>
+              <a:lnSpc>
+                <a:spcPct val="100000"/>
+              </a:lnSpc>
+              <a:buSzPct val="45000"/>
+              <a:buFont typeface="StarSymbol"/>
+              <a:buChar char="l"/>
             </a:pPr>
             <a:r>
               <a:rPr lang="en-US" sz="3200">
@@ -2138,9 +4925,12 @@
           </a:p>
           <a:p>
             <a:pPr>
-              <a:buSzPct val="45000"/>
-              <a:buFont typeface="StarSymbol"/>
-              <a:buChar char=""/>
+              <a:lnSpc>
+                <a:spcPct val="100000"/>
+              </a:lnSpc>
+              <a:buSzPct val="45000"/>
+              <a:buFont typeface="StarSymbol"/>
+              <a:buChar char="l"/>
             </a:pPr>
             <a:r>
               <a:rPr lang="en-US" sz="3200">
@@ -2152,9 +4942,12 @@
           </a:p>
           <a:p>
             <a:pPr lvl="1">
+              <a:lnSpc>
+                <a:spcPct val="100000"/>
+              </a:lnSpc>
               <a:buSzPct val="75000"/>
               <a:buFont typeface="StarSymbol"/>
-              <a:buChar char=""/>
+              <a:buChar char="l"/>
             </a:pPr>
             <a:r>
               <a:rPr lang="en-US" sz="2800">
@@ -2166,9 +4959,12 @@
           </a:p>
           <a:p>
             <a:pPr lvl="1">
+              <a:lnSpc>
+                <a:spcPct val="100000"/>
+              </a:lnSpc>
               <a:buSzPct val="75000"/>
               <a:buFont typeface="StarSymbol"/>
-              <a:buChar char=""/>
+              <a:buChar char="l"/>
             </a:pPr>
             <a:r>
               <a:rPr lang="en-US" sz="2800">
@@ -2186,25 +4982,25 @@
           </a:p>
           <a:p>
             <a:pPr>
-              <a:buSzPct val="45000"/>
-              <a:buFont typeface="StarSymbol"/>
-              <a:buChar char=""/>
-            </a:pPr>
-            <a:endParaRPr/>
-          </a:p>
-          <a:p>
-            <a:pPr>
-              <a:buSzPct val="45000"/>
-              <a:buFont typeface="StarSymbol"/>
-              <a:buChar char=""/>
-            </a:pPr>
-            <a:endParaRPr/>
-          </a:p>
-          <a:p>
-            <a:pPr>
-              <a:buSzPct val="45000"/>
-              <a:buFont typeface="StarSymbol"/>
-              <a:buChar char=""/>
+              <a:lnSpc>
+                <a:spcPct val="100000"/>
+              </a:lnSpc>
+            </a:pPr>
+            <a:endParaRPr/>
+          </a:p>
+          <a:p>
+            <a:pPr>
+              <a:lnSpc>
+                <a:spcPct val="100000"/>
+              </a:lnSpc>
+            </a:pPr>
+            <a:endParaRPr/>
+          </a:p>
+          <a:p>
+            <a:pPr>
+              <a:lnSpc>
+                <a:spcPct val="100000"/>
+              </a:lnSpc>
             </a:pPr>
             <a:endParaRPr/>
           </a:p>
@@ -2219,6 +5015,1604 @@
           <p:childTnLst>
             <p:seq>
               <p:cTn id="26" nodeType="mainSeq"/>
+              <p:prevCondLst>
+                <p:cond delay="0" evt="onPrev">
+                  <p:tgtEl>
+                    <p:sldTgt/>
+                  </p:tgtEl>
+                </p:cond>
+              </p:prevCondLst>
+              <p:nextCondLst>
+                <p:cond delay="0" evt="onNext">
+                  <p:tgtEl>
+                    <p:sldTgt/>
+                  </p:tgtEl>
+                </p:cond>
+              </p:nextCondLst>
+            </p:seq>
+          </p:childTnLst>
+        </p:cTn>
+      </p:par>
+    </p:tnLst>
+  </p:timing>
+</p:sld>
+</file>
+
+<file path=ppt/slides/slide14.xml><?xml version="1.0" encoding="utf-8"?>
+<p:sld xmlns:a="http://schemas.openxmlformats.org/drawingml/2006/main" xmlns:p="http://schemas.openxmlformats.org/presentationml/2006/main" xmlns:r="http://schemas.openxmlformats.org/officeDocument/2006/relationships">
+  <p:cSld>
+    <p:spTree>
+      <p:nvGrpSpPr>
+        <p:cNvPr id="1" name=""/>
+        <p:cNvGrpSpPr/>
+        <p:nvPr/>
+      </p:nvGrpSpPr>
+      <p:grpSpPr>
+        <a:xfrm>
+          <a:off x="0" y="0"/>
+          <a:ext cx="0" cy="0"/>
+          <a:chOff x="0" y="0"/>
+          <a:chExt cx="0" cy="0"/>
+        </a:xfrm>
+      </p:grpSpPr>
+      <p:sp>
+        <p:nvSpPr>
+          <p:cNvPr id="134" name="CustomShape 1"/>
+          <p:cNvSpPr/>
+          <p:nvPr/>
+        </p:nvSpPr>
+        <p:spPr>
+          <a:xfrm>
+            <a:off x="504000" y="301320"/>
+            <a:ext cx="9070920" cy="1261440"/>
+          </a:xfrm>
+          <a:prstGeom prst="rect">
+            <a:avLst/>
+          </a:prstGeom>
+          <a:noFill/>
+          <a:ln>
+            <a:noFill/>
+          </a:ln>
+        </p:spPr>
+        <p:txBody>
+          <a:bodyPr lIns="0" rIns="0" tIns="0" bIns="0" anchor="ctr"/>
+          <a:p>
+            <a:pPr algn="ctr">
+              <a:lnSpc>
+                <a:spcPct val="100000"/>
+              </a:lnSpc>
+            </a:pPr>
+            <a:r>
+              <a:rPr lang="en-US" sz="4400">
+                <a:latin typeface="Arial"/>
+              </a:rPr>
+              <a:t>函数参数</a:t>
+            </a:r>
+            <a:r>
+              <a:rPr lang="en-US" sz="4400">
+                <a:latin typeface="Arial"/>
+              </a:rPr>
+              <a:t>(</a:t>
+            </a:r>
+            <a:r>
+              <a:rPr lang="en-US" sz="4400">
+                <a:latin typeface="Arial"/>
+              </a:rPr>
+              <a:t>作用域类型</a:t>
+            </a:r>
+            <a:r>
+              <a:rPr lang="en-US" sz="4400">
+                <a:latin typeface="Arial"/>
+              </a:rPr>
+              <a:t>)</a:t>
+            </a:r>
+            <a:endParaRPr/>
+          </a:p>
+        </p:txBody>
+      </p:sp>
+      <p:sp>
+        <p:nvSpPr>
+          <p:cNvPr id="135" name="CustomShape 2"/>
+          <p:cNvSpPr/>
+          <p:nvPr/>
+        </p:nvSpPr>
+        <p:spPr>
+          <a:xfrm>
+            <a:off x="504000" y="1768680"/>
+            <a:ext cx="9070920" cy="4383000"/>
+          </a:xfrm>
+          <a:prstGeom prst="rect">
+            <a:avLst/>
+          </a:prstGeom>
+          <a:noFill/>
+          <a:ln>
+            <a:noFill/>
+          </a:ln>
+        </p:spPr>
+        <p:txBody>
+          <a:bodyPr lIns="0" rIns="0" tIns="0" bIns="0"/>
+          <a:p>
+            <a:pPr>
+              <a:lnSpc>
+                <a:spcPct val="100000"/>
+              </a:lnSpc>
+              <a:buSzPct val="45000"/>
+              <a:buFont typeface="StarSymbol"/>
+              <a:buChar char="l"/>
+            </a:pPr>
+            <a:r>
+              <a:rPr lang="en-US" sz="3200">
+                <a:latin typeface="Arial"/>
+              </a:rPr>
+              <a:t>先看一个例子</a:t>
+            </a:r>
+            <a:endParaRPr/>
+          </a:p>
+          <a:p>
+            <a:pPr>
+              <a:lnSpc>
+                <a:spcPct val="100000"/>
+              </a:lnSpc>
+              <a:buSzPct val="45000"/>
+              <a:buFont typeface="StarSymbol"/>
+              <a:buChar char="l"/>
+            </a:pPr>
+            <a:r>
+              <a:rPr lang="en-US" sz="3200">
+                <a:latin typeface="Arial"/>
+              </a:rPr>
+              <a:t>eg:</a:t>
+            </a:r>
+            <a:endParaRPr/>
+          </a:p>
+          <a:p>
+            <a:pPr>
+              <a:lnSpc>
+                <a:spcPct val="100000"/>
+              </a:lnSpc>
+              <a:buSzPct val="45000"/>
+              <a:buFont typeface="StarSymbol"/>
+              <a:buChar char="l"/>
+            </a:pPr>
+            <a:r>
+              <a:rPr lang="en-US" sz="3200">
+                <a:latin typeface="Arial"/>
+              </a:rPr>
+              <a:t>def test_add(a):</a:t>
+            </a:r>
+            <a:endParaRPr/>
+          </a:p>
+          <a:p>
+            <a:pPr lvl="1">
+              <a:lnSpc>
+                <a:spcPct val="100000"/>
+              </a:lnSpc>
+              <a:buSzPct val="75000"/>
+              <a:buFont typeface="StarSymbol"/>
+              <a:buChar char="l"/>
+            </a:pPr>
+            <a:r>
+              <a:rPr lang="en-US" sz="2800">
+                <a:latin typeface="Arial"/>
+              </a:rPr>
+              <a:t>a += 2</a:t>
+            </a:r>
+            <a:endParaRPr/>
+          </a:p>
+          <a:p>
+            <a:pPr lvl="1">
+              <a:lnSpc>
+                <a:spcPct val="100000"/>
+              </a:lnSpc>
+              <a:buSzPct val="75000"/>
+              <a:buFont typeface="StarSymbol"/>
+              <a:buChar char="l"/>
+            </a:pPr>
+            <a:r>
+              <a:rPr lang="en-US" sz="2800">
+                <a:latin typeface="Arial"/>
+              </a:rPr>
+              <a:t>print a</a:t>
+            </a:r>
+            <a:endParaRPr/>
+          </a:p>
+          <a:p>
+            <a:pPr>
+              <a:lnSpc>
+                <a:spcPct val="100000"/>
+              </a:lnSpc>
+              <a:buSzPct val="45000"/>
+              <a:buFont typeface="StarSymbol"/>
+              <a:buChar char="l"/>
+            </a:pPr>
+            <a:r>
+              <a:rPr lang="en-US" sz="3200">
+                <a:latin typeface="Arial"/>
+              </a:rPr>
+              <a:t>a = 2</a:t>
+            </a:r>
+            <a:endParaRPr/>
+          </a:p>
+          <a:p>
+            <a:pPr>
+              <a:lnSpc>
+                <a:spcPct val="100000"/>
+              </a:lnSpc>
+              <a:buSzPct val="45000"/>
+              <a:buFont typeface="StarSymbol"/>
+              <a:buChar char="l"/>
+            </a:pPr>
+            <a:r>
+              <a:rPr lang="en-US" sz="3200">
+                <a:latin typeface="Arial"/>
+              </a:rPr>
+              <a:t>test_add(a)</a:t>
+            </a:r>
+            <a:endParaRPr/>
+          </a:p>
+          <a:p>
+            <a:pPr>
+              <a:lnSpc>
+                <a:spcPct val="100000"/>
+              </a:lnSpc>
+              <a:buSzPct val="45000"/>
+              <a:buFont typeface="StarSymbol"/>
+              <a:buChar char="l"/>
+            </a:pPr>
+            <a:r>
+              <a:rPr lang="en-US" sz="3200">
+                <a:latin typeface="Arial"/>
+              </a:rPr>
+              <a:t>print a</a:t>
+            </a:r>
+            <a:endParaRPr/>
+          </a:p>
+        </p:txBody>
+      </p:sp>
+    </p:spTree>
+  </p:cSld>
+  <p:timing>
+    <p:tnLst>
+      <p:par>
+        <p:cTn id="27" dur="indefinite" restart="never" nodeType="tmRoot">
+          <p:childTnLst>
+            <p:seq>
+              <p:cTn id="28" nodeType="mainSeq"/>
+              <p:prevCondLst>
+                <p:cond delay="0" evt="onPrev">
+                  <p:tgtEl>
+                    <p:sldTgt/>
+                  </p:tgtEl>
+                </p:cond>
+              </p:prevCondLst>
+              <p:nextCondLst>
+                <p:cond delay="0" evt="onNext">
+                  <p:tgtEl>
+                    <p:sldTgt/>
+                  </p:tgtEl>
+                </p:cond>
+              </p:nextCondLst>
+            </p:seq>
+          </p:childTnLst>
+        </p:cTn>
+      </p:par>
+    </p:tnLst>
+  </p:timing>
+</p:sld>
+</file>
+
+<file path=ppt/slides/slide15.xml><?xml version="1.0" encoding="utf-8"?>
+<p:sld xmlns:a="http://schemas.openxmlformats.org/drawingml/2006/main" xmlns:p="http://schemas.openxmlformats.org/presentationml/2006/main" xmlns:r="http://schemas.openxmlformats.org/officeDocument/2006/relationships">
+  <p:cSld>
+    <p:spTree>
+      <p:nvGrpSpPr>
+        <p:cNvPr id="1" name=""/>
+        <p:cNvGrpSpPr/>
+        <p:nvPr/>
+      </p:nvGrpSpPr>
+      <p:grpSpPr>
+        <a:xfrm>
+          <a:off x="0" y="0"/>
+          <a:ext cx="0" cy="0"/>
+          <a:chOff x="0" y="0"/>
+          <a:chExt cx="0" cy="0"/>
+        </a:xfrm>
+      </p:grpSpPr>
+      <p:sp>
+        <p:nvSpPr>
+          <p:cNvPr id="136" name="CustomShape 1"/>
+          <p:cNvSpPr/>
+          <p:nvPr/>
+        </p:nvSpPr>
+        <p:spPr>
+          <a:xfrm>
+            <a:off x="504000" y="301320"/>
+            <a:ext cx="9070920" cy="1261440"/>
+          </a:xfrm>
+          <a:prstGeom prst="rect">
+            <a:avLst/>
+          </a:prstGeom>
+          <a:noFill/>
+          <a:ln>
+            <a:noFill/>
+          </a:ln>
+        </p:spPr>
+        <p:txBody>
+          <a:bodyPr lIns="0" rIns="0" tIns="0" bIns="0" anchor="ctr"/>
+          <a:p>
+            <a:pPr algn="ctr">
+              <a:lnSpc>
+                <a:spcPct val="100000"/>
+              </a:lnSpc>
+            </a:pPr>
+            <a:r>
+              <a:rPr lang="en-US" sz="4400">
+                <a:latin typeface="Arial"/>
+              </a:rPr>
+              <a:t>函数参数</a:t>
+            </a:r>
+            <a:r>
+              <a:rPr lang="en-US" sz="4400">
+                <a:latin typeface="Arial"/>
+              </a:rPr>
+              <a:t>(</a:t>
+            </a:r>
+            <a:r>
+              <a:rPr lang="en-US" sz="4400">
+                <a:latin typeface="Arial"/>
+              </a:rPr>
+              <a:t>作用域类型</a:t>
+            </a:r>
+            <a:r>
+              <a:rPr lang="en-US" sz="4400">
+                <a:latin typeface="Arial"/>
+              </a:rPr>
+              <a:t>)</a:t>
+            </a:r>
+            <a:endParaRPr/>
+          </a:p>
+        </p:txBody>
+      </p:sp>
+      <p:sp>
+        <p:nvSpPr>
+          <p:cNvPr id="137" name="CustomShape 2"/>
+          <p:cNvSpPr/>
+          <p:nvPr/>
+        </p:nvSpPr>
+        <p:spPr>
+          <a:xfrm>
+            <a:off x="504000" y="1768680"/>
+            <a:ext cx="9070920" cy="4383000"/>
+          </a:xfrm>
+          <a:prstGeom prst="rect">
+            <a:avLst/>
+          </a:prstGeom>
+          <a:noFill/>
+          <a:ln>
+            <a:noFill/>
+          </a:ln>
+        </p:spPr>
+        <p:txBody>
+          <a:bodyPr lIns="0" rIns="0" tIns="0" bIns="0"/>
+          <a:p>
+            <a:pPr>
+              <a:lnSpc>
+                <a:spcPct val="100000"/>
+              </a:lnSpc>
+              <a:buSzPct val="45000"/>
+              <a:buFont typeface="StarSymbol"/>
+              <a:buChar char="l"/>
+            </a:pPr>
+            <a:r>
+              <a:rPr lang="en-US" sz="3200">
+                <a:latin typeface="Arial"/>
+              </a:rPr>
+              <a:t>再看一个例子</a:t>
+            </a:r>
+            <a:endParaRPr/>
+          </a:p>
+          <a:p>
+            <a:pPr>
+              <a:lnSpc>
+                <a:spcPct val="100000"/>
+              </a:lnSpc>
+              <a:buSzPct val="45000"/>
+              <a:buFont typeface="StarSymbol"/>
+              <a:buChar char="l"/>
+            </a:pPr>
+            <a:r>
+              <a:rPr lang="en-US" sz="3200">
+                <a:latin typeface="Arial"/>
+              </a:rPr>
+              <a:t>eg</a:t>
+            </a:r>
+            <a:endParaRPr/>
+          </a:p>
+          <a:p>
+            <a:pPr>
+              <a:lnSpc>
+                <a:spcPct val="100000"/>
+              </a:lnSpc>
+              <a:buSzPct val="45000"/>
+              <a:buFont typeface="StarSymbol"/>
+              <a:buChar char="l"/>
+            </a:pPr>
+            <a:r>
+              <a:rPr lang="en-US" sz="3200">
+                <a:latin typeface="Arial"/>
+              </a:rPr>
+              <a:t>def func_test(a):</a:t>
+            </a:r>
+            <a:endParaRPr/>
+          </a:p>
+          <a:p>
+            <a:pPr lvl="1">
+              <a:lnSpc>
+                <a:spcPct val="100000"/>
+              </a:lnSpc>
+              <a:buSzPct val="75000"/>
+              <a:buFont typeface="StarSymbol"/>
+              <a:buChar char="l"/>
+            </a:pPr>
+            <a:r>
+              <a:rPr lang="en-US" sz="2800">
+                <a:latin typeface="Arial"/>
+              </a:rPr>
+              <a:t>a.pop();</a:t>
+            </a:r>
+            <a:endParaRPr/>
+          </a:p>
+          <a:p>
+            <a:pPr lvl="1">
+              <a:lnSpc>
+                <a:spcPct val="100000"/>
+              </a:lnSpc>
+              <a:buSzPct val="75000"/>
+              <a:buFont typeface="StarSymbol"/>
+              <a:buChar char="l"/>
+            </a:pPr>
+            <a:r>
+              <a:rPr lang="en-US" sz="2800">
+                <a:latin typeface="Arial"/>
+              </a:rPr>
+              <a:t>print a</a:t>
+            </a:r>
+            <a:endParaRPr/>
+          </a:p>
+          <a:p>
+            <a:pPr>
+              <a:lnSpc>
+                <a:spcPct val="100000"/>
+              </a:lnSpc>
+              <a:buSzPct val="45000"/>
+              <a:buFont typeface="StarSymbol"/>
+              <a:buChar char="l"/>
+            </a:pPr>
+            <a:r>
+              <a:rPr lang="en-US" sz="3200">
+                <a:latin typeface="Arial"/>
+              </a:rPr>
+              <a:t>test_list = ['shilin', 'bob', 'wenhao']</a:t>
+            </a:r>
+            <a:endParaRPr/>
+          </a:p>
+          <a:p>
+            <a:pPr>
+              <a:lnSpc>
+                <a:spcPct val="100000"/>
+              </a:lnSpc>
+              <a:buSzPct val="45000"/>
+              <a:buFont typeface="StarSymbol"/>
+              <a:buChar char="l"/>
+            </a:pPr>
+            <a:r>
+              <a:rPr lang="en-US" sz="3200">
+                <a:latin typeface="Arial"/>
+              </a:rPr>
+              <a:t>func_test(test_list)</a:t>
+            </a:r>
+            <a:endParaRPr/>
+          </a:p>
+          <a:p>
+            <a:pPr>
+              <a:lnSpc>
+                <a:spcPct val="100000"/>
+              </a:lnSpc>
+              <a:buSzPct val="45000"/>
+              <a:buFont typeface="StarSymbol"/>
+              <a:buChar char="l"/>
+            </a:pPr>
+            <a:r>
+              <a:rPr lang="en-US" sz="3200">
+                <a:latin typeface="Arial"/>
+              </a:rPr>
+              <a:t>print test_list</a:t>
+            </a:r>
+            <a:endParaRPr/>
+          </a:p>
+        </p:txBody>
+      </p:sp>
+    </p:spTree>
+  </p:cSld>
+  <p:timing>
+    <p:tnLst>
+      <p:par>
+        <p:cTn id="29" dur="indefinite" restart="never" nodeType="tmRoot">
+          <p:childTnLst>
+            <p:seq>
+              <p:cTn id="30" nodeType="mainSeq"/>
+              <p:prevCondLst>
+                <p:cond delay="0" evt="onPrev">
+                  <p:tgtEl>
+                    <p:sldTgt/>
+                  </p:tgtEl>
+                </p:cond>
+              </p:prevCondLst>
+              <p:nextCondLst>
+                <p:cond delay="0" evt="onNext">
+                  <p:tgtEl>
+                    <p:sldTgt/>
+                  </p:tgtEl>
+                </p:cond>
+              </p:nextCondLst>
+            </p:seq>
+          </p:childTnLst>
+        </p:cTn>
+      </p:par>
+    </p:tnLst>
+  </p:timing>
+</p:sld>
+</file>
+
+<file path=ppt/slides/slide16.xml><?xml version="1.0" encoding="utf-8"?>
+<p:sld xmlns:a="http://schemas.openxmlformats.org/drawingml/2006/main" xmlns:p="http://schemas.openxmlformats.org/presentationml/2006/main" xmlns:r="http://schemas.openxmlformats.org/officeDocument/2006/relationships">
+  <p:cSld>
+    <p:spTree>
+      <p:nvGrpSpPr>
+        <p:cNvPr id="1" name=""/>
+        <p:cNvGrpSpPr/>
+        <p:nvPr/>
+      </p:nvGrpSpPr>
+      <p:grpSpPr>
+        <a:xfrm>
+          <a:off x="0" y="0"/>
+          <a:ext cx="0" cy="0"/>
+          <a:chOff x="0" y="0"/>
+          <a:chExt cx="0" cy="0"/>
+        </a:xfrm>
+      </p:grpSpPr>
+      <p:sp>
+        <p:nvSpPr>
+          <p:cNvPr id="138" name="CustomShape 1"/>
+          <p:cNvSpPr/>
+          <p:nvPr/>
+        </p:nvSpPr>
+        <p:spPr>
+          <a:xfrm>
+            <a:off x="504000" y="301320"/>
+            <a:ext cx="9070920" cy="1261440"/>
+          </a:xfrm>
+          <a:prstGeom prst="rect">
+            <a:avLst/>
+          </a:prstGeom>
+          <a:noFill/>
+          <a:ln>
+            <a:noFill/>
+          </a:ln>
+        </p:spPr>
+        <p:txBody>
+          <a:bodyPr lIns="0" rIns="0" tIns="0" bIns="0" anchor="ctr"/>
+          <a:p>
+            <a:pPr algn="ctr">
+              <a:lnSpc>
+                <a:spcPct val="100000"/>
+              </a:lnSpc>
+            </a:pPr>
+            <a:r>
+              <a:rPr lang="en-US" sz="4400">
+                <a:latin typeface="Arial"/>
+              </a:rPr>
+              <a:t>函数参数</a:t>
+            </a:r>
+            <a:r>
+              <a:rPr lang="en-US" sz="4400">
+                <a:latin typeface="Arial"/>
+              </a:rPr>
+              <a:t>(</a:t>
+            </a:r>
+            <a:r>
+              <a:rPr lang="en-US" sz="4400">
+                <a:latin typeface="Arial"/>
+              </a:rPr>
+              <a:t>作用域类型</a:t>
+            </a:r>
+            <a:r>
+              <a:rPr lang="en-US" sz="4400">
+                <a:latin typeface="Arial"/>
+              </a:rPr>
+              <a:t>)</a:t>
+            </a:r>
+            <a:endParaRPr/>
+          </a:p>
+        </p:txBody>
+      </p:sp>
+      <p:sp>
+        <p:nvSpPr>
+          <p:cNvPr id="139" name="CustomShape 2"/>
+          <p:cNvSpPr/>
+          <p:nvPr/>
+        </p:nvSpPr>
+        <p:spPr>
+          <a:xfrm>
+            <a:off x="504000" y="1768680"/>
+            <a:ext cx="9070920" cy="4383000"/>
+          </a:xfrm>
+          <a:prstGeom prst="rect">
+            <a:avLst/>
+          </a:prstGeom>
+          <a:noFill/>
+          <a:ln>
+            <a:noFill/>
+          </a:ln>
+        </p:spPr>
+        <p:txBody>
+          <a:bodyPr lIns="0" rIns="0" tIns="0" bIns="0"/>
+          <a:p>
+            <a:pPr>
+              <a:lnSpc>
+                <a:spcPct val="100000"/>
+              </a:lnSpc>
+              <a:buSzPct val="45000"/>
+              <a:buFont typeface="StarSymbol"/>
+              <a:buChar char="l"/>
+            </a:pPr>
+            <a:r>
+              <a:rPr lang="en-US" sz="3200">
+                <a:latin typeface="Arial"/>
+              </a:rPr>
+              <a:t>python</a:t>
+            </a:r>
+            <a:r>
+              <a:rPr lang="en-US" sz="3200">
+                <a:latin typeface="Arial"/>
+              </a:rPr>
+              <a:t>参数传递方式：（</a:t>
+            </a:r>
+            <a:r>
+              <a:rPr lang="en-US" sz="3200">
+                <a:latin typeface="Arial"/>
+              </a:rPr>
+              <a:t>type * const var</a:t>
+            </a:r>
+            <a:r>
+              <a:rPr lang="en-US" sz="3200">
+                <a:latin typeface="Arial"/>
+              </a:rPr>
+              <a:t>）</a:t>
+            </a:r>
+            <a:endParaRPr/>
+          </a:p>
+          <a:p>
+            <a:pPr>
+              <a:lnSpc>
+                <a:spcPct val="100000"/>
+              </a:lnSpc>
+              <a:buSzPct val="45000"/>
+              <a:buFont typeface="StarSymbol"/>
+              <a:buChar char="l"/>
+            </a:pPr>
+            <a:r>
+              <a:rPr lang="en-US" sz="3200">
+                <a:latin typeface="Arial"/>
+              </a:rPr>
+              <a:t>---type</a:t>
+            </a:r>
+            <a:r>
+              <a:rPr lang="en-US" sz="3200">
+                <a:latin typeface="Arial"/>
+              </a:rPr>
+              <a:t>为可变对象时，传递方式相当于引用</a:t>
+            </a:r>
+            <a:endParaRPr/>
+          </a:p>
+          <a:p>
+            <a:pPr>
+              <a:lnSpc>
+                <a:spcPct val="100000"/>
+              </a:lnSpc>
+              <a:buSzPct val="45000"/>
+              <a:buFont typeface="StarSymbol"/>
+              <a:buChar char="l"/>
+            </a:pPr>
+            <a:r>
+              <a:rPr lang="en-US" sz="3200">
+                <a:latin typeface="Arial"/>
+              </a:rPr>
+              <a:t>---type</a:t>
+            </a:r>
+            <a:r>
+              <a:rPr lang="en-US" sz="3200">
+                <a:latin typeface="Arial"/>
+              </a:rPr>
+              <a:t>为不可变对象时，传递相当于复制</a:t>
+            </a:r>
+            <a:endParaRPr/>
+          </a:p>
+          <a:p>
+            <a:pPr>
+              <a:lnSpc>
+                <a:spcPct val="100000"/>
+              </a:lnSpc>
+              <a:buSzPct val="45000"/>
+              <a:buFont typeface="StarSymbol"/>
+              <a:buChar char="l"/>
+            </a:pPr>
+            <a:r>
+              <a:rPr lang="en-US" sz="3200">
+                <a:latin typeface="Arial"/>
+              </a:rPr>
+              <a:t>python</a:t>
+            </a:r>
+            <a:r>
+              <a:rPr lang="en-US" sz="3200">
+                <a:latin typeface="Arial"/>
+              </a:rPr>
+              <a:t>对象类型</a:t>
+            </a:r>
+            <a:endParaRPr/>
+          </a:p>
+          <a:p>
+            <a:pPr>
+              <a:lnSpc>
+                <a:spcPct val="100000"/>
+              </a:lnSpc>
+              <a:buSzPct val="45000"/>
+              <a:buFont typeface="StarSymbol"/>
+              <a:buChar char="l"/>
+            </a:pPr>
+            <a:r>
+              <a:rPr lang="en-US" sz="3200">
+                <a:latin typeface="Arial"/>
+              </a:rPr>
+              <a:t>---</a:t>
+            </a:r>
+            <a:r>
+              <a:rPr lang="en-US" sz="3200">
+                <a:latin typeface="Arial"/>
+              </a:rPr>
+              <a:t>可变对象：</a:t>
+            </a:r>
+            <a:r>
+              <a:rPr lang="en-US" sz="3200">
+                <a:latin typeface="Arial"/>
+              </a:rPr>
+              <a:t>list</a:t>
+            </a:r>
+            <a:r>
+              <a:rPr lang="en-US" sz="3200">
+                <a:latin typeface="Arial"/>
+              </a:rPr>
+              <a:t>，</a:t>
+            </a:r>
+            <a:r>
+              <a:rPr lang="en-US" sz="3200">
+                <a:latin typeface="Arial"/>
+              </a:rPr>
+              <a:t>dictionary</a:t>
+            </a:r>
+            <a:endParaRPr/>
+          </a:p>
+          <a:p>
+            <a:pPr>
+              <a:lnSpc>
+                <a:spcPct val="100000"/>
+              </a:lnSpc>
+              <a:buSzPct val="45000"/>
+              <a:buFont typeface="StarSymbol"/>
+              <a:buChar char="l"/>
+            </a:pPr>
+            <a:r>
+              <a:rPr lang="en-US" sz="3200">
+                <a:latin typeface="Arial"/>
+              </a:rPr>
+              <a:t>---</a:t>
+            </a:r>
+            <a:r>
+              <a:rPr lang="en-US" sz="3200">
+                <a:latin typeface="Arial"/>
+              </a:rPr>
+              <a:t>不可变对象：</a:t>
+            </a:r>
+            <a:r>
+              <a:rPr lang="en-US" sz="3200">
+                <a:latin typeface="Arial"/>
+              </a:rPr>
+              <a:t>int</a:t>
+            </a:r>
+            <a:r>
+              <a:rPr lang="en-US" sz="3200">
+                <a:latin typeface="Arial"/>
+              </a:rPr>
+              <a:t>，</a:t>
+            </a:r>
+            <a:r>
+              <a:rPr lang="en-US" sz="3200">
+                <a:latin typeface="Arial"/>
+              </a:rPr>
+              <a:t>string</a:t>
+            </a:r>
+            <a:r>
+              <a:rPr lang="en-US" sz="3200">
+                <a:latin typeface="Arial"/>
+              </a:rPr>
+              <a:t>，</a:t>
+            </a:r>
+            <a:r>
+              <a:rPr lang="en-US" sz="3200">
+                <a:latin typeface="Arial"/>
+              </a:rPr>
+              <a:t>float</a:t>
+            </a:r>
+            <a:r>
+              <a:rPr lang="en-US" sz="3200">
+                <a:latin typeface="Arial"/>
+              </a:rPr>
+              <a:t>，</a:t>
+            </a:r>
+            <a:r>
+              <a:rPr lang="en-US" sz="3200">
+                <a:latin typeface="Arial"/>
+              </a:rPr>
+              <a:t>tuple</a:t>
+            </a:r>
+            <a:endParaRPr/>
+          </a:p>
+        </p:txBody>
+      </p:sp>
+    </p:spTree>
+  </p:cSld>
+  <p:timing>
+    <p:tnLst>
+      <p:par>
+        <p:cTn id="31" dur="indefinite" restart="never" nodeType="tmRoot">
+          <p:childTnLst>
+            <p:seq>
+              <p:cTn id="32" nodeType="mainSeq"/>
+              <p:prevCondLst>
+                <p:cond delay="0" evt="onPrev">
+                  <p:tgtEl>
+                    <p:sldTgt/>
+                  </p:tgtEl>
+                </p:cond>
+              </p:prevCondLst>
+              <p:nextCondLst>
+                <p:cond delay="0" evt="onNext">
+                  <p:tgtEl>
+                    <p:sldTgt/>
+                  </p:tgtEl>
+                </p:cond>
+              </p:nextCondLst>
+            </p:seq>
+          </p:childTnLst>
+        </p:cTn>
+      </p:par>
+    </p:tnLst>
+  </p:timing>
+</p:sld>
+</file>
+
+<file path=ppt/slides/slide17.xml><?xml version="1.0" encoding="utf-8"?>
+<p:sld xmlns:a="http://schemas.openxmlformats.org/drawingml/2006/main" xmlns:p="http://schemas.openxmlformats.org/presentationml/2006/main" xmlns:r="http://schemas.openxmlformats.org/officeDocument/2006/relationships">
+  <p:cSld>
+    <p:spTree>
+      <p:nvGrpSpPr>
+        <p:cNvPr id="1" name=""/>
+        <p:cNvGrpSpPr/>
+        <p:nvPr/>
+      </p:nvGrpSpPr>
+      <p:grpSpPr>
+        <a:xfrm>
+          <a:off x="0" y="0"/>
+          <a:ext cx="0" cy="0"/>
+          <a:chOff x="0" y="0"/>
+          <a:chExt cx="0" cy="0"/>
+        </a:xfrm>
+      </p:grpSpPr>
+      <p:sp>
+        <p:nvSpPr>
+          <p:cNvPr id="140" name="CustomShape 1"/>
+          <p:cNvSpPr/>
+          <p:nvPr/>
+        </p:nvSpPr>
+        <p:spPr>
+          <a:xfrm>
+            <a:off x="504000" y="301320"/>
+            <a:ext cx="9070920" cy="1261440"/>
+          </a:xfrm>
+          <a:prstGeom prst="rect">
+            <a:avLst/>
+          </a:prstGeom>
+          <a:noFill/>
+          <a:ln>
+            <a:noFill/>
+          </a:ln>
+        </p:spPr>
+        <p:txBody>
+          <a:bodyPr lIns="0" rIns="0" tIns="0" bIns="0" anchor="ctr"/>
+          <a:p>
+            <a:pPr algn="ctr">
+              <a:lnSpc>
+                <a:spcPct val="100000"/>
+              </a:lnSpc>
+            </a:pPr>
+            <a:r>
+              <a:rPr lang="en-US" sz="4400">
+                <a:latin typeface="Arial"/>
+              </a:rPr>
+              <a:t>函数参数</a:t>
+            </a:r>
+            <a:r>
+              <a:rPr lang="en-US" sz="4400">
+                <a:latin typeface="Arial"/>
+              </a:rPr>
+              <a:t>(</a:t>
+            </a:r>
+            <a:r>
+              <a:rPr lang="en-US" sz="4400">
+                <a:latin typeface="Arial"/>
+              </a:rPr>
+              <a:t>参数规则</a:t>
+            </a:r>
+            <a:r>
+              <a:rPr lang="en-US" sz="4400">
+                <a:latin typeface="Arial"/>
+              </a:rPr>
+              <a:t>)</a:t>
+            </a:r>
+            <a:endParaRPr/>
+          </a:p>
+        </p:txBody>
+      </p:sp>
+      <p:sp>
+        <p:nvSpPr>
+          <p:cNvPr id="141" name="CustomShape 2"/>
+          <p:cNvSpPr/>
+          <p:nvPr/>
+        </p:nvSpPr>
+        <p:spPr>
+          <a:xfrm>
+            <a:off x="504000" y="1768680"/>
+            <a:ext cx="9070920" cy="4383000"/>
+          </a:xfrm>
+          <a:prstGeom prst="rect">
+            <a:avLst/>
+          </a:prstGeom>
+          <a:noFill/>
+          <a:ln>
+            <a:noFill/>
+          </a:ln>
+        </p:spPr>
+        <p:txBody>
+          <a:bodyPr lIns="0" rIns="0" tIns="0" bIns="0"/>
+          <a:p>
+            <a:pPr>
+              <a:lnSpc>
+                <a:spcPct val="100000"/>
+              </a:lnSpc>
+              <a:buSzPct val="45000"/>
+              <a:buFont typeface="StarSymbol"/>
+              <a:buChar char="l"/>
+            </a:pPr>
+            <a:r>
+              <a:rPr lang="en-US" sz="3200">
+                <a:latin typeface="Arial"/>
+              </a:rPr>
+              <a:t>四种规则</a:t>
+            </a:r>
+            <a:endParaRPr/>
+          </a:p>
+          <a:p>
+            <a:pPr>
+              <a:lnSpc>
+                <a:spcPct val="100000"/>
+              </a:lnSpc>
+              <a:buSzPct val="45000"/>
+              <a:buFont typeface="StarSymbol"/>
+              <a:buChar char="l"/>
+            </a:pPr>
+            <a:r>
+              <a:rPr lang="en-US" sz="3200">
+                <a:latin typeface="Arial"/>
+              </a:rPr>
+              <a:t>1:Fuc(arg1, arg2) &lt;&lt;</a:t>
+            </a:r>
+            <a:r>
+              <a:rPr lang="en-US" sz="3200">
+                <a:latin typeface="Arial"/>
+              </a:rPr>
+              <a:t>固定参数</a:t>
+            </a:r>
+            <a:endParaRPr/>
+          </a:p>
+          <a:p>
+            <a:pPr>
+              <a:lnSpc>
+                <a:spcPct val="100000"/>
+              </a:lnSpc>
+              <a:buSzPct val="45000"/>
+              <a:buFont typeface="StarSymbol"/>
+              <a:buChar char="l"/>
+            </a:pPr>
+            <a:r>
+              <a:rPr lang="en-US" sz="3200">
+                <a:latin typeface="Arial"/>
+              </a:rPr>
+              <a:t>2:Fuc(arg1 = &lt;value&gt;, arg2=&lt;value&gt;)&lt;&lt;</a:t>
+            </a:r>
+            <a:r>
+              <a:rPr lang="en-US" sz="3200">
+                <a:latin typeface="Arial"/>
+              </a:rPr>
+              <a:t>参数带默认值</a:t>
+            </a:r>
+            <a:endParaRPr/>
+          </a:p>
+          <a:p>
+            <a:pPr>
+              <a:lnSpc>
+                <a:spcPct val="100000"/>
+              </a:lnSpc>
+              <a:buSzPct val="45000"/>
+              <a:buFont typeface="StarSymbol"/>
+              <a:buChar char="l"/>
+            </a:pPr>
+            <a:r>
+              <a:rPr lang="en-US" sz="3200">
+                <a:latin typeface="Arial"/>
+              </a:rPr>
+              <a:t>3:Fuc(*arg)&lt;&lt;</a:t>
+            </a:r>
+            <a:r>
+              <a:rPr lang="en-US" sz="3200">
+                <a:latin typeface="Arial"/>
+              </a:rPr>
+              <a:t>可变参数，可变参数被内部合并转换成元祖</a:t>
+            </a:r>
+            <a:r>
+              <a:rPr lang="en-US" sz="3200">
+                <a:latin typeface="Arial"/>
+              </a:rPr>
+              <a:t>,</a:t>
+            </a:r>
+            <a:r>
+              <a:rPr lang="en-US" sz="3200">
+                <a:latin typeface="Arial"/>
+              </a:rPr>
+              <a:t>并且这类参数不能用</a:t>
+            </a:r>
+            <a:r>
+              <a:rPr lang="en-US" sz="3200">
+                <a:latin typeface="Arial"/>
+              </a:rPr>
+              <a:t>key=value</a:t>
+            </a:r>
+            <a:r>
+              <a:rPr lang="en-US" sz="3200">
+                <a:latin typeface="Arial"/>
+              </a:rPr>
+              <a:t>复制</a:t>
+            </a:r>
+            <a:endParaRPr/>
+          </a:p>
+          <a:p>
+            <a:pPr>
+              <a:lnSpc>
+                <a:spcPct val="100000"/>
+              </a:lnSpc>
+              <a:buSzPct val="45000"/>
+              <a:buFont typeface="StarSymbol"/>
+              <a:buChar char="l"/>
+            </a:pPr>
+            <a:r>
+              <a:rPr lang="en-US" sz="3200">
+                <a:latin typeface="Arial"/>
+              </a:rPr>
+              <a:t>4:Fuc(**arg)&lt;&lt;</a:t>
+            </a:r>
+            <a:r>
+              <a:rPr lang="en-US" sz="3200">
+                <a:latin typeface="Arial"/>
+              </a:rPr>
+              <a:t>这类参数被内部转化成字典，并且这类参数复制必须使用</a:t>
+            </a:r>
+            <a:r>
+              <a:rPr lang="en-US" sz="3200">
+                <a:latin typeface="Arial"/>
+              </a:rPr>
+              <a:t>key=value</a:t>
+            </a:r>
+            <a:r>
+              <a:rPr lang="en-US" sz="3200">
+                <a:latin typeface="Arial"/>
+              </a:rPr>
+              <a:t>的形式</a:t>
+            </a:r>
+            <a:endParaRPr/>
+          </a:p>
+          <a:p>
+            <a:pPr>
+              <a:lnSpc>
+                <a:spcPct val="100000"/>
+              </a:lnSpc>
+            </a:pPr>
+            <a:endParaRPr/>
+          </a:p>
+          <a:p>
+            <a:pPr>
+              <a:lnSpc>
+                <a:spcPct val="100000"/>
+              </a:lnSpc>
+              <a:buSzPct val="45000"/>
+              <a:buFont typeface="StarSymbol"/>
+              <a:buChar char="l"/>
+            </a:pPr>
+            <a:endParaRPr/>
+          </a:p>
+        </p:txBody>
+      </p:sp>
+    </p:spTree>
+  </p:cSld>
+  <p:timing>
+    <p:tnLst>
+      <p:par>
+        <p:cTn id="33" dur="indefinite" restart="never" nodeType="tmRoot">
+          <p:childTnLst>
+            <p:seq>
+              <p:cTn id="34" nodeType="mainSeq"/>
+              <p:prevCondLst>
+                <p:cond delay="0" evt="onPrev">
+                  <p:tgtEl>
+                    <p:sldTgt/>
+                  </p:tgtEl>
+                </p:cond>
+              </p:prevCondLst>
+              <p:nextCondLst>
+                <p:cond delay="0" evt="onNext">
+                  <p:tgtEl>
+                    <p:sldTgt/>
+                  </p:tgtEl>
+                </p:cond>
+              </p:nextCondLst>
+            </p:seq>
+          </p:childTnLst>
+        </p:cTn>
+      </p:par>
+    </p:tnLst>
+  </p:timing>
+</p:sld>
+</file>
+
+<file path=ppt/slides/slide18.xml><?xml version="1.0" encoding="utf-8"?>
+<p:sld xmlns:a="http://schemas.openxmlformats.org/drawingml/2006/main" xmlns:p="http://schemas.openxmlformats.org/presentationml/2006/main" xmlns:r="http://schemas.openxmlformats.org/officeDocument/2006/relationships">
+  <p:cSld>
+    <p:spTree>
+      <p:nvGrpSpPr>
+        <p:cNvPr id="1" name=""/>
+        <p:cNvGrpSpPr/>
+        <p:nvPr/>
+      </p:nvGrpSpPr>
+      <p:grpSpPr>
+        <a:xfrm>
+          <a:off x="0" y="0"/>
+          <a:ext cx="0" cy="0"/>
+          <a:chOff x="0" y="0"/>
+          <a:chExt cx="0" cy="0"/>
+        </a:xfrm>
+      </p:grpSpPr>
+      <p:sp>
+        <p:nvSpPr>
+          <p:cNvPr id="142" name="TextShape 1"/>
+          <p:cNvSpPr txBox="1"/>
+          <p:nvPr/>
+        </p:nvSpPr>
+        <p:spPr>
+          <a:xfrm>
+            <a:off x="504000" y="301320"/>
+            <a:ext cx="9070920" cy="1261800"/>
+          </a:xfrm>
+          <a:prstGeom prst="rect">
+            <a:avLst/>
+          </a:prstGeom>
+        </p:spPr>
+        <p:txBody>
+          <a:bodyPr lIns="0" rIns="0" tIns="0" bIns="0" anchor="ctr"/>
+          <a:p>
+            <a:pPr algn="ctr">
+              <a:lnSpc>
+                <a:spcPct val="100000"/>
+              </a:lnSpc>
+            </a:pPr>
+            <a:r>
+              <a:rPr lang="en-US" sz="4400">
+                <a:latin typeface="Arial"/>
+              </a:rPr>
+              <a:t>函数参数</a:t>
+            </a:r>
+            <a:r>
+              <a:rPr lang="en-US" sz="4400">
+                <a:latin typeface="Arial"/>
+              </a:rPr>
+              <a:t>(</a:t>
+            </a:r>
+            <a:r>
+              <a:rPr lang="en-US" sz="4400">
+                <a:latin typeface="Arial"/>
+              </a:rPr>
+              <a:t>参数规则</a:t>
+            </a:r>
+            <a:r>
+              <a:rPr lang="en-US" sz="4400">
+                <a:latin typeface="Arial"/>
+              </a:rPr>
+              <a:t>)</a:t>
+            </a:r>
+            <a:endParaRPr/>
+          </a:p>
+        </p:txBody>
+      </p:sp>
+      <p:sp>
+        <p:nvSpPr>
+          <p:cNvPr id="143" name="TextShape 2"/>
+          <p:cNvSpPr txBox="1"/>
+          <p:nvPr/>
+        </p:nvSpPr>
+        <p:spPr>
+          <a:xfrm>
+            <a:off x="504000" y="1768680"/>
+            <a:ext cx="9070920" cy="4383000"/>
+          </a:xfrm>
+          <a:prstGeom prst="rect">
+            <a:avLst/>
+          </a:prstGeom>
+        </p:spPr>
+        <p:txBody>
+          <a:bodyPr lIns="0" rIns="0" tIns="0" bIns="0"/>
+          <a:p>
+            <a:pPr>
+              <a:lnSpc>
+                <a:spcPct val="100000"/>
+              </a:lnSpc>
+            </a:pPr>
+            <a:r>
+              <a:rPr lang="en-US" sz="3200">
+                <a:latin typeface="Arial"/>
+              </a:rPr>
+              <a:t>四种参数组合规则：</a:t>
+            </a:r>
+            <a:endParaRPr/>
+          </a:p>
+          <a:p>
+            <a:pPr>
+              <a:lnSpc>
+                <a:spcPct val="100000"/>
+              </a:lnSpc>
+            </a:pPr>
+            <a:r>
+              <a:rPr lang="en-US" sz="3200">
+                <a:latin typeface="Arial"/>
+              </a:rPr>
+              <a:t>arg=&lt;value&gt;</a:t>
+            </a:r>
+            <a:r>
+              <a:rPr lang="en-US" sz="3200">
+                <a:latin typeface="Arial"/>
+              </a:rPr>
+              <a:t>必须在</a:t>
+            </a:r>
+            <a:r>
+              <a:rPr lang="en-US" sz="3200">
+                <a:latin typeface="Arial"/>
+              </a:rPr>
+              <a:t>arg</a:t>
+            </a:r>
+            <a:r>
+              <a:rPr lang="en-US" sz="3200">
+                <a:latin typeface="Arial"/>
+              </a:rPr>
+              <a:t>之后</a:t>
+            </a:r>
+            <a:endParaRPr/>
+          </a:p>
+          <a:p>
+            <a:pPr>
+              <a:lnSpc>
+                <a:spcPct val="100000"/>
+              </a:lnSpc>
+            </a:pPr>
+            <a:r>
+              <a:rPr lang="en-US" sz="3200">
+                <a:latin typeface="Arial"/>
+              </a:rPr>
+              <a:t>*arg </a:t>
+            </a:r>
+            <a:r>
+              <a:rPr lang="en-US" sz="3200">
+                <a:latin typeface="Arial"/>
+              </a:rPr>
+              <a:t>必须在</a:t>
+            </a:r>
+            <a:r>
+              <a:rPr lang="en-US" sz="3200">
+                <a:latin typeface="Arial"/>
+              </a:rPr>
+              <a:t>arg=&lt;value&gt;</a:t>
+            </a:r>
+            <a:r>
+              <a:rPr lang="en-US" sz="3200">
+                <a:latin typeface="Arial"/>
+              </a:rPr>
+              <a:t>之后</a:t>
+            </a:r>
+            <a:endParaRPr/>
+          </a:p>
+          <a:p>
+            <a:pPr>
+              <a:lnSpc>
+                <a:spcPct val="100000"/>
+              </a:lnSpc>
+            </a:pPr>
+            <a:r>
+              <a:rPr lang="en-US" sz="3200">
+                <a:latin typeface="Arial"/>
+              </a:rPr>
+              <a:t>**arg</a:t>
+            </a:r>
+            <a:r>
+              <a:rPr lang="en-US" sz="3200">
+                <a:latin typeface="Arial"/>
+              </a:rPr>
+              <a:t>必须在</a:t>
+            </a:r>
+            <a:r>
+              <a:rPr lang="en-US" sz="3200">
+                <a:latin typeface="Arial"/>
+              </a:rPr>
+              <a:t>*arg</a:t>
+            </a:r>
+            <a:r>
+              <a:rPr lang="en-US" sz="3200">
+                <a:latin typeface="Arial"/>
+              </a:rPr>
+              <a:t>类型之后</a:t>
+            </a:r>
+            <a:endParaRPr/>
+          </a:p>
+        </p:txBody>
+      </p:sp>
+    </p:spTree>
+  </p:cSld>
+  <p:timing>
+    <p:tnLst>
+      <p:par>
+        <p:cTn id="35" dur="indefinite" restart="never" nodeType="tmRoot">
+          <p:childTnLst>
+            <p:seq>
+              <p:cTn id="36" nodeType="mainSeq"/>
+              <p:prevCondLst>
+                <p:cond delay="0" evt="onPrev">
+                  <p:tgtEl>
+                    <p:sldTgt/>
+                  </p:tgtEl>
+                </p:cond>
+              </p:prevCondLst>
+              <p:nextCondLst>
+                <p:cond delay="0" evt="onNext">
+                  <p:tgtEl>
+                    <p:sldTgt/>
+                  </p:tgtEl>
+                </p:cond>
+              </p:nextCondLst>
+            </p:seq>
+          </p:childTnLst>
+        </p:cTn>
+      </p:par>
+    </p:tnLst>
+  </p:timing>
+</p:sld>
+</file>
+
+<file path=ppt/slides/slide19.xml><?xml version="1.0" encoding="utf-8"?>
+<p:sld xmlns:a="http://schemas.openxmlformats.org/drawingml/2006/main" xmlns:p="http://schemas.openxmlformats.org/presentationml/2006/main" xmlns:r="http://schemas.openxmlformats.org/officeDocument/2006/relationships">
+  <p:cSld>
+    <p:spTree>
+      <p:nvGrpSpPr>
+        <p:cNvPr id="1" name=""/>
+        <p:cNvGrpSpPr/>
+        <p:nvPr/>
+      </p:nvGrpSpPr>
+      <p:grpSpPr>
+        <a:xfrm>
+          <a:off x="0" y="0"/>
+          <a:ext cx="0" cy="0"/>
+          <a:chOff x="0" y="0"/>
+          <a:chExt cx="0" cy="0"/>
+        </a:xfrm>
+      </p:grpSpPr>
+      <p:sp>
+        <p:nvSpPr>
+          <p:cNvPr id="144" name="TextShape 1"/>
+          <p:cNvSpPr txBox="1"/>
+          <p:nvPr/>
+        </p:nvSpPr>
+        <p:spPr>
+          <a:xfrm>
+            <a:off x="504000" y="301320"/>
+            <a:ext cx="9070920" cy="1261800"/>
+          </a:xfrm>
+          <a:prstGeom prst="rect">
+            <a:avLst/>
+          </a:prstGeom>
+        </p:spPr>
+        <p:txBody>
+          <a:bodyPr lIns="0" rIns="0" tIns="0" bIns="0" anchor="ctr"/>
+          <a:p>
+            <a:pPr algn="ctr">
+              <a:lnSpc>
+                <a:spcPct val="100000"/>
+              </a:lnSpc>
+            </a:pPr>
+            <a:r>
+              <a:rPr lang="en-US" sz="4400">
+                <a:latin typeface="Arial"/>
+              </a:rPr>
+              <a:t>函数参数（几个例子）</a:t>
+            </a:r>
+            <a:endParaRPr/>
+          </a:p>
+        </p:txBody>
+      </p:sp>
+      <p:sp>
+        <p:nvSpPr>
+          <p:cNvPr id="145" name="TextShape 2"/>
+          <p:cNvSpPr txBox="1"/>
+          <p:nvPr/>
+        </p:nvSpPr>
+        <p:spPr>
+          <a:xfrm>
+            <a:off x="577080" y="1665000"/>
+            <a:ext cx="9070920" cy="4383000"/>
+          </a:xfrm>
+          <a:prstGeom prst="rect">
+            <a:avLst/>
+          </a:prstGeom>
+        </p:spPr>
+        <p:txBody>
+          <a:bodyPr lIns="0" rIns="0" tIns="0" bIns="0"/>
+          <a:p>
+            <a:pPr>
+              <a:buSzPct val="45000"/>
+              <a:buFont typeface="StarSymbol"/>
+              <a:buChar char=""/>
+            </a:pPr>
+            <a:r>
+              <a:rPr lang="en-US" sz="3200">
+                <a:latin typeface="Arial"/>
+              </a:rPr>
+              <a:t>def Testp(x, y=5, *a, **b):</a:t>
+            </a:r>
+            <a:endParaRPr/>
+          </a:p>
+          <a:p>
+            <a:pPr lvl="1">
+              <a:buSzPct val="75000"/>
+              <a:buFont typeface="StarSymbol"/>
+              <a:buChar char=""/>
+            </a:pPr>
+            <a:r>
+              <a:rPr lang="en-US" sz="2800">
+                <a:latin typeface="Arial"/>
+              </a:rPr>
+              <a:t>print x, y, a, b</a:t>
+            </a:r>
+            <a:endParaRPr/>
+          </a:p>
+          <a:p>
+            <a:pPr>
+              <a:buSzPct val="45000"/>
+              <a:buFont typeface="StarSymbol"/>
+              <a:buChar char=""/>
+            </a:pPr>
+            <a:r>
+              <a:rPr lang="en-US" sz="3200">
+                <a:latin typeface="Arial"/>
+              </a:rPr>
+              <a:t>Testp(1)   1 5 () {}</a:t>
+            </a:r>
+            <a:endParaRPr/>
+          </a:p>
+          <a:p>
+            <a:pPr>
+              <a:buSzPct val="45000"/>
+              <a:buFont typeface="StarSymbol"/>
+              <a:buChar char=""/>
+            </a:pPr>
+            <a:r>
+              <a:rPr lang="en-US" sz="3200">
+                <a:latin typeface="Arial"/>
+              </a:rPr>
+              <a:t>Testp(1, 2) 1 2 () {}</a:t>
+            </a:r>
+            <a:endParaRPr/>
+          </a:p>
+          <a:p>
+            <a:pPr>
+              <a:buSzPct val="45000"/>
+              <a:buFont typeface="StarSymbol"/>
+              <a:buChar char=""/>
+            </a:pPr>
+            <a:r>
+              <a:rPr lang="en-US" sz="3200">
+                <a:latin typeface="Arial"/>
+              </a:rPr>
+              <a:t>Testp(1, 2, 3)  1 2 (3,) {}</a:t>
+            </a:r>
+            <a:endParaRPr/>
+          </a:p>
+          <a:p>
+            <a:pPr>
+              <a:buSzPct val="45000"/>
+              <a:buFont typeface="StarSymbol"/>
+              <a:buChar char=""/>
+            </a:pPr>
+            <a:r>
+              <a:rPr lang="en-US" sz="3200">
+                <a:latin typeface="Arial"/>
+              </a:rPr>
+              <a:t>Testp(1, 2, 3, 4) 1 2 (3,4) {}</a:t>
+            </a:r>
+            <a:endParaRPr/>
+          </a:p>
+          <a:p>
+            <a:pPr>
+              <a:buSzPct val="45000"/>
+              <a:buFont typeface="StarSymbol"/>
+              <a:buChar char=""/>
+            </a:pPr>
+            <a:r>
+              <a:rPr lang="en-US" sz="3200">
+                <a:latin typeface="Arial"/>
+              </a:rPr>
+              <a:t>Testp(x=1) 1 5 () {}</a:t>
+            </a:r>
+            <a:endParaRPr/>
+          </a:p>
+          <a:p>
+            <a:pPr>
+              <a:buSzPct val="45000"/>
+              <a:buFont typeface="StarSymbol"/>
+              <a:buChar char=""/>
+            </a:pPr>
+            <a:endParaRPr/>
+          </a:p>
+          <a:p>
+            <a:pPr lvl="1">
+              <a:buSzPct val="75000"/>
+              <a:buFont typeface="StarSymbol"/>
+              <a:buChar char=""/>
+            </a:pPr>
+            <a:endParaRPr/>
+          </a:p>
+        </p:txBody>
+      </p:sp>
+    </p:spTree>
+  </p:cSld>
+  <p:timing>
+    <p:tnLst>
+      <p:par>
+        <p:cTn id="37" dur="indefinite" restart="never" nodeType="tmRoot">
+          <p:childTnLst>
+            <p:seq>
+              <p:cTn id="38" nodeType="mainSeq"/>
               <p:prevCondLst>
                 <p:cond delay="0" evt="onPrev">
                   <p:tgtEl>
@@ -2261,14 +6655,14 @@
       </p:grpSpPr>
       <p:sp>
         <p:nvSpPr>
-          <p:cNvPr id="38" name="CustomShape 1"/>
+          <p:cNvPr id="110" name="CustomShape 1"/>
           <p:cNvSpPr/>
           <p:nvPr/>
         </p:nvSpPr>
         <p:spPr>
           <a:xfrm>
             <a:off x="504000" y="301320"/>
-            <a:ext cx="9071640" cy="1261440"/>
+            <a:ext cx="9070920" cy="1260720"/>
           </a:xfrm>
           <a:prstGeom prst="rect">
             <a:avLst/>
@@ -2298,14 +6692,14 @@
       </p:sp>
       <p:sp>
         <p:nvSpPr>
-          <p:cNvPr id="39" name="CustomShape 2"/>
+          <p:cNvPr id="111" name="CustomShape 2"/>
           <p:cNvSpPr/>
           <p:nvPr/>
         </p:nvSpPr>
         <p:spPr>
           <a:xfrm>
             <a:off x="504000" y="1768680"/>
-            <a:ext cx="9071640" cy="4383720"/>
+            <a:ext cx="9070920" cy="4383000"/>
           </a:xfrm>
           <a:prstGeom prst="rect">
             <a:avLst/>
@@ -2420,6 +6814,211 @@
           <p:childTnLst>
             <p:seq>
               <p:cTn id="4" nodeType="mainSeq"/>
+              <p:prevCondLst>
+                <p:cond delay="0" evt="onPrev">
+                  <p:tgtEl>
+                    <p:sldTgt/>
+                  </p:tgtEl>
+                </p:cond>
+              </p:prevCondLst>
+              <p:nextCondLst>
+                <p:cond delay="0" evt="onNext">
+                  <p:tgtEl>
+                    <p:sldTgt/>
+                  </p:tgtEl>
+                </p:cond>
+              </p:nextCondLst>
+            </p:seq>
+          </p:childTnLst>
+        </p:cTn>
+      </p:par>
+    </p:tnLst>
+  </p:timing>
+</p:sld>
+</file>
+
+<file path=ppt/slides/slide20.xml><?xml version="1.0" encoding="utf-8"?>
+<p:sld xmlns:a="http://schemas.openxmlformats.org/drawingml/2006/main" xmlns:p="http://schemas.openxmlformats.org/presentationml/2006/main" xmlns:r="http://schemas.openxmlformats.org/officeDocument/2006/relationships">
+  <p:cSld>
+    <p:spTree>
+      <p:nvGrpSpPr>
+        <p:cNvPr id="1" name=""/>
+        <p:cNvGrpSpPr/>
+        <p:nvPr/>
+      </p:nvGrpSpPr>
+      <p:grpSpPr>
+        <a:xfrm>
+          <a:off x="0" y="0"/>
+          <a:ext cx="0" cy="0"/>
+          <a:chOff x="0" y="0"/>
+          <a:chExt cx="0" cy="0"/>
+        </a:xfrm>
+      </p:grpSpPr>
+      <p:sp>
+        <p:nvSpPr>
+          <p:cNvPr id="146" name="TextShape 1"/>
+          <p:cNvSpPr txBox="1"/>
+          <p:nvPr/>
+        </p:nvSpPr>
+        <p:spPr>
+          <a:xfrm>
+            <a:off x="504000" y="301320"/>
+            <a:ext cx="9070920" cy="1261800"/>
+          </a:xfrm>
+          <a:prstGeom prst="rect">
+            <a:avLst/>
+          </a:prstGeom>
+        </p:spPr>
+        <p:txBody>
+          <a:bodyPr lIns="0" rIns="0" tIns="0" bIns="0" anchor="ctr"/>
+          <a:p>
+            <a:pPr algn="ctr">
+              <a:lnSpc>
+                <a:spcPct val="100000"/>
+              </a:lnSpc>
+            </a:pPr>
+            <a:r>
+              <a:rPr lang="en-US" sz="4400">
+                <a:latin typeface="Arial"/>
+              </a:rPr>
+              <a:t>函数参数（几个例子）</a:t>
+            </a:r>
+            <a:endParaRPr/>
+          </a:p>
+        </p:txBody>
+      </p:sp>
+      <p:sp>
+        <p:nvSpPr>
+          <p:cNvPr id="147" name="TextShape 2"/>
+          <p:cNvSpPr txBox="1"/>
+          <p:nvPr/>
+        </p:nvSpPr>
+        <p:spPr>
+          <a:xfrm>
+            <a:off x="504000" y="1768680"/>
+            <a:ext cx="9070920" cy="4383000"/>
+          </a:xfrm>
+          <a:prstGeom prst="rect">
+            <a:avLst/>
+          </a:prstGeom>
+        </p:spPr>
+        <p:txBody>
+          <a:bodyPr lIns="0" rIns="0" tIns="0" bIns="0"/>
+          <a:p>
+            <a:pPr>
+              <a:buSzPct val="45000"/>
+              <a:buFont typeface="StarSymbol"/>
+              <a:buChar char=""/>
+            </a:pPr>
+            <a:r>
+              <a:rPr lang="en-US" sz="3200">
+                <a:latin typeface="Arial"/>
+              </a:rPr>
+              <a:t>def Testp(x, y=5, *a, **b):</a:t>
+            </a:r>
+            <a:endParaRPr/>
+          </a:p>
+          <a:p>
+            <a:pPr lvl="1">
+              <a:buSzPct val="75000"/>
+              <a:buFont typeface="StarSymbol"/>
+              <a:buChar char=""/>
+            </a:pPr>
+            <a:r>
+              <a:rPr lang="en-US" sz="2800">
+                <a:latin typeface="Arial"/>
+              </a:rPr>
+              <a:t>print x, y, a, b</a:t>
+            </a:r>
+            <a:endParaRPr/>
+          </a:p>
+          <a:p>
+            <a:pPr>
+              <a:buSzPct val="45000"/>
+              <a:buFont typeface="StarSymbol"/>
+              <a:buChar char=""/>
+            </a:pPr>
+            <a:r>
+              <a:rPr lang="en-US" sz="3200">
+                <a:latin typeface="Arial"/>
+              </a:rPr>
+              <a:t>Testp(x=1,y=1) 1 1 () {}</a:t>
+            </a:r>
+            <a:endParaRPr/>
+          </a:p>
+          <a:p>
+            <a:pPr>
+              <a:buSzPct val="45000"/>
+              <a:buFont typeface="StarSymbol"/>
+              <a:buChar char=""/>
+            </a:pPr>
+            <a:r>
+              <a:rPr lang="en-US" sz="3200">
+                <a:latin typeface="Arial"/>
+              </a:rPr>
+              <a:t>Testp(x=1,y=1,a=1) 1 1 () {'a':1} </a:t>
+            </a:r>
+            <a:endParaRPr/>
+          </a:p>
+          <a:p>
+            <a:pPr>
+              <a:buSzPct val="45000"/>
+              <a:buFont typeface="StarSymbol"/>
+              <a:buChar char=""/>
+            </a:pPr>
+            <a:r>
+              <a:rPr lang="en-US" sz="3200">
+                <a:latin typeface="Arial"/>
+              </a:rPr>
+              <a:t>Testp(x=1,y=1,a=1,b=1) 1 1 () {'a':1, 'b':1}</a:t>
+            </a:r>
+            <a:endParaRPr/>
+          </a:p>
+          <a:p>
+            <a:pPr>
+              <a:buSzPct val="45000"/>
+              <a:buFont typeface="StarSymbol"/>
+              <a:buChar char=""/>
+            </a:pPr>
+            <a:r>
+              <a:rPr lang="en-US" sz="3200">
+                <a:latin typeface="Arial"/>
+              </a:rPr>
+              <a:t>Testp(1,2,y=1) y</a:t>
+            </a:r>
+            <a:r>
+              <a:rPr lang="en-US" sz="3200">
+                <a:latin typeface="Arial"/>
+              </a:rPr>
+              <a:t>多次赋值</a:t>
+            </a:r>
+            <a:endParaRPr/>
+          </a:p>
+          <a:p>
+            <a:pPr>
+              <a:buSzPct val="45000"/>
+              <a:buFont typeface="StarSymbol"/>
+              <a:buChar char=""/>
+            </a:pPr>
+            <a:r>
+              <a:rPr lang="en-US" sz="3200">
+                <a:latin typeface="Arial"/>
+              </a:rPr>
+              <a:t>Testp(1,2,3,4,a=1,b=1) 1 2 (3,4) {'a':1, 'b':1}</a:t>
+            </a:r>
+            <a:endParaRPr/>
+          </a:p>
+        </p:txBody>
+      </p:sp>
+    </p:spTree>
+  </p:cSld>
+  <p:timing>
+    <p:tnLst>
+      <p:par>
+        <p:cTn id="39" dur="indefinite" restart="never" nodeType="tmRoot">
+          <p:childTnLst>
+            <p:seq>
+              <p:cTn id="40" nodeType="mainSeq"/>
               <p:prevCondLst>
                 <p:cond delay="0" evt="onPrev">
                   <p:tgtEl>
@@ -2462,14 +7061,14 @@
       </p:grpSpPr>
       <p:sp>
         <p:nvSpPr>
-          <p:cNvPr id="40" name="CustomShape 1"/>
+          <p:cNvPr id="112" name="CustomShape 1"/>
           <p:cNvSpPr/>
           <p:nvPr/>
         </p:nvSpPr>
         <p:spPr>
           <a:xfrm>
             <a:off x="504000" y="301320"/>
-            <a:ext cx="9071640" cy="1261440"/>
+            <a:ext cx="9070920" cy="1260720"/>
           </a:xfrm>
           <a:prstGeom prst="rect">
             <a:avLst/>
@@ -2499,14 +7098,14 @@
       </p:sp>
       <p:sp>
         <p:nvSpPr>
-          <p:cNvPr id="41" name="CustomShape 2"/>
+          <p:cNvPr id="113" name="CustomShape 2"/>
           <p:cNvSpPr/>
           <p:nvPr/>
         </p:nvSpPr>
         <p:spPr>
           <a:xfrm>
             <a:off x="504000" y="1768680"/>
-            <a:ext cx="9071640" cy="4383720"/>
+            <a:ext cx="9070920" cy="4383000"/>
           </a:xfrm>
           <a:prstGeom prst="rect">
             <a:avLst/>
@@ -2758,14 +7357,14 @@
       </p:grpSpPr>
       <p:sp>
         <p:nvSpPr>
-          <p:cNvPr id="42" name="CustomShape 1"/>
+          <p:cNvPr id="114" name="CustomShape 1"/>
           <p:cNvSpPr/>
           <p:nvPr/>
         </p:nvSpPr>
         <p:spPr>
           <a:xfrm>
             <a:off x="504000" y="301320"/>
-            <a:ext cx="9071640" cy="1261440"/>
+            <a:ext cx="9070920" cy="1260720"/>
           </a:xfrm>
           <a:prstGeom prst="rect">
             <a:avLst/>
@@ -2813,14 +7412,14 @@
       </p:sp>
       <p:sp>
         <p:nvSpPr>
-          <p:cNvPr id="43" name="CustomShape 2"/>
+          <p:cNvPr id="115" name="CustomShape 2"/>
           <p:cNvSpPr/>
           <p:nvPr/>
         </p:nvSpPr>
         <p:spPr>
           <a:xfrm>
             <a:off x="504000" y="1768680"/>
-            <a:ext cx="9071640" cy="4383720"/>
+            <a:ext cx="9070920" cy="4383000"/>
           </a:xfrm>
           <a:prstGeom prst="rect">
             <a:avLst/>
@@ -3024,14 +7623,14 @@
       </p:grpSpPr>
       <p:sp>
         <p:nvSpPr>
-          <p:cNvPr id="44" name="CustomShape 1"/>
+          <p:cNvPr id="116" name="CustomShape 1"/>
           <p:cNvSpPr/>
           <p:nvPr/>
         </p:nvSpPr>
         <p:spPr>
           <a:xfrm>
             <a:off x="504000" y="301320"/>
-            <a:ext cx="9071640" cy="1261440"/>
+            <a:ext cx="9070920" cy="1260720"/>
           </a:xfrm>
           <a:prstGeom prst="rect">
             <a:avLst/>
@@ -3079,14 +7678,14 @@
       </p:sp>
       <p:sp>
         <p:nvSpPr>
-          <p:cNvPr id="45" name="CustomShape 2"/>
+          <p:cNvPr id="117" name="CustomShape 2"/>
           <p:cNvSpPr/>
           <p:nvPr/>
         </p:nvSpPr>
         <p:spPr>
           <a:xfrm>
             <a:off x="504000" y="1768680"/>
-            <a:ext cx="9071640" cy="4383720"/>
+            <a:ext cx="9070920" cy="4383000"/>
           </a:xfrm>
           <a:prstGeom prst="rect">
             <a:avLst/>
@@ -3266,23 +7865,31 @@
       </p:grpSpPr>
       <p:sp>
         <p:nvSpPr>
-          <p:cNvPr id="46" name="TextShape 1"/>
-          <p:cNvSpPr txBox="1"/>
+          <p:cNvPr id="118" name="CustomShape 1"/>
+          <p:cNvSpPr/>
           <p:nvPr/>
         </p:nvSpPr>
         <p:spPr>
           <a:xfrm>
             <a:off x="504000" y="301320"/>
-            <a:ext cx="9071640" cy="1261800"/>
-          </a:xfrm>
-          <a:prstGeom prst="rect">
-            <a:avLst/>
-          </a:prstGeom>
+            <a:ext cx="9070920" cy="1261080"/>
+          </a:xfrm>
+          <a:prstGeom prst="rect">
+            <a:avLst/>
+          </a:prstGeom>
+          <a:noFill/>
+          <a:ln>
+            <a:noFill/>
+          </a:ln>
         </p:spPr>
         <p:txBody>
           <a:bodyPr lIns="0" rIns="0" tIns="0" bIns="0" anchor="ctr"/>
           <a:p>
-            <a:pPr algn="ctr"/>
+            <a:pPr algn="ctr">
+              <a:lnSpc>
+                <a:spcPct val="100000"/>
+              </a:lnSpc>
+            </a:pPr>
             <a:r>
               <a:rPr lang="en-US" sz="4400">
                 <a:latin typeface="Arial"/>
@@ -3307,26 +7914,33 @@
       </p:sp>
       <p:sp>
         <p:nvSpPr>
-          <p:cNvPr id="47" name="TextShape 2"/>
-          <p:cNvSpPr txBox="1"/>
+          <p:cNvPr id="119" name="CustomShape 2"/>
+          <p:cNvSpPr/>
           <p:nvPr/>
         </p:nvSpPr>
         <p:spPr>
           <a:xfrm>
             <a:off x="504000" y="1768680"/>
-            <a:ext cx="9071640" cy="4383720"/>
-          </a:xfrm>
-          <a:prstGeom prst="rect">
-            <a:avLst/>
-          </a:prstGeom>
+            <a:ext cx="9070920" cy="4383000"/>
+          </a:xfrm>
+          <a:prstGeom prst="rect">
+            <a:avLst/>
+          </a:prstGeom>
+          <a:noFill/>
+          <a:ln>
+            <a:noFill/>
+          </a:ln>
         </p:spPr>
         <p:txBody>
           <a:bodyPr lIns="0" rIns="0" tIns="0" bIns="0"/>
           <a:p>
             <a:pPr>
-              <a:buSzPct val="45000"/>
-              <a:buFont typeface="StarSymbol"/>
-              <a:buChar char=""/>
+              <a:lnSpc>
+                <a:spcPct val="100000"/>
+              </a:lnSpc>
+              <a:buSzPct val="45000"/>
+              <a:buFont typeface="StarSymbol"/>
+              <a:buChar char="l"/>
             </a:pPr>
             <a:r>
               <a:rPr lang="en-US" sz="3200">
@@ -3338,9 +7952,12 @@
           </a:p>
           <a:p>
             <a:pPr>
-              <a:buSzPct val="45000"/>
-              <a:buFont typeface="StarSymbol"/>
-              <a:buChar char=""/>
+              <a:lnSpc>
+                <a:spcPct val="100000"/>
+              </a:lnSpc>
+              <a:buSzPct val="45000"/>
+              <a:buFont typeface="StarSymbol"/>
+              <a:buChar char="l"/>
             </a:pPr>
             <a:r>
               <a:rPr lang="en-US" sz="3200">
@@ -3352,9 +7969,12 @@
           </a:p>
           <a:p>
             <a:pPr>
-              <a:buSzPct val="45000"/>
-              <a:buFont typeface="StarSymbol"/>
-              <a:buChar char=""/>
+              <a:lnSpc>
+                <a:spcPct val="100000"/>
+              </a:lnSpc>
+              <a:buSzPct val="45000"/>
+              <a:buFont typeface="StarSymbol"/>
+              <a:buChar char="l"/>
             </a:pPr>
             <a:r>
               <a:rPr lang="en-US" sz="3200">
@@ -3366,9 +7986,12 @@
           </a:p>
           <a:p>
             <a:pPr>
-              <a:buSzPct val="45000"/>
-              <a:buFont typeface="StarSymbol"/>
-              <a:buChar char=""/>
+              <a:lnSpc>
+                <a:spcPct val="100000"/>
+              </a:lnSpc>
+              <a:buSzPct val="45000"/>
+              <a:buFont typeface="StarSymbol"/>
+              <a:buChar char="l"/>
             </a:pPr>
             <a:r>
               <a:rPr lang="en-US" sz="3200">
@@ -3431,26 +8054,33 @@
       </p:grpSpPr>
       <p:sp>
         <p:nvSpPr>
-          <p:cNvPr id="48" name="TextShape 1"/>
-          <p:cNvSpPr txBox="1"/>
+          <p:cNvPr id="120" name="CustomShape 1"/>
+          <p:cNvSpPr/>
           <p:nvPr/>
         </p:nvSpPr>
         <p:spPr>
           <a:xfrm>
             <a:off x="504000" y="301320"/>
-            <a:ext cx="9071640" cy="1261800"/>
-          </a:xfrm>
-          <a:prstGeom prst="rect">
-            <a:avLst/>
-          </a:prstGeom>
+            <a:ext cx="9070920" cy="1261080"/>
+          </a:xfrm>
+          <a:prstGeom prst="rect">
+            <a:avLst/>
+          </a:prstGeom>
+          <a:noFill/>
+          <a:ln>
+            <a:noFill/>
+          </a:ln>
         </p:spPr>
         <p:txBody>
           <a:bodyPr lIns="0" rIns="0" tIns="0" bIns="0" anchor="ctr"/>
           <a:p>
             <a:pPr algn="ctr">
-              <a:buSzPct val="45000"/>
-              <a:buFont typeface="StarSymbol"/>
-              <a:buChar char=""/>
+              <a:lnSpc>
+                <a:spcPct val="100000"/>
+              </a:lnSpc>
+              <a:buSzPct val="45000"/>
+              <a:buFont typeface="StarSymbol"/>
+              <a:buChar char="l"/>
             </a:pPr>
             <a:r>
               <a:rPr lang="en-US" sz="4400">
@@ -3464,26 +8094,33 @@
       </p:sp>
       <p:sp>
         <p:nvSpPr>
-          <p:cNvPr id="49" name="TextShape 2"/>
-          <p:cNvSpPr txBox="1"/>
+          <p:cNvPr id="121" name="CustomShape 2"/>
+          <p:cNvSpPr/>
           <p:nvPr/>
         </p:nvSpPr>
         <p:spPr>
           <a:xfrm>
             <a:off x="504000" y="1768680"/>
-            <a:ext cx="9071640" cy="4383720"/>
-          </a:xfrm>
-          <a:prstGeom prst="rect">
-            <a:avLst/>
-          </a:prstGeom>
+            <a:ext cx="9070920" cy="4383000"/>
+          </a:xfrm>
+          <a:prstGeom prst="rect">
+            <a:avLst/>
+          </a:prstGeom>
+          <a:noFill/>
+          <a:ln>
+            <a:noFill/>
+          </a:ln>
         </p:spPr>
         <p:txBody>
           <a:bodyPr lIns="0" rIns="0" tIns="0" bIns="0"/>
           <a:p>
             <a:pPr>
-              <a:buSzPct val="45000"/>
-              <a:buFont typeface="StarSymbol"/>
-              <a:buChar char=""/>
+              <a:lnSpc>
+                <a:spcPct val="100000"/>
+              </a:lnSpc>
+              <a:buSzPct val="45000"/>
+              <a:buFont typeface="StarSymbol"/>
+              <a:buChar char="l"/>
             </a:pPr>
             <a:r>
               <a:rPr lang="en-US" sz="3200">
@@ -3495,9 +8132,12 @@
           </a:p>
           <a:p>
             <a:pPr>
-              <a:buSzPct val="45000"/>
-              <a:buFont typeface="StarSymbol"/>
-              <a:buChar char=""/>
+              <a:lnSpc>
+                <a:spcPct val="100000"/>
+              </a:lnSpc>
+              <a:buSzPct val="45000"/>
+              <a:buFont typeface="StarSymbol"/>
+              <a:buChar char="l"/>
             </a:pPr>
             <a:r>
               <a:rPr lang="en-US" sz="3200">
@@ -3533,9 +8173,12 @@
           </a:p>
           <a:p>
             <a:pPr>
-              <a:buSzPct val="45000"/>
-              <a:buFont typeface="StarSymbol"/>
-              <a:buChar char=""/>
+              <a:lnSpc>
+                <a:spcPct val="100000"/>
+              </a:lnSpc>
+              <a:buSzPct val="45000"/>
+              <a:buFont typeface="StarSymbol"/>
+              <a:buChar char="l"/>
             </a:pPr>
             <a:r>
               <a:rPr lang="en-US" sz="3200">
@@ -3547,9 +8190,12 @@
           </a:p>
           <a:p>
             <a:pPr>
-              <a:buSzPct val="45000"/>
-              <a:buFont typeface="StarSymbol"/>
-              <a:buChar char=""/>
+              <a:lnSpc>
+                <a:spcPct val="100000"/>
+              </a:lnSpc>
+              <a:buSzPct val="45000"/>
+              <a:buFont typeface="StarSymbol"/>
+              <a:buChar char="l"/>
             </a:pPr>
             <a:r>
               <a:rPr lang="en-US" sz="3200">
@@ -3561,9 +8207,12 @@
           </a:p>
           <a:p>
             <a:pPr>
-              <a:buSzPct val="45000"/>
-              <a:buFont typeface="StarSymbol"/>
-              <a:buChar char=""/>
+              <a:lnSpc>
+                <a:spcPct val="100000"/>
+              </a:lnSpc>
+              <a:buSzPct val="45000"/>
+              <a:buFont typeface="StarSymbol"/>
+              <a:buChar char="l"/>
             </a:pPr>
             <a:r>
               <a:rPr lang="en-US" sz="3200">
@@ -3575,9 +8224,12 @@
           </a:p>
           <a:p>
             <a:pPr lvl="1">
+              <a:lnSpc>
+                <a:spcPct val="100000"/>
+              </a:lnSpc>
               <a:buSzPct val="75000"/>
               <a:buFont typeface="StarSymbol"/>
-              <a:buChar char=""/>
+              <a:buChar char="l"/>
             </a:pPr>
             <a:r>
               <a:rPr lang="en-US" sz="2800">
@@ -3589,9 +8241,12 @@
           </a:p>
           <a:p>
             <a:pPr lvl="1">
+              <a:lnSpc>
+                <a:spcPct val="100000"/>
+              </a:lnSpc>
               <a:buSzPct val="75000"/>
               <a:buFont typeface="StarSymbol"/>
-              <a:buChar char=""/>
+              <a:buChar char="l"/>
             </a:pPr>
             <a:r>
               <a:rPr lang="en-US" sz="2800">
@@ -3602,10 +8257,10 @@
             <a:endParaRPr/>
           </a:p>
           <a:p>
-            <a:pPr lvl="1">
-              <a:buSzPct val="75000"/>
-              <a:buFont typeface="StarSymbol"/>
-              <a:buChar char=""/>
+            <a:pPr>
+              <a:lnSpc>
+                <a:spcPct val="100000"/>
+              </a:lnSpc>
             </a:pPr>
             <a:endParaRPr/>
           </a:p>
@@ -3662,23 +8317,31 @@
       </p:grpSpPr>
       <p:sp>
         <p:nvSpPr>
-          <p:cNvPr id="50" name="TextShape 1"/>
-          <p:cNvSpPr txBox="1"/>
+          <p:cNvPr id="122" name="CustomShape 1"/>
+          <p:cNvSpPr/>
           <p:nvPr/>
         </p:nvSpPr>
         <p:spPr>
           <a:xfrm>
             <a:off x="504000" y="301320"/>
-            <a:ext cx="9071640" cy="1261800"/>
-          </a:xfrm>
-          <a:prstGeom prst="rect">
-            <a:avLst/>
-          </a:prstGeom>
+            <a:ext cx="9070920" cy="1261080"/>
+          </a:xfrm>
+          <a:prstGeom prst="rect">
+            <a:avLst/>
+          </a:prstGeom>
+          <a:noFill/>
+          <a:ln>
+            <a:noFill/>
+          </a:ln>
         </p:spPr>
         <p:txBody>
           <a:bodyPr lIns="0" rIns="0" tIns="0" bIns="0" anchor="ctr"/>
           <a:p>
-            <a:pPr algn="ctr"/>
+            <a:pPr algn="ctr">
+              <a:lnSpc>
+                <a:spcPct val="100000"/>
+              </a:lnSpc>
+            </a:pPr>
             <a:r>
               <a:rPr lang="en-US" sz="4400">
                 <a:latin typeface="Arial"/>
@@ -3691,26 +8354,33 @@
       </p:sp>
       <p:sp>
         <p:nvSpPr>
-          <p:cNvPr id="51" name="TextShape 2"/>
-          <p:cNvSpPr txBox="1"/>
+          <p:cNvPr id="123" name="CustomShape 2"/>
+          <p:cNvSpPr/>
           <p:nvPr/>
         </p:nvSpPr>
         <p:spPr>
           <a:xfrm>
             <a:off x="504000" y="1768680"/>
-            <a:ext cx="9071640" cy="4383720"/>
-          </a:xfrm>
-          <a:prstGeom prst="rect">
-            <a:avLst/>
-          </a:prstGeom>
+            <a:ext cx="9070920" cy="4383000"/>
+          </a:xfrm>
+          <a:prstGeom prst="rect">
+            <a:avLst/>
+          </a:prstGeom>
+          <a:noFill/>
+          <a:ln>
+            <a:noFill/>
+          </a:ln>
         </p:spPr>
         <p:txBody>
           <a:bodyPr lIns="0" rIns="0" tIns="0" bIns="0"/>
           <a:p>
             <a:pPr>
-              <a:buSzPct val="45000"/>
-              <a:buFont typeface="StarSymbol"/>
-              <a:buChar char=""/>
+              <a:lnSpc>
+                <a:spcPct val="100000"/>
+              </a:lnSpc>
+              <a:buSzPct val="45000"/>
+              <a:buFont typeface="StarSymbol"/>
+              <a:buChar char="l"/>
             </a:pPr>
             <a:r>
               <a:rPr lang="en-US" sz="3200">
@@ -3740,9 +8410,12 @@
           </a:p>
           <a:p>
             <a:pPr>
-              <a:buSzPct val="45000"/>
-              <a:buFont typeface="StarSymbol"/>
-              <a:buChar char=""/>
+              <a:lnSpc>
+                <a:spcPct val="100000"/>
+              </a:lnSpc>
+              <a:buSzPct val="45000"/>
+              <a:buFont typeface="StarSymbol"/>
+              <a:buChar char="l"/>
             </a:pPr>
             <a:r>
               <a:rPr lang="en-US" sz="3200">
@@ -3766,9 +8439,12 @@
           </a:p>
           <a:p>
             <a:pPr>
-              <a:buSzPct val="45000"/>
-              <a:buFont typeface="StarSymbol"/>
-              <a:buChar char=""/>
+              <a:lnSpc>
+                <a:spcPct val="100000"/>
+              </a:lnSpc>
+              <a:buSzPct val="45000"/>
+              <a:buFont typeface="StarSymbol"/>
+              <a:buChar char="l"/>
             </a:pPr>
             <a:r>
               <a:rPr lang="en-US" sz="3200">
@@ -3780,9 +8456,12 @@
           </a:p>
           <a:p>
             <a:pPr>
-              <a:buSzPct val="45000"/>
-              <a:buFont typeface="StarSymbol"/>
-              <a:buChar char=""/>
+              <a:lnSpc>
+                <a:spcPct val="100000"/>
+              </a:lnSpc>
+              <a:buSzPct val="45000"/>
+              <a:buFont typeface="StarSymbol"/>
+              <a:buChar char="l"/>
             </a:pPr>
             <a:r>
               <a:rPr lang="en-US" sz="3200">
@@ -3794,9 +8473,12 @@
           </a:p>
           <a:p>
             <a:pPr>
-              <a:buSzPct val="45000"/>
-              <a:buFont typeface="StarSymbol"/>
-              <a:buChar char=""/>
+              <a:lnSpc>
+                <a:spcPct val="100000"/>
+              </a:lnSpc>
+              <a:buSzPct val="45000"/>
+              <a:buFont typeface="StarSymbol"/>
+              <a:buChar char="l"/>
             </a:pPr>
             <a:r>
               <a:rPr lang="en-US" sz="3200">
@@ -3808,9 +8490,12 @@
           </a:p>
           <a:p>
             <a:pPr>
-              <a:buSzPct val="45000"/>
-              <a:buFont typeface="StarSymbol"/>
-              <a:buChar char=""/>
+              <a:lnSpc>
+                <a:spcPct val="100000"/>
+              </a:lnSpc>
+              <a:buSzPct val="45000"/>
+              <a:buFont typeface="StarSymbol"/>
+              <a:buChar char="l"/>
             </a:pPr>
             <a:r>
               <a:rPr lang="en-US" sz="3200">
@@ -3840,9 +8525,12 @@
           </a:p>
           <a:p>
             <a:pPr>
-              <a:buSzPct val="45000"/>
-              <a:buFont typeface="StarSymbol"/>
-              <a:buChar char=""/>
+              <a:lnSpc>
+                <a:spcPct val="100000"/>
+              </a:lnSpc>
+              <a:buSzPct val="45000"/>
+              <a:buFont typeface="StarSymbol"/>
+              <a:buChar char="l"/>
             </a:pPr>
             <a:r>
               <a:rPr lang="en-US" sz="3200">
@@ -3872,9 +8560,12 @@
           </a:p>
           <a:p>
             <a:pPr>
-              <a:buSzPct val="45000"/>
-              <a:buFont typeface="StarSymbol"/>
-              <a:buChar char=""/>
+              <a:lnSpc>
+                <a:spcPct val="100000"/>
+              </a:lnSpc>
+              <a:buSzPct val="45000"/>
+              <a:buFont typeface="StarSymbol"/>
+              <a:buChar char="l"/>
             </a:pPr>
             <a:r>
               <a:rPr lang="en-US" sz="3200">
@@ -3955,23 +8646,31 @@
       </p:grpSpPr>
       <p:sp>
         <p:nvSpPr>
-          <p:cNvPr id="52" name="TextShape 1"/>
-          <p:cNvSpPr txBox="1"/>
+          <p:cNvPr id="124" name="CustomShape 1"/>
+          <p:cNvSpPr/>
           <p:nvPr/>
         </p:nvSpPr>
         <p:spPr>
           <a:xfrm>
             <a:off x="504000" y="301320"/>
-            <a:ext cx="9071640" cy="1261800"/>
-          </a:xfrm>
-          <a:prstGeom prst="rect">
-            <a:avLst/>
-          </a:prstGeom>
+            <a:ext cx="9070920" cy="1261080"/>
+          </a:xfrm>
+          <a:prstGeom prst="rect">
+            <a:avLst/>
+          </a:prstGeom>
+          <a:noFill/>
+          <a:ln>
+            <a:noFill/>
+          </a:ln>
         </p:spPr>
         <p:txBody>
           <a:bodyPr lIns="0" rIns="0" tIns="0" bIns="0" anchor="ctr"/>
           <a:p>
-            <a:pPr algn="ctr"/>
+            <a:pPr algn="ctr">
+              <a:lnSpc>
+                <a:spcPct val="100000"/>
+              </a:lnSpc>
+            </a:pPr>
             <a:r>
               <a:rPr lang="en-US" sz="4400">
                 <a:latin typeface="Arial"/>
@@ -3984,26 +8683,33 @@
       </p:sp>
       <p:sp>
         <p:nvSpPr>
-          <p:cNvPr id="53" name="TextShape 2"/>
-          <p:cNvSpPr txBox="1"/>
+          <p:cNvPr id="125" name="CustomShape 2"/>
+          <p:cNvSpPr/>
           <p:nvPr/>
         </p:nvSpPr>
         <p:spPr>
           <a:xfrm>
             <a:off x="504000" y="1768680"/>
-            <a:ext cx="9071640" cy="4383720"/>
-          </a:xfrm>
-          <a:prstGeom prst="rect">
-            <a:avLst/>
-          </a:prstGeom>
+            <a:ext cx="9070920" cy="4383000"/>
+          </a:xfrm>
+          <a:prstGeom prst="rect">
+            <a:avLst/>
+          </a:prstGeom>
+          <a:noFill/>
+          <a:ln>
+            <a:noFill/>
+          </a:ln>
         </p:spPr>
         <p:txBody>
           <a:bodyPr lIns="0" rIns="0" tIns="0" bIns="0"/>
           <a:p>
             <a:pPr>
-              <a:buSzPct val="45000"/>
-              <a:buFont typeface="StarSymbol"/>
-              <a:buChar char=""/>
+              <a:lnSpc>
+                <a:spcPct val="100000"/>
+              </a:lnSpc>
+              <a:buSzPct val="45000"/>
+              <a:buFont typeface="StarSymbol"/>
+              <a:buChar char="l"/>
             </a:pPr>
             <a:r>
               <a:rPr lang="en-US" sz="3200">
@@ -4021,9 +8727,12 @@
           </a:p>
           <a:p>
             <a:pPr>
-              <a:buSzPct val="45000"/>
-              <a:buFont typeface="StarSymbol"/>
-              <a:buChar char=""/>
+              <a:lnSpc>
+                <a:spcPct val="100000"/>
+              </a:lnSpc>
+              <a:buSzPct val="45000"/>
+              <a:buFont typeface="StarSymbol"/>
+              <a:buChar char="l"/>
             </a:pPr>
             <a:r>
               <a:rPr lang="en-US" sz="3200">
@@ -4041,9 +8750,12 @@
           </a:p>
           <a:p>
             <a:pPr>
-              <a:buSzPct val="45000"/>
-              <a:buFont typeface="StarSymbol"/>
-              <a:buChar char=""/>
+              <a:lnSpc>
+                <a:spcPct val="100000"/>
+              </a:lnSpc>
+              <a:buSzPct val="45000"/>
+              <a:buFont typeface="StarSymbol"/>
+              <a:buChar char="l"/>
             </a:pPr>
             <a:r>
               <a:rPr lang="en-US" sz="3200">
@@ -4061,9 +8773,12 @@
           </a:p>
           <a:p>
             <a:pPr>
-              <a:buSzPct val="45000"/>
-              <a:buFont typeface="StarSymbol"/>
-              <a:buChar char=""/>
+              <a:lnSpc>
+                <a:spcPct val="100000"/>
+              </a:lnSpc>
+              <a:buSzPct val="45000"/>
+              <a:buFont typeface="StarSymbol"/>
+              <a:buChar char="l"/>
             </a:pPr>
             <a:r>
               <a:rPr lang="en-US" sz="3200">
@@ -4081,9 +8796,12 @@
           </a:p>
           <a:p>
             <a:pPr>
-              <a:buSzPct val="45000"/>
-              <a:buFont typeface="StarSymbol"/>
-              <a:buChar char=""/>
+              <a:lnSpc>
+                <a:spcPct val="100000"/>
+              </a:lnSpc>
+              <a:buSzPct val="45000"/>
+              <a:buFont typeface="StarSymbol"/>
+              <a:buChar char="l"/>
             </a:pPr>
             <a:r>
               <a:rPr lang="en-US" sz="3200">
@@ -4095,9 +8813,12 @@
           </a:p>
           <a:p>
             <a:pPr>
-              <a:buSzPct val="45000"/>
-              <a:buFont typeface="StarSymbol"/>
-              <a:buChar char=""/>
+              <a:lnSpc>
+                <a:spcPct val="100000"/>
+              </a:lnSpc>
+              <a:buSzPct val="45000"/>
+              <a:buFont typeface="StarSymbol"/>
+              <a:buChar char="l"/>
             </a:pPr>
             <a:r>
               <a:rPr lang="en-US" sz="3200">
@@ -4109,9 +8830,9 @@
           </a:p>
           <a:p>
             <a:pPr>
-              <a:buSzPct val="45000"/>
-              <a:buFont typeface="StarSymbol"/>
-              <a:buChar char=""/>
+              <a:lnSpc>
+                <a:spcPct val="100000"/>
+              </a:lnSpc>
             </a:pPr>
             <a:endParaRPr/>
           </a:p>
@@ -4370,4 +9091,450 @@
     </a:fmtScheme>
   </a:themeElements>
 </a:theme>
+</file>
+
+<file path=ppt/theme/theme2.xml><?xml version="1.0" encoding="utf-8"?>
+<a:theme xmlns:a="http://schemas.openxmlformats.org/drawingml/2006/main" name="Office Theme">
+  <a:themeElements>
+    <a:clrScheme name="Office">
+      <a:dk1>
+        <a:sysClr val="windowText" lastClr="000000"/>
+      </a:dk1>
+      <a:lt1>
+        <a:sysClr val="window" lastClr="FFFFFF"/>
+      </a:lt1>
+      <a:dk2>
+        <a:srgbClr val="1F497D"/>
+      </a:dk2>
+      <a:lt2>
+        <a:srgbClr val="EEECE1"/>
+      </a:lt2>
+      <a:accent1>
+        <a:srgbClr val="4F81BD"/>
+      </a:accent1>
+      <a:accent2>
+        <a:srgbClr val="C0504D"/>
+      </a:accent2>
+      <a:accent3>
+        <a:srgbClr val="9BBB59"/>
+      </a:accent3>
+      <a:accent4>
+        <a:srgbClr val="8064A2"/>
+      </a:accent4>
+      <a:accent5>
+        <a:srgbClr val="4BACC6"/>
+      </a:accent5>
+      <a:accent6>
+        <a:srgbClr val="F79646"/>
+      </a:accent6>
+      <a:hlink>
+        <a:srgbClr val="0000FF"/>
+      </a:hlink>
+      <a:folHlink>
+        <a:srgbClr val="800080"/>
+      </a:folHlink>
+    </a:clrScheme>
+    <a:fontScheme name="Office">
+      <a:majorFont>
+        <a:latin typeface="Arial"/>
+        <a:ea typeface="DejaVu Sans"/>
+        <a:cs typeface="DejaVu Sans"/>
+      </a:majorFont>
+      <a:minorFont>
+        <a:latin typeface="Arial"/>
+        <a:ea typeface="DejaVu Sans"/>
+        <a:cs typeface="DejaVu Sans"/>
+      </a:minorFont>
+    </a:fontScheme>
+    <a:fmtScheme name="Office">
+      <a:fillStyleLst>
+        <a:solidFill>
+          <a:schemeClr val="phClr"/>
+        </a:solidFill>
+        <a:gradFill rotWithShape="1">
+          <a:gsLst>
+            <a:gs pos="0">
+              <a:schemeClr val="phClr">
+                <a:tint val="50000"/>
+                <a:satMod val="300000"/>
+              </a:schemeClr>
+            </a:gs>
+            <a:gs pos="35000">
+              <a:schemeClr val="phClr">
+                <a:tint val="37000"/>
+                <a:satMod val="300000"/>
+              </a:schemeClr>
+            </a:gs>
+            <a:gs pos="100000">
+              <a:schemeClr val="phClr">
+                <a:tint val="15000"/>
+                <a:satMod val="350000"/>
+              </a:schemeClr>
+            </a:gs>
+          </a:gsLst>
+          <a:lin ang="16200000" scaled="1"/>
+        </a:gradFill>
+        <a:gradFill rotWithShape="1">
+          <a:gsLst>
+            <a:gs pos="0">
+              <a:schemeClr val="phClr">
+                <a:shade val="51000"/>
+                <a:satMod val="130000"/>
+              </a:schemeClr>
+            </a:gs>
+            <a:gs pos="80000">
+              <a:schemeClr val="phClr">
+                <a:shade val="93000"/>
+                <a:satMod val="130000"/>
+              </a:schemeClr>
+            </a:gs>
+            <a:gs pos="100000">
+              <a:schemeClr val="phClr">
+                <a:shade val="94000"/>
+                <a:satMod val="135000"/>
+              </a:schemeClr>
+            </a:gs>
+          </a:gsLst>
+          <a:lin ang="16200000" scaled="0"/>
+        </a:gradFill>
+      </a:fillStyleLst>
+      <a:lnStyleLst>
+        <a:ln w="9525" cap="flat" cmpd="sng" algn="ctr">
+          <a:solidFill>
+            <a:schemeClr val="phClr">
+              <a:shade val="95000"/>
+              <a:satMod val="105000"/>
+            </a:schemeClr>
+          </a:solidFill>
+          <a:prstDash val="solid"/>
+        </a:ln>
+        <a:ln w="25400" cap="flat" cmpd="sng" algn="ctr">
+          <a:solidFill>
+            <a:schemeClr val="phClr"/>
+          </a:solidFill>
+          <a:prstDash val="solid"/>
+        </a:ln>
+        <a:ln w="38100" cap="flat" cmpd="sng" algn="ctr">
+          <a:solidFill>
+            <a:schemeClr val="phClr"/>
+          </a:solidFill>
+          <a:prstDash val="solid"/>
+        </a:ln>
+      </a:lnStyleLst>
+      <a:effectStyleLst>
+        <a:effectStyle>
+          <a:effectLst>
+            <a:outerShdw blurRad="40000" dist="20000" dir="5400000" rotWithShape="0">
+              <a:srgbClr val="000000">
+                <a:alpha val="38000"/>
+              </a:srgbClr>
+            </a:outerShdw>
+          </a:effectLst>
+        </a:effectStyle>
+        <a:effectStyle>
+          <a:effectLst>
+            <a:outerShdw blurRad="40000" dist="23000" dir="5400000" rotWithShape="0">
+              <a:srgbClr val="000000">
+                <a:alpha val="35000"/>
+              </a:srgbClr>
+            </a:outerShdw>
+          </a:effectLst>
+        </a:effectStyle>
+        <a:effectStyle>
+          <a:effectLst>
+            <a:outerShdw blurRad="40000" dist="23000" dir="5400000" rotWithShape="0">
+              <a:srgbClr val="000000">
+                <a:alpha val="35000"/>
+              </a:srgbClr>
+            </a:outerShdw>
+          </a:effectLst>
+          <a:scene3d>
+            <a:camera prst="orthographicFront">
+              <a:rot lat="0" lon="0" rev="0"/>
+            </a:camera>
+            <a:lightRig rig="threePt" dir="t">
+              <a:rot lat="0" lon="0" rev="1200000"/>
+            </a:lightRig>
+          </a:scene3d>
+          <a:sp3d>
+            <a:bevelT w="63500" h="25400"/>
+          </a:sp3d>
+        </a:effectStyle>
+      </a:effectStyleLst>
+      <a:bgFillStyleLst>
+        <a:solidFill>
+          <a:schemeClr val="phClr"/>
+        </a:solidFill>
+        <a:gradFill rotWithShape="1">
+          <a:gsLst>
+            <a:gs pos="0">
+              <a:schemeClr val="phClr">
+                <a:tint val="40000"/>
+                <a:satMod val="350000"/>
+              </a:schemeClr>
+            </a:gs>
+            <a:gs pos="40000">
+              <a:schemeClr val="phClr">
+                <a:tint val="45000"/>
+                <a:shade val="99000"/>
+                <a:satMod val="350000"/>
+              </a:schemeClr>
+            </a:gs>
+            <a:gs pos="100000">
+              <a:schemeClr val="phClr">
+                <a:shade val="20000"/>
+                <a:satMod val="255000"/>
+              </a:schemeClr>
+            </a:gs>
+          </a:gsLst>
+          <a:path path="circle">
+            <a:fillToRect l="50000" t="-80000" r="50000" b="180000"/>
+          </a:path>
+        </a:gradFill>
+        <a:gradFill rotWithShape="1">
+          <a:gsLst>
+            <a:gs pos="0">
+              <a:schemeClr val="phClr">
+                <a:tint val="80000"/>
+                <a:satMod val="300000"/>
+              </a:schemeClr>
+            </a:gs>
+            <a:gs pos="100000">
+              <a:schemeClr val="phClr">
+                <a:shade val="30000"/>
+                <a:satMod val="200000"/>
+              </a:schemeClr>
+            </a:gs>
+          </a:gsLst>
+          <a:path path="circle">
+            <a:fillToRect l="50000" t="50000" r="50000" b="50000"/>
+          </a:path>
+        </a:gradFill>
+      </a:bgFillStyleLst>
+    </a:fmtScheme>
+  </a:themeElements>
+</a:theme>
+</file>
+
+<file path=ppt/theme/theme3.xml><?xml version="1.0" encoding="utf-8"?>
+<a:theme xmlns:a="http://schemas.openxmlformats.org/drawingml/2006/main" name="Office Theme">
+  <a:themeElements>
+    <a:clrScheme name="Office">
+      <a:dk1>
+        <a:sysClr val="windowText" lastClr="000000"/>
+      </a:dk1>
+      <a:lt1>
+        <a:sysClr val="window" lastClr="FFFFFF"/>
+      </a:lt1>
+      <a:dk2>
+        <a:srgbClr val="1F497D"/>
+      </a:dk2>
+      <a:lt2>
+        <a:srgbClr val="EEECE1"/>
+      </a:lt2>
+      <a:accent1>
+        <a:srgbClr val="4F81BD"/>
+      </a:accent1>
+      <a:accent2>
+        <a:srgbClr val="C0504D"/>
+      </a:accent2>
+      <a:accent3>
+        <a:srgbClr val="9BBB59"/>
+      </a:accent3>
+      <a:accent4>
+        <a:srgbClr val="8064A2"/>
+      </a:accent4>
+      <a:accent5>
+        <a:srgbClr val="4BACC6"/>
+      </a:accent5>
+      <a:accent6>
+        <a:srgbClr val="F79646"/>
+      </a:accent6>
+      <a:hlink>
+        <a:srgbClr val="0000FF"/>
+      </a:hlink>
+      <a:folHlink>
+        <a:srgbClr val="800080"/>
+      </a:folHlink>
+    </a:clrScheme>
+    <a:fontScheme name="Office">
+      <a:majorFont>
+        <a:latin typeface="Arial"/>
+        <a:ea typeface="DejaVu Sans"/>
+        <a:cs typeface="DejaVu Sans"/>
+      </a:majorFont>
+      <a:minorFont>
+        <a:latin typeface="Arial"/>
+        <a:ea typeface="DejaVu Sans"/>
+        <a:cs typeface="DejaVu Sans"/>
+      </a:minorFont>
+    </a:fontScheme>
+    <a:fmtScheme name="Office">
+      <a:fillStyleLst>
+        <a:solidFill>
+          <a:schemeClr val="phClr"/>
+        </a:solidFill>
+        <a:gradFill rotWithShape="1">
+          <a:gsLst>
+            <a:gs pos="0">
+              <a:schemeClr val="phClr">
+                <a:tint val="50000"/>
+                <a:satMod val="300000"/>
+              </a:schemeClr>
+            </a:gs>
+            <a:gs pos="35000">
+              <a:schemeClr val="phClr">
+                <a:tint val="37000"/>
+                <a:satMod val="300000"/>
+              </a:schemeClr>
+            </a:gs>
+            <a:gs pos="100000">
+              <a:schemeClr val="phClr">
+                <a:tint val="15000"/>
+                <a:satMod val="350000"/>
+              </a:schemeClr>
+            </a:gs>
+          </a:gsLst>
+          <a:lin ang="16200000" scaled="1"/>
+        </a:gradFill>
+        <a:gradFill rotWithShape="1">
+          <a:gsLst>
+            <a:gs pos="0">
+              <a:schemeClr val="phClr">
+                <a:shade val="51000"/>
+                <a:satMod val="130000"/>
+              </a:schemeClr>
+            </a:gs>
+            <a:gs pos="80000">
+              <a:schemeClr val="phClr">
+                <a:shade val="93000"/>
+                <a:satMod val="130000"/>
+              </a:schemeClr>
+            </a:gs>
+            <a:gs pos="100000">
+              <a:schemeClr val="phClr">
+                <a:shade val="94000"/>
+                <a:satMod val="135000"/>
+              </a:schemeClr>
+            </a:gs>
+          </a:gsLst>
+          <a:lin ang="16200000" scaled="0"/>
+        </a:gradFill>
+      </a:fillStyleLst>
+      <a:lnStyleLst>
+        <a:ln w="9525" cap="flat" cmpd="sng" algn="ctr">
+          <a:solidFill>
+            <a:schemeClr val="phClr">
+              <a:shade val="95000"/>
+              <a:satMod val="105000"/>
+            </a:schemeClr>
+          </a:solidFill>
+          <a:prstDash val="solid"/>
+        </a:ln>
+        <a:ln w="25400" cap="flat" cmpd="sng" algn="ctr">
+          <a:solidFill>
+            <a:schemeClr val="phClr"/>
+          </a:solidFill>
+          <a:prstDash val="solid"/>
+        </a:ln>
+        <a:ln w="38100" cap="flat" cmpd="sng" algn="ctr">
+          <a:solidFill>
+            <a:schemeClr val="phClr"/>
+          </a:solidFill>
+          <a:prstDash val="solid"/>
+        </a:ln>
+      </a:lnStyleLst>
+      <a:effectStyleLst>
+        <a:effectStyle>
+          <a:effectLst>
+            <a:outerShdw blurRad="40000" dist="20000" dir="5400000" rotWithShape="0">
+              <a:srgbClr val="000000">
+                <a:alpha val="38000"/>
+              </a:srgbClr>
+            </a:outerShdw>
+          </a:effectLst>
+        </a:effectStyle>
+        <a:effectStyle>
+          <a:effectLst>
+            <a:outerShdw blurRad="40000" dist="23000" dir="5400000" rotWithShape="0">
+              <a:srgbClr val="000000">
+                <a:alpha val="35000"/>
+              </a:srgbClr>
+            </a:outerShdw>
+          </a:effectLst>
+        </a:effectStyle>
+        <a:effectStyle>
+          <a:effectLst>
+            <a:outerShdw blurRad="40000" dist="23000" dir="5400000" rotWithShape="0">
+              <a:srgbClr val="000000">
+                <a:alpha val="35000"/>
+              </a:srgbClr>
+            </a:outerShdw>
+          </a:effectLst>
+          <a:scene3d>
+            <a:camera prst="orthographicFront">
+              <a:rot lat="0" lon="0" rev="0"/>
+            </a:camera>
+            <a:lightRig rig="threePt" dir="t">
+              <a:rot lat="0" lon="0" rev="1200000"/>
+            </a:lightRig>
+          </a:scene3d>
+          <a:sp3d>
+            <a:bevelT w="63500" h="25400"/>
+          </a:sp3d>
+        </a:effectStyle>
+      </a:effectStyleLst>
+      <a:bgFillStyleLst>
+        <a:solidFill>
+          <a:schemeClr val="phClr"/>
+        </a:solidFill>
+        <a:gradFill rotWithShape="1">
+          <a:gsLst>
+            <a:gs pos="0">
+              <a:schemeClr val="phClr">
+                <a:tint val="40000"/>
+                <a:satMod val="350000"/>
+              </a:schemeClr>
+            </a:gs>
+            <a:gs pos="40000">
+              <a:schemeClr val="phClr">
+                <a:tint val="45000"/>
+                <a:shade val="99000"/>
+                <a:satMod val="350000"/>
+              </a:schemeClr>
+            </a:gs>
+            <a:gs pos="100000">
+              <a:schemeClr val="phClr">
+                <a:shade val="20000"/>
+                <a:satMod val="255000"/>
+              </a:schemeClr>
+            </a:gs>
+          </a:gsLst>
+          <a:path path="circle">
+            <a:fillToRect l="50000" t="-80000" r="50000" b="180000"/>
+          </a:path>
+        </a:gradFill>
+        <a:gradFill rotWithShape="1">
+          <a:gsLst>
+            <a:gs pos="0">
+              <a:schemeClr val="phClr">
+                <a:tint val="80000"/>
+                <a:satMod val="300000"/>
+              </a:schemeClr>
+            </a:gs>
+            <a:gs pos="100000">
+              <a:schemeClr val="phClr">
+                <a:shade val="30000"/>
+                <a:satMod val="200000"/>
+              </a:schemeClr>
+            </a:gs>
+          </a:gsLst>
+          <a:path path="circle">
+            <a:fillToRect l="50000" t="50000" r="50000" b="50000"/>
+          </a:path>
+        </a:gradFill>
+      </a:bgFillStyleLst>
+    </a:fmtScheme>
+  </a:themeElements>
+</a:theme>
 </file>
--- a/unexeshell/tmp_use/python_l/1/p1.pptx
+++ b/unexeshell/tmp_use/python_l/1/p1.pptx
@@ -5,28 +5,29 @@
     <p:sldMasterId id="2147483648" r:id="rId2"/>
     <p:sldMasterId id="2147483661" r:id="rId3"/>
     <p:sldMasterId id="2147483674" r:id="rId4"/>
+    <p:sldMasterId id="2147483687" r:id="rId5"/>
   </p:sldMasterIdLst>
   <p:sldIdLst>
-    <p:sldId id="256" r:id="rId5"/>
-    <p:sldId id="257" r:id="rId6"/>
-    <p:sldId id="258" r:id="rId7"/>
-    <p:sldId id="259" r:id="rId8"/>
-    <p:sldId id="260" r:id="rId9"/>
-    <p:sldId id="261" r:id="rId10"/>
-    <p:sldId id="262" r:id="rId11"/>
-    <p:sldId id="263" r:id="rId12"/>
-    <p:sldId id="264" r:id="rId13"/>
-    <p:sldId id="265" r:id="rId14"/>
-    <p:sldId id="266" r:id="rId15"/>
-    <p:sldId id="267" r:id="rId16"/>
-    <p:sldId id="268" r:id="rId17"/>
-    <p:sldId id="269" r:id="rId18"/>
-    <p:sldId id="270" r:id="rId19"/>
-    <p:sldId id="271" r:id="rId20"/>
-    <p:sldId id="272" r:id="rId21"/>
-    <p:sldId id="273" r:id="rId22"/>
-    <p:sldId id="274" r:id="rId23"/>
-    <p:sldId id="275" r:id="rId24"/>
+    <p:sldId id="256" r:id="rId6"/>
+    <p:sldId id="257" r:id="rId7"/>
+    <p:sldId id="258" r:id="rId8"/>
+    <p:sldId id="259" r:id="rId9"/>
+    <p:sldId id="260" r:id="rId10"/>
+    <p:sldId id="261" r:id="rId11"/>
+    <p:sldId id="262" r:id="rId12"/>
+    <p:sldId id="263" r:id="rId13"/>
+    <p:sldId id="264" r:id="rId14"/>
+    <p:sldId id="265" r:id="rId15"/>
+    <p:sldId id="266" r:id="rId16"/>
+    <p:sldId id="267" r:id="rId17"/>
+    <p:sldId id="268" r:id="rId18"/>
+    <p:sldId id="269" r:id="rId19"/>
+    <p:sldId id="270" r:id="rId20"/>
+    <p:sldId id="271" r:id="rId21"/>
+    <p:sldId id="272" r:id="rId22"/>
+    <p:sldId id="273" r:id="rId23"/>
+    <p:sldId id="274" r:id="rId24"/>
+    <p:sldId id="275" r:id="rId25"/>
   </p:sldIdLst>
   <p:sldSz cx="10080625" cy="7559675"/>
   <p:notesSz cx="7559675" cy="10691812"/>
@@ -85,7 +86,7 @@
         <p:spPr>
           <a:xfrm>
             <a:off x="504000" y="301320"/>
-            <a:ext cx="9070920" cy="1262160"/>
+            <a:ext cx="9070560" cy="1262160"/>
           </a:xfrm>
           <a:prstGeom prst="rect">
             <a:avLst/>
@@ -112,7 +113,7 @@
         <p:spPr>
           <a:xfrm>
             <a:off x="504000" y="1768680"/>
-            <a:ext cx="9070920" cy="2090520"/>
+            <a:ext cx="9070560" cy="2090160"/>
           </a:xfrm>
           <a:prstGeom prst="rect">
             <a:avLst/>
@@ -137,8 +138,8 @@
         </p:nvSpPr>
         <p:spPr>
           <a:xfrm>
-            <a:off x="504000" y="4058280"/>
-            <a:ext cx="9070920" cy="2090520"/>
+            <a:off x="504000" y="4057920"/>
+            <a:ext cx="9070560" cy="2090160"/>
           </a:xfrm>
           <a:prstGeom prst="rect">
             <a:avLst/>
@@ -186,7 +187,7 @@
         <p:spPr>
           <a:xfrm>
             <a:off x="504000" y="301320"/>
-            <a:ext cx="9070920" cy="1262160"/>
+            <a:ext cx="9070560" cy="1262160"/>
           </a:xfrm>
           <a:prstGeom prst="rect">
             <a:avLst/>
@@ -213,7 +214,7 @@
         <p:spPr>
           <a:xfrm>
             <a:off x="504000" y="1768680"/>
-            <a:ext cx="4426560" cy="2090520"/>
+            <a:ext cx="4426200" cy="2090160"/>
           </a:xfrm>
           <a:prstGeom prst="rect">
             <a:avLst/>
@@ -238,8 +239,8 @@
         </p:nvSpPr>
         <p:spPr>
           <a:xfrm>
-            <a:off x="5152320" y="1768680"/>
-            <a:ext cx="4426560" cy="2090520"/>
+            <a:off x="5151960" y="1768680"/>
+            <a:ext cx="4426200" cy="2090160"/>
           </a:xfrm>
           <a:prstGeom prst="rect">
             <a:avLst/>
@@ -264,8 +265,8 @@
         </p:nvSpPr>
         <p:spPr>
           <a:xfrm>
-            <a:off x="5152320" y="4058280"/>
-            <a:ext cx="4426560" cy="2090520"/>
+            <a:off x="5151960" y="4057920"/>
+            <a:ext cx="4426200" cy="2090160"/>
           </a:xfrm>
           <a:prstGeom prst="rect">
             <a:avLst/>
@@ -290,8 +291,8 @@
         </p:nvSpPr>
         <p:spPr>
           <a:xfrm>
-            <a:off x="504000" y="4058280"/>
-            <a:ext cx="4426560" cy="2090520"/>
+            <a:off x="504000" y="4057920"/>
+            <a:ext cx="4426200" cy="2090160"/>
           </a:xfrm>
           <a:prstGeom prst="rect">
             <a:avLst/>
@@ -339,7 +340,7 @@
         <p:spPr>
           <a:xfrm>
             <a:off x="504000" y="301320"/>
-            <a:ext cx="9070920" cy="1262160"/>
+            <a:ext cx="9070560" cy="1262160"/>
           </a:xfrm>
           <a:prstGeom prst="rect">
             <a:avLst/>
@@ -366,7 +367,7 @@
         <p:spPr>
           <a:xfrm>
             <a:off x="504000" y="1768680"/>
-            <a:ext cx="9070920" cy="4383000"/>
+            <a:ext cx="9070560" cy="4382640"/>
           </a:xfrm>
           <a:prstGeom prst="rect">
             <a:avLst/>
@@ -392,7 +393,7 @@
         <p:spPr>
           <a:xfrm>
             <a:off x="504000" y="1768680"/>
-            <a:ext cx="9070920" cy="4383000"/>
+            <a:ext cx="9070560" cy="4382640"/>
           </a:xfrm>
           <a:prstGeom prst="rect">
             <a:avLst/>
@@ -419,8 +420,8 @@
         </p:blipFill>
         <p:spPr>
           <a:xfrm>
-            <a:off x="2292480" y="1768320"/>
-            <a:ext cx="5493240" cy="4383000"/>
+            <a:off x="2292840" y="1768680"/>
+            <a:ext cx="5492880" cy="4382640"/>
           </a:xfrm>
           <a:prstGeom prst="rect">
             <a:avLst/>
@@ -444,8 +445,8 @@
         </p:blipFill>
         <p:spPr>
           <a:xfrm>
-            <a:off x="2292480" y="1768320"/>
-            <a:ext cx="5493240" cy="4383000"/>
+            <a:off x="2292840" y="1768680"/>
+            <a:ext cx="5492880" cy="4382640"/>
           </a:xfrm>
           <a:prstGeom prst="rect">
             <a:avLst/>
@@ -512,7 +513,7 @@
         <p:spPr>
           <a:xfrm>
             <a:off x="504000" y="301320"/>
-            <a:ext cx="9070920" cy="1262160"/>
+            <a:ext cx="9070560" cy="1262160"/>
           </a:xfrm>
           <a:prstGeom prst="rect">
             <a:avLst/>
@@ -539,7 +540,7 @@
         <p:spPr>
           <a:xfrm>
             <a:off x="504000" y="1768680"/>
-            <a:ext cx="9070920" cy="4383360"/>
+            <a:ext cx="9070560" cy="4383000"/>
           </a:xfrm>
           <a:prstGeom prst="rect">
             <a:avLst/>
@@ -588,7 +589,7 @@
         <p:spPr>
           <a:xfrm>
             <a:off x="504000" y="301320"/>
-            <a:ext cx="9070920" cy="1262160"/>
+            <a:ext cx="9070560" cy="1262160"/>
           </a:xfrm>
           <a:prstGeom prst="rect">
             <a:avLst/>
@@ -615,7 +616,7 @@
         <p:spPr>
           <a:xfrm>
             <a:off x="504000" y="1768680"/>
-            <a:ext cx="9070920" cy="4383000"/>
+            <a:ext cx="9070560" cy="4382640"/>
           </a:xfrm>
           <a:prstGeom prst="rect">
             <a:avLst/>
@@ -663,7 +664,7 @@
         <p:spPr>
           <a:xfrm>
             <a:off x="504000" y="301320"/>
-            <a:ext cx="9070920" cy="1262160"/>
+            <a:ext cx="9070560" cy="1262160"/>
           </a:xfrm>
           <a:prstGeom prst="rect">
             <a:avLst/>
@@ -690,7 +691,7 @@
         <p:spPr>
           <a:xfrm>
             <a:off x="504000" y="1768680"/>
-            <a:ext cx="4426560" cy="4383000"/>
+            <a:ext cx="4426200" cy="4382640"/>
           </a:xfrm>
           <a:prstGeom prst="rect">
             <a:avLst/>
@@ -715,8 +716,8 @@
         </p:nvSpPr>
         <p:spPr>
           <a:xfrm>
-            <a:off x="5152320" y="1768680"/>
-            <a:ext cx="4426560" cy="4383000"/>
+            <a:off x="5151960" y="1768680"/>
+            <a:ext cx="4426200" cy="4382640"/>
           </a:xfrm>
           <a:prstGeom prst="rect">
             <a:avLst/>
@@ -764,7 +765,7 @@
         <p:spPr>
           <a:xfrm>
             <a:off x="504000" y="301320"/>
-            <a:ext cx="9070920" cy="1262160"/>
+            <a:ext cx="9070560" cy="1262160"/>
           </a:xfrm>
           <a:prstGeom prst="rect">
             <a:avLst/>
@@ -813,7 +814,7 @@
         <p:spPr>
           <a:xfrm>
             <a:off x="504000" y="301320"/>
-            <a:ext cx="9070920" cy="5850720"/>
+            <a:ext cx="9070560" cy="5850720"/>
           </a:xfrm>
           <a:prstGeom prst="rect">
             <a:avLst/>
@@ -862,7 +863,7 @@
         <p:spPr>
           <a:xfrm>
             <a:off x="504000" y="301320"/>
-            <a:ext cx="9070920" cy="1262160"/>
+            <a:ext cx="9070560" cy="1262160"/>
           </a:xfrm>
           <a:prstGeom prst="rect">
             <a:avLst/>
@@ -889,7 +890,7 @@
         <p:spPr>
           <a:xfrm>
             <a:off x="504000" y="1768680"/>
-            <a:ext cx="4426560" cy="2090520"/>
+            <a:ext cx="4426200" cy="2090160"/>
           </a:xfrm>
           <a:prstGeom prst="rect">
             <a:avLst/>
@@ -914,8 +915,8 @@
         </p:nvSpPr>
         <p:spPr>
           <a:xfrm>
-            <a:off x="504000" y="4058280"/>
-            <a:ext cx="4426560" cy="2090520"/>
+            <a:off x="504000" y="4057920"/>
+            <a:ext cx="4426200" cy="2090160"/>
           </a:xfrm>
           <a:prstGeom prst="rect">
             <a:avLst/>
@@ -940,8 +941,8 @@
         </p:nvSpPr>
         <p:spPr>
           <a:xfrm>
-            <a:off x="5152320" y="1768680"/>
-            <a:ext cx="4426560" cy="4383000"/>
+            <a:off x="5151960" y="1768680"/>
+            <a:ext cx="4426200" cy="4382640"/>
           </a:xfrm>
           <a:prstGeom prst="rect">
             <a:avLst/>
@@ -989,7 +990,7 @@
         <p:spPr>
           <a:xfrm>
             <a:off x="504000" y="301320"/>
-            <a:ext cx="9070920" cy="1262160"/>
+            <a:ext cx="9070560" cy="1262160"/>
           </a:xfrm>
           <a:prstGeom prst="rect">
             <a:avLst/>
@@ -1016,7 +1017,7 @@
         <p:spPr>
           <a:xfrm>
             <a:off x="504000" y="1768680"/>
-            <a:ext cx="9070920" cy="4383360"/>
+            <a:ext cx="9070560" cy="4383000"/>
           </a:xfrm>
           <a:prstGeom prst="rect">
             <a:avLst/>
@@ -1065,7 +1066,7 @@
         <p:spPr>
           <a:xfrm>
             <a:off x="504000" y="301320"/>
-            <a:ext cx="9070920" cy="1262160"/>
+            <a:ext cx="9070560" cy="1262160"/>
           </a:xfrm>
           <a:prstGeom prst="rect">
             <a:avLst/>
@@ -1092,7 +1093,7 @@
         <p:spPr>
           <a:xfrm>
             <a:off x="504000" y="1768680"/>
-            <a:ext cx="4426560" cy="4383000"/>
+            <a:ext cx="4426200" cy="4382640"/>
           </a:xfrm>
           <a:prstGeom prst="rect">
             <a:avLst/>
@@ -1117,8 +1118,8 @@
         </p:nvSpPr>
         <p:spPr>
           <a:xfrm>
-            <a:off x="5152320" y="1768680"/>
-            <a:ext cx="4426560" cy="2090520"/>
+            <a:off x="5151960" y="1768680"/>
+            <a:ext cx="4426200" cy="2090160"/>
           </a:xfrm>
           <a:prstGeom prst="rect">
             <a:avLst/>
@@ -1143,8 +1144,8 @@
         </p:nvSpPr>
         <p:spPr>
           <a:xfrm>
-            <a:off x="5152320" y="4058280"/>
-            <a:ext cx="4426560" cy="2090520"/>
+            <a:off x="5151960" y="4057920"/>
+            <a:ext cx="4426200" cy="2090160"/>
           </a:xfrm>
           <a:prstGeom prst="rect">
             <a:avLst/>
@@ -1192,7 +1193,7 @@
         <p:spPr>
           <a:xfrm>
             <a:off x="504000" y="301320"/>
-            <a:ext cx="9070920" cy="1262160"/>
+            <a:ext cx="9070560" cy="1262160"/>
           </a:xfrm>
           <a:prstGeom prst="rect">
             <a:avLst/>
@@ -1219,7 +1220,7 @@
         <p:spPr>
           <a:xfrm>
             <a:off x="504000" y="1768680"/>
-            <a:ext cx="4426560" cy="2090520"/>
+            <a:ext cx="4426200" cy="2090160"/>
           </a:xfrm>
           <a:prstGeom prst="rect">
             <a:avLst/>
@@ -1244,8 +1245,8 @@
         </p:nvSpPr>
         <p:spPr>
           <a:xfrm>
-            <a:off x="5152320" y="1768680"/>
-            <a:ext cx="4426560" cy="2090520"/>
+            <a:off x="5151960" y="1768680"/>
+            <a:ext cx="4426200" cy="2090160"/>
           </a:xfrm>
           <a:prstGeom prst="rect">
             <a:avLst/>
@@ -1270,8 +1271,8 @@
         </p:nvSpPr>
         <p:spPr>
           <a:xfrm>
-            <a:off x="504000" y="4058280"/>
-            <a:ext cx="9070920" cy="2090520"/>
+            <a:off x="504000" y="4057920"/>
+            <a:ext cx="9070560" cy="2090160"/>
           </a:xfrm>
           <a:prstGeom prst="rect">
             <a:avLst/>
@@ -1319,7 +1320,7 @@
         <p:spPr>
           <a:xfrm>
             <a:off x="504000" y="301320"/>
-            <a:ext cx="9070920" cy="1262160"/>
+            <a:ext cx="9070560" cy="1262160"/>
           </a:xfrm>
           <a:prstGeom prst="rect">
             <a:avLst/>
@@ -1346,7 +1347,7 @@
         <p:spPr>
           <a:xfrm>
             <a:off x="504000" y="1768680"/>
-            <a:ext cx="9070920" cy="2090520"/>
+            <a:ext cx="9070560" cy="2090160"/>
           </a:xfrm>
           <a:prstGeom prst="rect">
             <a:avLst/>
@@ -1371,8 +1372,8 @@
         </p:nvSpPr>
         <p:spPr>
           <a:xfrm>
-            <a:off x="504000" y="4058280"/>
-            <a:ext cx="9070920" cy="2090520"/>
+            <a:off x="504000" y="4057920"/>
+            <a:ext cx="9070560" cy="2090160"/>
           </a:xfrm>
           <a:prstGeom prst="rect">
             <a:avLst/>
@@ -1420,7 +1421,7 @@
         <p:spPr>
           <a:xfrm>
             <a:off x="504000" y="301320"/>
-            <a:ext cx="9070920" cy="1262160"/>
+            <a:ext cx="9070560" cy="1262160"/>
           </a:xfrm>
           <a:prstGeom prst="rect">
             <a:avLst/>
@@ -1447,7 +1448,7 @@
         <p:spPr>
           <a:xfrm>
             <a:off x="504000" y="1768680"/>
-            <a:ext cx="4426560" cy="2090520"/>
+            <a:ext cx="4426200" cy="2090160"/>
           </a:xfrm>
           <a:prstGeom prst="rect">
             <a:avLst/>
@@ -1472,8 +1473,8 @@
         </p:nvSpPr>
         <p:spPr>
           <a:xfrm>
-            <a:off x="5152320" y="1768680"/>
-            <a:ext cx="4426560" cy="2090520"/>
+            <a:off x="5151960" y="1768680"/>
+            <a:ext cx="4426200" cy="2090160"/>
           </a:xfrm>
           <a:prstGeom prst="rect">
             <a:avLst/>
@@ -1498,8 +1499,8 @@
         </p:nvSpPr>
         <p:spPr>
           <a:xfrm>
-            <a:off x="5152320" y="4058280"/>
-            <a:ext cx="4426560" cy="2090520"/>
+            <a:off x="5151960" y="4057920"/>
+            <a:ext cx="4426200" cy="2090160"/>
           </a:xfrm>
           <a:prstGeom prst="rect">
             <a:avLst/>
@@ -1524,8 +1525,8 @@
         </p:nvSpPr>
         <p:spPr>
           <a:xfrm>
-            <a:off x="504000" y="4058280"/>
-            <a:ext cx="4426560" cy="2090520"/>
+            <a:off x="504000" y="4057920"/>
+            <a:ext cx="4426200" cy="2090160"/>
           </a:xfrm>
           <a:prstGeom prst="rect">
             <a:avLst/>
@@ -1573,7 +1574,7 @@
         <p:spPr>
           <a:xfrm>
             <a:off x="504000" y="301320"/>
-            <a:ext cx="9070920" cy="1262160"/>
+            <a:ext cx="9070560" cy="1262160"/>
           </a:xfrm>
           <a:prstGeom prst="rect">
             <a:avLst/>
@@ -1600,7 +1601,7 @@
         <p:spPr>
           <a:xfrm>
             <a:off x="504000" y="1768680"/>
-            <a:ext cx="9070920" cy="4383000"/>
+            <a:ext cx="9070560" cy="4382640"/>
           </a:xfrm>
           <a:prstGeom prst="rect">
             <a:avLst/>
@@ -1626,7 +1627,7 @@
         <p:spPr>
           <a:xfrm>
             <a:off x="504000" y="1768680"/>
-            <a:ext cx="9070920" cy="4383000"/>
+            <a:ext cx="9070560" cy="4382640"/>
           </a:xfrm>
           <a:prstGeom prst="rect">
             <a:avLst/>
@@ -1653,8 +1654,8 @@
         </p:blipFill>
         <p:spPr>
           <a:xfrm>
-            <a:off x="2292480" y="1768320"/>
-            <a:ext cx="5493240" cy="4383000"/>
+            <a:off x="2292840" y="1768680"/>
+            <a:ext cx="5492880" cy="4382640"/>
           </a:xfrm>
           <a:prstGeom prst="rect">
             <a:avLst/>
@@ -1678,8 +1679,8 @@
         </p:blipFill>
         <p:spPr>
           <a:xfrm>
-            <a:off x="2292480" y="1768320"/>
-            <a:ext cx="5493240" cy="4383000"/>
+            <a:off x="2292840" y="1768680"/>
+            <a:ext cx="5492880" cy="4382640"/>
           </a:xfrm>
           <a:prstGeom prst="rect">
             <a:avLst/>
@@ -1746,7 +1747,7 @@
         <p:spPr>
           <a:xfrm>
             <a:off x="504000" y="301320"/>
-            <a:ext cx="9070920" cy="1262160"/>
+            <a:ext cx="9070560" cy="1262160"/>
           </a:xfrm>
           <a:prstGeom prst="rect">
             <a:avLst/>
@@ -1773,7 +1774,7 @@
         <p:spPr>
           <a:xfrm>
             <a:off x="504000" y="1768680"/>
-            <a:ext cx="9070920" cy="4383360"/>
+            <a:ext cx="9070560" cy="4383000"/>
           </a:xfrm>
           <a:prstGeom prst="rect">
             <a:avLst/>
@@ -1822,7 +1823,7 @@
         <p:spPr>
           <a:xfrm>
             <a:off x="504000" y="301320"/>
-            <a:ext cx="9070920" cy="1262160"/>
+            <a:ext cx="9070560" cy="1262160"/>
           </a:xfrm>
           <a:prstGeom prst="rect">
             <a:avLst/>
@@ -1849,7 +1850,7 @@
         <p:spPr>
           <a:xfrm>
             <a:off x="504000" y="1768680"/>
-            <a:ext cx="9070920" cy="4383000"/>
+            <a:ext cx="9070560" cy="4382640"/>
           </a:xfrm>
           <a:prstGeom prst="rect">
             <a:avLst/>
@@ -1897,7 +1898,7 @@
         <p:spPr>
           <a:xfrm>
             <a:off x="504000" y="301320"/>
-            <a:ext cx="9070920" cy="1262160"/>
+            <a:ext cx="9070560" cy="1262160"/>
           </a:xfrm>
           <a:prstGeom prst="rect">
             <a:avLst/>
@@ -1924,7 +1925,7 @@
         <p:spPr>
           <a:xfrm>
             <a:off x="504000" y="1768680"/>
-            <a:ext cx="4426560" cy="4383000"/>
+            <a:ext cx="4426200" cy="4382640"/>
           </a:xfrm>
           <a:prstGeom prst="rect">
             <a:avLst/>
@@ -1949,8 +1950,8 @@
         </p:nvSpPr>
         <p:spPr>
           <a:xfrm>
-            <a:off x="5152320" y="1768680"/>
-            <a:ext cx="4426560" cy="4383000"/>
+            <a:off x="5151960" y="1768680"/>
+            <a:ext cx="4426200" cy="4382640"/>
           </a:xfrm>
           <a:prstGeom prst="rect">
             <a:avLst/>
@@ -1998,7 +1999,7 @@
         <p:spPr>
           <a:xfrm>
             <a:off x="504000" y="301320"/>
-            <a:ext cx="9070920" cy="1262160"/>
+            <a:ext cx="9070560" cy="1262160"/>
           </a:xfrm>
           <a:prstGeom prst="rect">
             <a:avLst/>
@@ -2047,7 +2048,7 @@
         <p:spPr>
           <a:xfrm>
             <a:off x="504000" y="301320"/>
-            <a:ext cx="9070920" cy="1262160"/>
+            <a:ext cx="9070560" cy="1262160"/>
           </a:xfrm>
           <a:prstGeom prst="rect">
             <a:avLst/>
@@ -2074,7 +2075,7 @@
         <p:spPr>
           <a:xfrm>
             <a:off x="504000" y="1768680"/>
-            <a:ext cx="9070920" cy="4383000"/>
+            <a:ext cx="9070560" cy="4382640"/>
           </a:xfrm>
           <a:prstGeom prst="rect">
             <a:avLst/>
@@ -2122,7 +2123,7 @@
         <p:spPr>
           <a:xfrm>
             <a:off x="504000" y="301320"/>
-            <a:ext cx="9070920" cy="5850720"/>
+            <a:ext cx="9070560" cy="5850720"/>
           </a:xfrm>
           <a:prstGeom prst="rect">
             <a:avLst/>
@@ -2171,7 +2172,7 @@
         <p:spPr>
           <a:xfrm>
             <a:off x="504000" y="301320"/>
-            <a:ext cx="9070920" cy="1262160"/>
+            <a:ext cx="9070560" cy="1262160"/>
           </a:xfrm>
           <a:prstGeom prst="rect">
             <a:avLst/>
@@ -2198,7 +2199,7 @@
         <p:spPr>
           <a:xfrm>
             <a:off x="504000" y="1768680"/>
-            <a:ext cx="4426560" cy="2090520"/>
+            <a:ext cx="4426200" cy="2090160"/>
           </a:xfrm>
           <a:prstGeom prst="rect">
             <a:avLst/>
@@ -2223,8 +2224,8 @@
         </p:nvSpPr>
         <p:spPr>
           <a:xfrm>
-            <a:off x="504000" y="4058280"/>
-            <a:ext cx="4426560" cy="2090520"/>
+            <a:off x="504000" y="4057920"/>
+            <a:ext cx="4426200" cy="2090160"/>
           </a:xfrm>
           <a:prstGeom prst="rect">
             <a:avLst/>
@@ -2249,8 +2250,8 @@
         </p:nvSpPr>
         <p:spPr>
           <a:xfrm>
-            <a:off x="5152320" y="1768680"/>
-            <a:ext cx="4426560" cy="4383000"/>
+            <a:off x="5151960" y="1768680"/>
+            <a:ext cx="4426200" cy="4382640"/>
           </a:xfrm>
           <a:prstGeom prst="rect">
             <a:avLst/>
@@ -2298,7 +2299,7 @@
         <p:spPr>
           <a:xfrm>
             <a:off x="504000" y="301320"/>
-            <a:ext cx="9070920" cy="1262160"/>
+            <a:ext cx="9070560" cy="1262160"/>
           </a:xfrm>
           <a:prstGeom prst="rect">
             <a:avLst/>
@@ -2325,7 +2326,7 @@
         <p:spPr>
           <a:xfrm>
             <a:off x="504000" y="1768680"/>
-            <a:ext cx="4426560" cy="4383000"/>
+            <a:ext cx="4426200" cy="4382640"/>
           </a:xfrm>
           <a:prstGeom prst="rect">
             <a:avLst/>
@@ -2350,8 +2351,8 @@
         </p:nvSpPr>
         <p:spPr>
           <a:xfrm>
-            <a:off x="5152320" y="1768680"/>
-            <a:ext cx="4426560" cy="2090520"/>
+            <a:off x="5151960" y="1768680"/>
+            <a:ext cx="4426200" cy="2090160"/>
           </a:xfrm>
           <a:prstGeom prst="rect">
             <a:avLst/>
@@ -2376,8 +2377,8 @@
         </p:nvSpPr>
         <p:spPr>
           <a:xfrm>
-            <a:off x="5152320" y="4058280"/>
-            <a:ext cx="4426560" cy="2090520"/>
+            <a:off x="5151960" y="4057920"/>
+            <a:ext cx="4426200" cy="2090160"/>
           </a:xfrm>
           <a:prstGeom prst="rect">
             <a:avLst/>
@@ -2425,7 +2426,7 @@
         <p:spPr>
           <a:xfrm>
             <a:off x="504000" y="301320"/>
-            <a:ext cx="9070920" cy="1262160"/>
+            <a:ext cx="9070560" cy="1262160"/>
           </a:xfrm>
           <a:prstGeom prst="rect">
             <a:avLst/>
@@ -2452,7 +2453,7 @@
         <p:spPr>
           <a:xfrm>
             <a:off x="504000" y="1768680"/>
-            <a:ext cx="4426560" cy="2090520"/>
+            <a:ext cx="4426200" cy="2090160"/>
           </a:xfrm>
           <a:prstGeom prst="rect">
             <a:avLst/>
@@ -2477,8 +2478,8 @@
         </p:nvSpPr>
         <p:spPr>
           <a:xfrm>
-            <a:off x="5152320" y="1768680"/>
-            <a:ext cx="4426560" cy="2090520"/>
+            <a:off x="5151960" y="1768680"/>
+            <a:ext cx="4426200" cy="2090160"/>
           </a:xfrm>
           <a:prstGeom prst="rect">
             <a:avLst/>
@@ -2503,8 +2504,8 @@
         </p:nvSpPr>
         <p:spPr>
           <a:xfrm>
-            <a:off x="504000" y="4058280"/>
-            <a:ext cx="9070920" cy="2090520"/>
+            <a:off x="504000" y="4057920"/>
+            <a:ext cx="9070560" cy="2090160"/>
           </a:xfrm>
           <a:prstGeom prst="rect">
             <a:avLst/>
@@ -2552,7 +2553,7 @@
         <p:spPr>
           <a:xfrm>
             <a:off x="504000" y="301320"/>
-            <a:ext cx="9070920" cy="1262160"/>
+            <a:ext cx="9070560" cy="1262160"/>
           </a:xfrm>
           <a:prstGeom prst="rect">
             <a:avLst/>
@@ -2579,7 +2580,7 @@
         <p:spPr>
           <a:xfrm>
             <a:off x="504000" y="1768680"/>
-            <a:ext cx="9070920" cy="2090520"/>
+            <a:ext cx="9070560" cy="2090160"/>
           </a:xfrm>
           <a:prstGeom prst="rect">
             <a:avLst/>
@@ -2604,8 +2605,8 @@
         </p:nvSpPr>
         <p:spPr>
           <a:xfrm>
-            <a:off x="504000" y="4058280"/>
-            <a:ext cx="9070920" cy="2090520"/>
+            <a:off x="504000" y="4057920"/>
+            <a:ext cx="9070560" cy="2090160"/>
           </a:xfrm>
           <a:prstGeom prst="rect">
             <a:avLst/>
@@ -2653,7 +2654,7 @@
         <p:spPr>
           <a:xfrm>
             <a:off x="504000" y="301320"/>
-            <a:ext cx="9070920" cy="1262160"/>
+            <a:ext cx="9070560" cy="1262160"/>
           </a:xfrm>
           <a:prstGeom prst="rect">
             <a:avLst/>
@@ -2680,7 +2681,7 @@
         <p:spPr>
           <a:xfrm>
             <a:off x="504000" y="1768680"/>
-            <a:ext cx="4426560" cy="2090520"/>
+            <a:ext cx="4426200" cy="2090160"/>
           </a:xfrm>
           <a:prstGeom prst="rect">
             <a:avLst/>
@@ -2705,8 +2706,8 @@
         </p:nvSpPr>
         <p:spPr>
           <a:xfrm>
-            <a:off x="5152320" y="1768680"/>
-            <a:ext cx="4426560" cy="2090520"/>
+            <a:off x="5151960" y="1768680"/>
+            <a:ext cx="4426200" cy="2090160"/>
           </a:xfrm>
           <a:prstGeom prst="rect">
             <a:avLst/>
@@ -2731,8 +2732,8 @@
         </p:nvSpPr>
         <p:spPr>
           <a:xfrm>
-            <a:off x="5152320" y="4058280"/>
-            <a:ext cx="4426560" cy="2090520"/>
+            <a:off x="5151960" y="4057920"/>
+            <a:ext cx="4426200" cy="2090160"/>
           </a:xfrm>
           <a:prstGeom prst="rect">
             <a:avLst/>
@@ -2757,8 +2758,8 @@
         </p:nvSpPr>
         <p:spPr>
           <a:xfrm>
-            <a:off x="504000" y="4058280"/>
-            <a:ext cx="4426560" cy="2090520"/>
+            <a:off x="504000" y="4057920"/>
+            <a:ext cx="4426200" cy="2090160"/>
           </a:xfrm>
           <a:prstGeom prst="rect">
             <a:avLst/>
@@ -2806,7 +2807,7 @@
         <p:spPr>
           <a:xfrm>
             <a:off x="504000" y="301320"/>
-            <a:ext cx="9070920" cy="1262160"/>
+            <a:ext cx="9070560" cy="1262160"/>
           </a:xfrm>
           <a:prstGeom prst="rect">
             <a:avLst/>
@@ -2833,7 +2834,7 @@
         <p:spPr>
           <a:xfrm>
             <a:off x="504000" y="1768680"/>
-            <a:ext cx="9070920" cy="4383000"/>
+            <a:ext cx="9070560" cy="4382640"/>
           </a:xfrm>
           <a:prstGeom prst="rect">
             <a:avLst/>
@@ -2859,7 +2860,7 @@
         <p:spPr>
           <a:xfrm>
             <a:off x="504000" y="1768680"/>
-            <a:ext cx="9070920" cy="4383000"/>
+            <a:ext cx="9070560" cy="4382640"/>
           </a:xfrm>
           <a:prstGeom prst="rect">
             <a:avLst/>
@@ -2886,8 +2887,8 @@
         </p:blipFill>
         <p:spPr>
           <a:xfrm>
-            <a:off x="2292480" y="1768320"/>
-            <a:ext cx="5493240" cy="4383000"/>
+            <a:off x="2292840" y="1768680"/>
+            <a:ext cx="5492880" cy="4382640"/>
           </a:xfrm>
           <a:prstGeom prst="rect">
             <a:avLst/>
@@ -2911,8 +2912,8 @@
         </p:blipFill>
         <p:spPr>
           <a:xfrm>
-            <a:off x="2292480" y="1768320"/>
-            <a:ext cx="5493240" cy="4383000"/>
+            <a:off x="2292840" y="1768680"/>
+            <a:ext cx="5492880" cy="4382640"/>
           </a:xfrm>
           <a:prstGeom prst="rect">
             <a:avLst/>
@@ -2922,6 +2923,179 @@
           </a:ln>
         </p:spPr>
       </p:pic>
+    </p:spTree>
+  </p:cSld>
+</p:sldLayout>
+</file>
+
+<file path=ppt/slideLayouts/slideLayout37.xml><?xml version="1.0" encoding="utf-8"?>
+<p:sldLayout xmlns:a="http://schemas.openxmlformats.org/drawingml/2006/main" xmlns:p="http://schemas.openxmlformats.org/presentationml/2006/main" xmlns:r="http://schemas.openxmlformats.org/officeDocument/2006/relationships" type="blank" preserve="1">
+  <p:cSld name="Blank Slide">
+    <p:spTree>
+      <p:nvGrpSpPr>
+        <p:cNvPr id="1" name=""/>
+        <p:cNvGrpSpPr/>
+        <p:nvPr/>
+      </p:nvGrpSpPr>
+      <p:grpSpPr>
+        <a:xfrm>
+          <a:off x="0" y="0"/>
+          <a:ext cx="0" cy="0"/>
+          <a:chOff x="0" y="0"/>
+          <a:chExt cx="0" cy="0"/>
+        </a:xfrm>
+      </p:grpSpPr>
+    </p:spTree>
+  </p:cSld>
+</p:sldLayout>
+</file>
+
+<file path=ppt/slideLayouts/slideLayout38.xml><?xml version="1.0" encoding="utf-8"?>
+<p:sldLayout xmlns:a="http://schemas.openxmlformats.org/drawingml/2006/main" xmlns:p="http://schemas.openxmlformats.org/presentationml/2006/main" xmlns:r="http://schemas.openxmlformats.org/officeDocument/2006/relationships" type="tx" preserve="1">
+  <p:cSld name="Title Slide">
+    <p:spTree>
+      <p:nvGrpSpPr>
+        <p:cNvPr id="1" name=""/>
+        <p:cNvGrpSpPr/>
+        <p:nvPr/>
+      </p:nvGrpSpPr>
+      <p:grpSpPr>
+        <a:xfrm>
+          <a:off x="0" y="0"/>
+          <a:ext cx="0" cy="0"/>
+          <a:chOff x="0" y="0"/>
+          <a:chExt cx="0" cy="0"/>
+        </a:xfrm>
+      </p:grpSpPr>
+      <p:sp>
+        <p:nvSpPr>
+          <p:cNvPr id="110" name="PlaceHolder 1"/>
+          <p:cNvSpPr>
+            <a:spLocks noGrp="1"/>
+          </p:cNvSpPr>
+          <p:nvPr>
+            <p:ph type="title"/>
+          </p:nvPr>
+        </p:nvSpPr>
+        <p:spPr>
+          <a:xfrm>
+            <a:off x="504000" y="301320"/>
+            <a:ext cx="9070560" cy="1262160"/>
+          </a:xfrm>
+          <a:prstGeom prst="rect">
+            <a:avLst/>
+          </a:prstGeom>
+        </p:spPr>
+        <p:txBody>
+          <a:bodyPr lIns="0" rIns="0" tIns="0" bIns="0" anchor="ctr"/>
+          <a:p>
+            <a:pPr algn="ctr"/>
+            <a:endParaRPr/>
+          </a:p>
+        </p:txBody>
+      </p:sp>
+      <p:sp>
+        <p:nvSpPr>
+          <p:cNvPr id="111" name="PlaceHolder 2"/>
+          <p:cNvSpPr>
+            <a:spLocks noGrp="1"/>
+          </p:cNvSpPr>
+          <p:nvPr>
+            <p:ph type="subTitle"/>
+          </p:nvPr>
+        </p:nvSpPr>
+        <p:spPr>
+          <a:xfrm>
+            <a:off x="504000" y="1768680"/>
+            <a:ext cx="9070560" cy="4383000"/>
+          </a:xfrm>
+          <a:prstGeom prst="rect">
+            <a:avLst/>
+          </a:prstGeom>
+        </p:spPr>
+        <p:txBody>
+          <a:bodyPr lIns="0" rIns="0" tIns="0" bIns="0" anchor="ctr"/>
+          <a:p>
+            <a:pPr algn="ctr"/>
+            <a:endParaRPr/>
+          </a:p>
+        </p:txBody>
+      </p:sp>
+    </p:spTree>
+  </p:cSld>
+</p:sldLayout>
+</file>
+
+<file path=ppt/slideLayouts/slideLayout39.xml><?xml version="1.0" encoding="utf-8"?>
+<p:sldLayout xmlns:a="http://schemas.openxmlformats.org/drawingml/2006/main" xmlns:p="http://schemas.openxmlformats.org/presentationml/2006/main" xmlns:r="http://schemas.openxmlformats.org/officeDocument/2006/relationships" type="obj" preserve="1">
+  <p:cSld name="Title, Content">
+    <p:spTree>
+      <p:nvGrpSpPr>
+        <p:cNvPr id="1" name=""/>
+        <p:cNvGrpSpPr/>
+        <p:nvPr/>
+      </p:nvGrpSpPr>
+      <p:grpSpPr>
+        <a:xfrm>
+          <a:off x="0" y="0"/>
+          <a:ext cx="0" cy="0"/>
+          <a:chOff x="0" y="0"/>
+          <a:chExt cx="0" cy="0"/>
+        </a:xfrm>
+      </p:grpSpPr>
+      <p:sp>
+        <p:nvSpPr>
+          <p:cNvPr id="112" name="PlaceHolder 1"/>
+          <p:cNvSpPr>
+            <a:spLocks noGrp="1"/>
+          </p:cNvSpPr>
+          <p:nvPr>
+            <p:ph type="title"/>
+          </p:nvPr>
+        </p:nvSpPr>
+        <p:spPr>
+          <a:xfrm>
+            <a:off x="504000" y="301320"/>
+            <a:ext cx="9070560" cy="1262160"/>
+          </a:xfrm>
+          <a:prstGeom prst="rect">
+            <a:avLst/>
+          </a:prstGeom>
+        </p:spPr>
+        <p:txBody>
+          <a:bodyPr lIns="0" rIns="0" tIns="0" bIns="0" anchor="ctr"/>
+          <a:p>
+            <a:pPr algn="ctr"/>
+            <a:endParaRPr/>
+          </a:p>
+        </p:txBody>
+      </p:sp>
+      <p:sp>
+        <p:nvSpPr>
+          <p:cNvPr id="113" name="PlaceHolder 2"/>
+          <p:cNvSpPr>
+            <a:spLocks noGrp="1"/>
+          </p:cNvSpPr>
+          <p:nvPr>
+            <p:ph type="body"/>
+          </p:nvPr>
+        </p:nvSpPr>
+        <p:spPr>
+          <a:xfrm>
+            <a:off x="504000" y="1768680"/>
+            <a:ext cx="9070560" cy="4382640"/>
+          </a:xfrm>
+          <a:prstGeom prst="rect">
+            <a:avLst/>
+          </a:prstGeom>
+        </p:spPr>
+        <p:txBody>
+          <a:bodyPr lIns="0" rIns="0" tIns="0" bIns="0"/>
+          <a:p>
+            <a:endParaRPr/>
+          </a:p>
+        </p:txBody>
+      </p:sp>
     </p:spTree>
   </p:cSld>
 </p:sldLayout>
@@ -2957,7 +3131,7 @@
         <p:spPr>
           <a:xfrm>
             <a:off x="504000" y="301320"/>
-            <a:ext cx="9070920" cy="1262160"/>
+            <a:ext cx="9070560" cy="1262160"/>
           </a:xfrm>
           <a:prstGeom prst="rect">
             <a:avLst/>
@@ -2984,7 +3158,7 @@
         <p:spPr>
           <a:xfrm>
             <a:off x="504000" y="1768680"/>
-            <a:ext cx="4426560" cy="4383000"/>
+            <a:ext cx="4426200" cy="4382640"/>
           </a:xfrm>
           <a:prstGeom prst="rect">
             <a:avLst/>
@@ -3009,8 +3183,8 @@
         </p:nvSpPr>
         <p:spPr>
           <a:xfrm>
-            <a:off x="5152320" y="1768680"/>
-            <a:ext cx="4426560" cy="4383000"/>
+            <a:off x="5151960" y="1768680"/>
+            <a:ext cx="4426200" cy="4382640"/>
           </a:xfrm>
           <a:prstGeom prst="rect">
             <a:avLst/>
@@ -3023,6 +3197,991 @@
           </a:p>
         </p:txBody>
       </p:sp>
+    </p:spTree>
+  </p:cSld>
+</p:sldLayout>
+</file>
+
+<file path=ppt/slideLayouts/slideLayout40.xml><?xml version="1.0" encoding="utf-8"?>
+<p:sldLayout xmlns:a="http://schemas.openxmlformats.org/drawingml/2006/main" xmlns:p="http://schemas.openxmlformats.org/presentationml/2006/main" xmlns:r="http://schemas.openxmlformats.org/officeDocument/2006/relationships" type="twoObj" preserve="1">
+  <p:cSld name="Title, 2 Content">
+    <p:spTree>
+      <p:nvGrpSpPr>
+        <p:cNvPr id="1" name=""/>
+        <p:cNvGrpSpPr/>
+        <p:nvPr/>
+      </p:nvGrpSpPr>
+      <p:grpSpPr>
+        <a:xfrm>
+          <a:off x="0" y="0"/>
+          <a:ext cx="0" cy="0"/>
+          <a:chOff x="0" y="0"/>
+          <a:chExt cx="0" cy="0"/>
+        </a:xfrm>
+      </p:grpSpPr>
+      <p:sp>
+        <p:nvSpPr>
+          <p:cNvPr id="114" name="PlaceHolder 1"/>
+          <p:cNvSpPr>
+            <a:spLocks noGrp="1"/>
+          </p:cNvSpPr>
+          <p:nvPr>
+            <p:ph type="title"/>
+          </p:nvPr>
+        </p:nvSpPr>
+        <p:spPr>
+          <a:xfrm>
+            <a:off x="504000" y="301320"/>
+            <a:ext cx="9070560" cy="1262160"/>
+          </a:xfrm>
+          <a:prstGeom prst="rect">
+            <a:avLst/>
+          </a:prstGeom>
+        </p:spPr>
+        <p:txBody>
+          <a:bodyPr lIns="0" rIns="0" tIns="0" bIns="0" anchor="ctr"/>
+          <a:p>
+            <a:pPr algn="ctr"/>
+            <a:endParaRPr/>
+          </a:p>
+        </p:txBody>
+      </p:sp>
+      <p:sp>
+        <p:nvSpPr>
+          <p:cNvPr id="115" name="PlaceHolder 2"/>
+          <p:cNvSpPr>
+            <a:spLocks noGrp="1"/>
+          </p:cNvSpPr>
+          <p:nvPr>
+            <p:ph type="body"/>
+          </p:nvPr>
+        </p:nvSpPr>
+        <p:spPr>
+          <a:xfrm>
+            <a:off x="504000" y="1768680"/>
+            <a:ext cx="4426200" cy="4382640"/>
+          </a:xfrm>
+          <a:prstGeom prst="rect">
+            <a:avLst/>
+          </a:prstGeom>
+        </p:spPr>
+        <p:txBody>
+          <a:bodyPr lIns="0" rIns="0" tIns="0" bIns="0"/>
+          <a:p>
+            <a:endParaRPr/>
+          </a:p>
+        </p:txBody>
+      </p:sp>
+      <p:sp>
+        <p:nvSpPr>
+          <p:cNvPr id="116" name="PlaceHolder 3"/>
+          <p:cNvSpPr>
+            <a:spLocks noGrp="1"/>
+          </p:cNvSpPr>
+          <p:nvPr>
+            <p:ph type="body"/>
+          </p:nvPr>
+        </p:nvSpPr>
+        <p:spPr>
+          <a:xfrm>
+            <a:off x="5151960" y="1768680"/>
+            <a:ext cx="4426200" cy="4382640"/>
+          </a:xfrm>
+          <a:prstGeom prst="rect">
+            <a:avLst/>
+          </a:prstGeom>
+        </p:spPr>
+        <p:txBody>
+          <a:bodyPr lIns="0" rIns="0" tIns="0" bIns="0"/>
+          <a:p>
+            <a:endParaRPr/>
+          </a:p>
+        </p:txBody>
+      </p:sp>
+    </p:spTree>
+  </p:cSld>
+</p:sldLayout>
+</file>
+
+<file path=ppt/slideLayouts/slideLayout41.xml><?xml version="1.0" encoding="utf-8"?>
+<p:sldLayout xmlns:a="http://schemas.openxmlformats.org/drawingml/2006/main" xmlns:p="http://schemas.openxmlformats.org/presentationml/2006/main" xmlns:r="http://schemas.openxmlformats.org/officeDocument/2006/relationships" type="titleOnly" preserve="1">
+  <p:cSld name="Title Only">
+    <p:spTree>
+      <p:nvGrpSpPr>
+        <p:cNvPr id="1" name=""/>
+        <p:cNvGrpSpPr/>
+        <p:nvPr/>
+      </p:nvGrpSpPr>
+      <p:grpSpPr>
+        <a:xfrm>
+          <a:off x="0" y="0"/>
+          <a:ext cx="0" cy="0"/>
+          <a:chOff x="0" y="0"/>
+          <a:chExt cx="0" cy="0"/>
+        </a:xfrm>
+      </p:grpSpPr>
+      <p:sp>
+        <p:nvSpPr>
+          <p:cNvPr id="117" name="PlaceHolder 1"/>
+          <p:cNvSpPr>
+            <a:spLocks noGrp="1"/>
+          </p:cNvSpPr>
+          <p:nvPr>
+            <p:ph type="title"/>
+          </p:nvPr>
+        </p:nvSpPr>
+        <p:spPr>
+          <a:xfrm>
+            <a:off x="504000" y="301320"/>
+            <a:ext cx="9070560" cy="1262160"/>
+          </a:xfrm>
+          <a:prstGeom prst="rect">
+            <a:avLst/>
+          </a:prstGeom>
+        </p:spPr>
+        <p:txBody>
+          <a:bodyPr lIns="0" rIns="0" tIns="0" bIns="0" anchor="ctr"/>
+          <a:p>
+            <a:pPr algn="ctr"/>
+            <a:endParaRPr/>
+          </a:p>
+        </p:txBody>
+      </p:sp>
+    </p:spTree>
+  </p:cSld>
+</p:sldLayout>
+</file>
+
+<file path=ppt/slideLayouts/slideLayout42.xml><?xml version="1.0" encoding="utf-8"?>
+<p:sldLayout xmlns:a="http://schemas.openxmlformats.org/drawingml/2006/main" xmlns:p="http://schemas.openxmlformats.org/presentationml/2006/main" xmlns:r="http://schemas.openxmlformats.org/officeDocument/2006/relationships" type="objOnly" preserve="1">
+  <p:cSld name="Centered Text">
+    <p:spTree>
+      <p:nvGrpSpPr>
+        <p:cNvPr id="1" name=""/>
+        <p:cNvGrpSpPr/>
+        <p:nvPr/>
+      </p:nvGrpSpPr>
+      <p:grpSpPr>
+        <a:xfrm>
+          <a:off x="0" y="0"/>
+          <a:ext cx="0" cy="0"/>
+          <a:chOff x="0" y="0"/>
+          <a:chExt cx="0" cy="0"/>
+        </a:xfrm>
+      </p:grpSpPr>
+      <p:sp>
+        <p:nvSpPr>
+          <p:cNvPr id="118" name="PlaceHolder 1"/>
+          <p:cNvSpPr>
+            <a:spLocks noGrp="1"/>
+          </p:cNvSpPr>
+          <p:nvPr>
+            <p:ph type="subTitle"/>
+          </p:nvPr>
+        </p:nvSpPr>
+        <p:spPr>
+          <a:xfrm>
+            <a:off x="504000" y="301320"/>
+            <a:ext cx="9070560" cy="5850720"/>
+          </a:xfrm>
+          <a:prstGeom prst="rect">
+            <a:avLst/>
+          </a:prstGeom>
+        </p:spPr>
+        <p:txBody>
+          <a:bodyPr lIns="0" rIns="0" tIns="0" bIns="0" anchor="ctr"/>
+          <a:p>
+            <a:pPr algn="ctr"/>
+            <a:endParaRPr/>
+          </a:p>
+        </p:txBody>
+      </p:sp>
+    </p:spTree>
+  </p:cSld>
+</p:sldLayout>
+</file>
+
+<file path=ppt/slideLayouts/slideLayout43.xml><?xml version="1.0" encoding="utf-8"?>
+<p:sldLayout xmlns:a="http://schemas.openxmlformats.org/drawingml/2006/main" xmlns:p="http://schemas.openxmlformats.org/presentationml/2006/main" xmlns:r="http://schemas.openxmlformats.org/officeDocument/2006/relationships" type="twoObjAndObj" preserve="1">
+  <p:cSld name="Title, 2 Content and Content">
+    <p:spTree>
+      <p:nvGrpSpPr>
+        <p:cNvPr id="1" name=""/>
+        <p:cNvGrpSpPr/>
+        <p:nvPr/>
+      </p:nvGrpSpPr>
+      <p:grpSpPr>
+        <a:xfrm>
+          <a:off x="0" y="0"/>
+          <a:ext cx="0" cy="0"/>
+          <a:chOff x="0" y="0"/>
+          <a:chExt cx="0" cy="0"/>
+        </a:xfrm>
+      </p:grpSpPr>
+      <p:sp>
+        <p:nvSpPr>
+          <p:cNvPr id="119" name="PlaceHolder 1"/>
+          <p:cNvSpPr>
+            <a:spLocks noGrp="1"/>
+          </p:cNvSpPr>
+          <p:nvPr>
+            <p:ph type="title"/>
+          </p:nvPr>
+        </p:nvSpPr>
+        <p:spPr>
+          <a:xfrm>
+            <a:off x="504000" y="301320"/>
+            <a:ext cx="9070560" cy="1262160"/>
+          </a:xfrm>
+          <a:prstGeom prst="rect">
+            <a:avLst/>
+          </a:prstGeom>
+        </p:spPr>
+        <p:txBody>
+          <a:bodyPr lIns="0" rIns="0" tIns="0" bIns="0" anchor="ctr"/>
+          <a:p>
+            <a:pPr algn="ctr"/>
+            <a:endParaRPr/>
+          </a:p>
+        </p:txBody>
+      </p:sp>
+      <p:sp>
+        <p:nvSpPr>
+          <p:cNvPr id="120" name="PlaceHolder 2"/>
+          <p:cNvSpPr>
+            <a:spLocks noGrp="1"/>
+          </p:cNvSpPr>
+          <p:nvPr>
+            <p:ph type="body"/>
+          </p:nvPr>
+        </p:nvSpPr>
+        <p:spPr>
+          <a:xfrm>
+            <a:off x="504000" y="1768680"/>
+            <a:ext cx="4426200" cy="2090160"/>
+          </a:xfrm>
+          <a:prstGeom prst="rect">
+            <a:avLst/>
+          </a:prstGeom>
+        </p:spPr>
+        <p:txBody>
+          <a:bodyPr lIns="0" rIns="0" tIns="0" bIns="0"/>
+          <a:p>
+            <a:endParaRPr/>
+          </a:p>
+        </p:txBody>
+      </p:sp>
+      <p:sp>
+        <p:nvSpPr>
+          <p:cNvPr id="121" name="PlaceHolder 3"/>
+          <p:cNvSpPr>
+            <a:spLocks noGrp="1"/>
+          </p:cNvSpPr>
+          <p:nvPr>
+            <p:ph type="body"/>
+          </p:nvPr>
+        </p:nvSpPr>
+        <p:spPr>
+          <a:xfrm>
+            <a:off x="504000" y="4057920"/>
+            <a:ext cx="4426200" cy="2090160"/>
+          </a:xfrm>
+          <a:prstGeom prst="rect">
+            <a:avLst/>
+          </a:prstGeom>
+        </p:spPr>
+        <p:txBody>
+          <a:bodyPr lIns="0" rIns="0" tIns="0" bIns="0"/>
+          <a:p>
+            <a:endParaRPr/>
+          </a:p>
+        </p:txBody>
+      </p:sp>
+      <p:sp>
+        <p:nvSpPr>
+          <p:cNvPr id="122" name="PlaceHolder 4"/>
+          <p:cNvSpPr>
+            <a:spLocks noGrp="1"/>
+          </p:cNvSpPr>
+          <p:nvPr>
+            <p:ph type="body"/>
+          </p:nvPr>
+        </p:nvSpPr>
+        <p:spPr>
+          <a:xfrm>
+            <a:off x="5151960" y="1768680"/>
+            <a:ext cx="4426200" cy="4382640"/>
+          </a:xfrm>
+          <a:prstGeom prst="rect">
+            <a:avLst/>
+          </a:prstGeom>
+        </p:spPr>
+        <p:txBody>
+          <a:bodyPr lIns="0" rIns="0" tIns="0" bIns="0"/>
+          <a:p>
+            <a:endParaRPr/>
+          </a:p>
+        </p:txBody>
+      </p:sp>
+    </p:spTree>
+  </p:cSld>
+</p:sldLayout>
+</file>
+
+<file path=ppt/slideLayouts/slideLayout44.xml><?xml version="1.0" encoding="utf-8"?>
+<p:sldLayout xmlns:a="http://schemas.openxmlformats.org/drawingml/2006/main" xmlns:p="http://schemas.openxmlformats.org/presentationml/2006/main" xmlns:r="http://schemas.openxmlformats.org/officeDocument/2006/relationships" type="objAndTwoObj" preserve="1">
+  <p:cSld name="Title Content and 2 Content">
+    <p:spTree>
+      <p:nvGrpSpPr>
+        <p:cNvPr id="1" name=""/>
+        <p:cNvGrpSpPr/>
+        <p:nvPr/>
+      </p:nvGrpSpPr>
+      <p:grpSpPr>
+        <a:xfrm>
+          <a:off x="0" y="0"/>
+          <a:ext cx="0" cy="0"/>
+          <a:chOff x="0" y="0"/>
+          <a:chExt cx="0" cy="0"/>
+        </a:xfrm>
+      </p:grpSpPr>
+      <p:sp>
+        <p:nvSpPr>
+          <p:cNvPr id="123" name="PlaceHolder 1"/>
+          <p:cNvSpPr>
+            <a:spLocks noGrp="1"/>
+          </p:cNvSpPr>
+          <p:nvPr>
+            <p:ph type="title"/>
+          </p:nvPr>
+        </p:nvSpPr>
+        <p:spPr>
+          <a:xfrm>
+            <a:off x="504000" y="301320"/>
+            <a:ext cx="9070560" cy="1262160"/>
+          </a:xfrm>
+          <a:prstGeom prst="rect">
+            <a:avLst/>
+          </a:prstGeom>
+        </p:spPr>
+        <p:txBody>
+          <a:bodyPr lIns="0" rIns="0" tIns="0" bIns="0" anchor="ctr"/>
+          <a:p>
+            <a:pPr algn="ctr"/>
+            <a:endParaRPr/>
+          </a:p>
+        </p:txBody>
+      </p:sp>
+      <p:sp>
+        <p:nvSpPr>
+          <p:cNvPr id="124" name="PlaceHolder 2"/>
+          <p:cNvSpPr>
+            <a:spLocks noGrp="1"/>
+          </p:cNvSpPr>
+          <p:nvPr>
+            <p:ph type="body"/>
+          </p:nvPr>
+        </p:nvSpPr>
+        <p:spPr>
+          <a:xfrm>
+            <a:off x="504000" y="1768680"/>
+            <a:ext cx="4426200" cy="4382640"/>
+          </a:xfrm>
+          <a:prstGeom prst="rect">
+            <a:avLst/>
+          </a:prstGeom>
+        </p:spPr>
+        <p:txBody>
+          <a:bodyPr lIns="0" rIns="0" tIns="0" bIns="0"/>
+          <a:p>
+            <a:endParaRPr/>
+          </a:p>
+        </p:txBody>
+      </p:sp>
+      <p:sp>
+        <p:nvSpPr>
+          <p:cNvPr id="125" name="PlaceHolder 3"/>
+          <p:cNvSpPr>
+            <a:spLocks noGrp="1"/>
+          </p:cNvSpPr>
+          <p:nvPr>
+            <p:ph type="body"/>
+          </p:nvPr>
+        </p:nvSpPr>
+        <p:spPr>
+          <a:xfrm>
+            <a:off x="5151960" y="1768680"/>
+            <a:ext cx="4426200" cy="2090160"/>
+          </a:xfrm>
+          <a:prstGeom prst="rect">
+            <a:avLst/>
+          </a:prstGeom>
+        </p:spPr>
+        <p:txBody>
+          <a:bodyPr lIns="0" rIns="0" tIns="0" bIns="0"/>
+          <a:p>
+            <a:endParaRPr/>
+          </a:p>
+        </p:txBody>
+      </p:sp>
+      <p:sp>
+        <p:nvSpPr>
+          <p:cNvPr id="126" name="PlaceHolder 4"/>
+          <p:cNvSpPr>
+            <a:spLocks noGrp="1"/>
+          </p:cNvSpPr>
+          <p:nvPr>
+            <p:ph type="body"/>
+          </p:nvPr>
+        </p:nvSpPr>
+        <p:spPr>
+          <a:xfrm>
+            <a:off x="5151960" y="4057920"/>
+            <a:ext cx="4426200" cy="2090160"/>
+          </a:xfrm>
+          <a:prstGeom prst="rect">
+            <a:avLst/>
+          </a:prstGeom>
+        </p:spPr>
+        <p:txBody>
+          <a:bodyPr lIns="0" rIns="0" tIns="0" bIns="0"/>
+          <a:p>
+            <a:endParaRPr/>
+          </a:p>
+        </p:txBody>
+      </p:sp>
+    </p:spTree>
+  </p:cSld>
+</p:sldLayout>
+</file>
+
+<file path=ppt/slideLayouts/slideLayout45.xml><?xml version="1.0" encoding="utf-8"?>
+<p:sldLayout xmlns:a="http://schemas.openxmlformats.org/drawingml/2006/main" xmlns:p="http://schemas.openxmlformats.org/presentationml/2006/main" xmlns:r="http://schemas.openxmlformats.org/officeDocument/2006/relationships" type="twoObjOverTx" preserve="1">
+  <p:cSld name="Title, 2 Content over Content">
+    <p:spTree>
+      <p:nvGrpSpPr>
+        <p:cNvPr id="1" name=""/>
+        <p:cNvGrpSpPr/>
+        <p:nvPr/>
+      </p:nvGrpSpPr>
+      <p:grpSpPr>
+        <a:xfrm>
+          <a:off x="0" y="0"/>
+          <a:ext cx="0" cy="0"/>
+          <a:chOff x="0" y="0"/>
+          <a:chExt cx="0" cy="0"/>
+        </a:xfrm>
+      </p:grpSpPr>
+      <p:sp>
+        <p:nvSpPr>
+          <p:cNvPr id="127" name="PlaceHolder 1"/>
+          <p:cNvSpPr>
+            <a:spLocks noGrp="1"/>
+          </p:cNvSpPr>
+          <p:nvPr>
+            <p:ph type="title"/>
+          </p:nvPr>
+        </p:nvSpPr>
+        <p:spPr>
+          <a:xfrm>
+            <a:off x="504000" y="301320"/>
+            <a:ext cx="9070560" cy="1262160"/>
+          </a:xfrm>
+          <a:prstGeom prst="rect">
+            <a:avLst/>
+          </a:prstGeom>
+        </p:spPr>
+        <p:txBody>
+          <a:bodyPr lIns="0" rIns="0" tIns="0" bIns="0" anchor="ctr"/>
+          <a:p>
+            <a:pPr algn="ctr"/>
+            <a:endParaRPr/>
+          </a:p>
+        </p:txBody>
+      </p:sp>
+      <p:sp>
+        <p:nvSpPr>
+          <p:cNvPr id="128" name="PlaceHolder 2"/>
+          <p:cNvSpPr>
+            <a:spLocks noGrp="1"/>
+          </p:cNvSpPr>
+          <p:nvPr>
+            <p:ph type="body"/>
+          </p:nvPr>
+        </p:nvSpPr>
+        <p:spPr>
+          <a:xfrm>
+            <a:off x="504000" y="1768680"/>
+            <a:ext cx="4426200" cy="2090160"/>
+          </a:xfrm>
+          <a:prstGeom prst="rect">
+            <a:avLst/>
+          </a:prstGeom>
+        </p:spPr>
+        <p:txBody>
+          <a:bodyPr lIns="0" rIns="0" tIns="0" bIns="0"/>
+          <a:p>
+            <a:endParaRPr/>
+          </a:p>
+        </p:txBody>
+      </p:sp>
+      <p:sp>
+        <p:nvSpPr>
+          <p:cNvPr id="129" name="PlaceHolder 3"/>
+          <p:cNvSpPr>
+            <a:spLocks noGrp="1"/>
+          </p:cNvSpPr>
+          <p:nvPr>
+            <p:ph type="body"/>
+          </p:nvPr>
+        </p:nvSpPr>
+        <p:spPr>
+          <a:xfrm>
+            <a:off x="5151960" y="1768680"/>
+            <a:ext cx="4426200" cy="2090160"/>
+          </a:xfrm>
+          <a:prstGeom prst="rect">
+            <a:avLst/>
+          </a:prstGeom>
+        </p:spPr>
+        <p:txBody>
+          <a:bodyPr lIns="0" rIns="0" tIns="0" bIns="0"/>
+          <a:p>
+            <a:endParaRPr/>
+          </a:p>
+        </p:txBody>
+      </p:sp>
+      <p:sp>
+        <p:nvSpPr>
+          <p:cNvPr id="130" name="PlaceHolder 4"/>
+          <p:cNvSpPr>
+            <a:spLocks noGrp="1"/>
+          </p:cNvSpPr>
+          <p:nvPr>
+            <p:ph type="body"/>
+          </p:nvPr>
+        </p:nvSpPr>
+        <p:spPr>
+          <a:xfrm>
+            <a:off x="504000" y="4057920"/>
+            <a:ext cx="9070560" cy="2090160"/>
+          </a:xfrm>
+          <a:prstGeom prst="rect">
+            <a:avLst/>
+          </a:prstGeom>
+        </p:spPr>
+        <p:txBody>
+          <a:bodyPr lIns="0" rIns="0" tIns="0" bIns="0"/>
+          <a:p>
+            <a:endParaRPr/>
+          </a:p>
+        </p:txBody>
+      </p:sp>
+    </p:spTree>
+  </p:cSld>
+</p:sldLayout>
+</file>
+
+<file path=ppt/slideLayouts/slideLayout46.xml><?xml version="1.0" encoding="utf-8"?>
+<p:sldLayout xmlns:a="http://schemas.openxmlformats.org/drawingml/2006/main" xmlns:p="http://schemas.openxmlformats.org/presentationml/2006/main" xmlns:r="http://schemas.openxmlformats.org/officeDocument/2006/relationships" type="objOverTx" preserve="1">
+  <p:cSld name="Title, Content over Content">
+    <p:spTree>
+      <p:nvGrpSpPr>
+        <p:cNvPr id="1" name=""/>
+        <p:cNvGrpSpPr/>
+        <p:nvPr/>
+      </p:nvGrpSpPr>
+      <p:grpSpPr>
+        <a:xfrm>
+          <a:off x="0" y="0"/>
+          <a:ext cx="0" cy="0"/>
+          <a:chOff x="0" y="0"/>
+          <a:chExt cx="0" cy="0"/>
+        </a:xfrm>
+      </p:grpSpPr>
+      <p:sp>
+        <p:nvSpPr>
+          <p:cNvPr id="131" name="PlaceHolder 1"/>
+          <p:cNvSpPr>
+            <a:spLocks noGrp="1"/>
+          </p:cNvSpPr>
+          <p:nvPr>
+            <p:ph type="title"/>
+          </p:nvPr>
+        </p:nvSpPr>
+        <p:spPr>
+          <a:xfrm>
+            <a:off x="504000" y="301320"/>
+            <a:ext cx="9070560" cy="1262160"/>
+          </a:xfrm>
+          <a:prstGeom prst="rect">
+            <a:avLst/>
+          </a:prstGeom>
+        </p:spPr>
+        <p:txBody>
+          <a:bodyPr lIns="0" rIns="0" tIns="0" bIns="0" anchor="ctr"/>
+          <a:p>
+            <a:pPr algn="ctr"/>
+            <a:endParaRPr/>
+          </a:p>
+        </p:txBody>
+      </p:sp>
+      <p:sp>
+        <p:nvSpPr>
+          <p:cNvPr id="132" name="PlaceHolder 2"/>
+          <p:cNvSpPr>
+            <a:spLocks noGrp="1"/>
+          </p:cNvSpPr>
+          <p:nvPr>
+            <p:ph type="body"/>
+          </p:nvPr>
+        </p:nvSpPr>
+        <p:spPr>
+          <a:xfrm>
+            <a:off x="504000" y="1768680"/>
+            <a:ext cx="9070560" cy="2090160"/>
+          </a:xfrm>
+          <a:prstGeom prst="rect">
+            <a:avLst/>
+          </a:prstGeom>
+        </p:spPr>
+        <p:txBody>
+          <a:bodyPr lIns="0" rIns="0" tIns="0" bIns="0"/>
+          <a:p>
+            <a:endParaRPr/>
+          </a:p>
+        </p:txBody>
+      </p:sp>
+      <p:sp>
+        <p:nvSpPr>
+          <p:cNvPr id="133" name="PlaceHolder 3"/>
+          <p:cNvSpPr>
+            <a:spLocks noGrp="1"/>
+          </p:cNvSpPr>
+          <p:nvPr>
+            <p:ph type="body"/>
+          </p:nvPr>
+        </p:nvSpPr>
+        <p:spPr>
+          <a:xfrm>
+            <a:off x="504000" y="4057920"/>
+            <a:ext cx="9070560" cy="2090160"/>
+          </a:xfrm>
+          <a:prstGeom prst="rect">
+            <a:avLst/>
+          </a:prstGeom>
+        </p:spPr>
+        <p:txBody>
+          <a:bodyPr lIns="0" rIns="0" tIns="0" bIns="0"/>
+          <a:p>
+            <a:endParaRPr/>
+          </a:p>
+        </p:txBody>
+      </p:sp>
+    </p:spTree>
+  </p:cSld>
+</p:sldLayout>
+</file>
+
+<file path=ppt/slideLayouts/slideLayout47.xml><?xml version="1.0" encoding="utf-8"?>
+<p:sldLayout xmlns:a="http://schemas.openxmlformats.org/drawingml/2006/main" xmlns:p="http://schemas.openxmlformats.org/presentationml/2006/main" xmlns:r="http://schemas.openxmlformats.org/officeDocument/2006/relationships" type="fourObj" preserve="1">
+  <p:cSld name="Title, 4 Content">
+    <p:spTree>
+      <p:nvGrpSpPr>
+        <p:cNvPr id="1" name=""/>
+        <p:cNvGrpSpPr/>
+        <p:nvPr/>
+      </p:nvGrpSpPr>
+      <p:grpSpPr>
+        <a:xfrm>
+          <a:off x="0" y="0"/>
+          <a:ext cx="0" cy="0"/>
+          <a:chOff x="0" y="0"/>
+          <a:chExt cx="0" cy="0"/>
+        </a:xfrm>
+      </p:grpSpPr>
+      <p:sp>
+        <p:nvSpPr>
+          <p:cNvPr id="134" name="PlaceHolder 1"/>
+          <p:cNvSpPr>
+            <a:spLocks noGrp="1"/>
+          </p:cNvSpPr>
+          <p:nvPr>
+            <p:ph type="title"/>
+          </p:nvPr>
+        </p:nvSpPr>
+        <p:spPr>
+          <a:xfrm>
+            <a:off x="504000" y="301320"/>
+            <a:ext cx="9070560" cy="1262160"/>
+          </a:xfrm>
+          <a:prstGeom prst="rect">
+            <a:avLst/>
+          </a:prstGeom>
+        </p:spPr>
+        <p:txBody>
+          <a:bodyPr lIns="0" rIns="0" tIns="0" bIns="0" anchor="ctr"/>
+          <a:p>
+            <a:pPr algn="ctr"/>
+            <a:endParaRPr/>
+          </a:p>
+        </p:txBody>
+      </p:sp>
+      <p:sp>
+        <p:nvSpPr>
+          <p:cNvPr id="135" name="PlaceHolder 2"/>
+          <p:cNvSpPr>
+            <a:spLocks noGrp="1"/>
+          </p:cNvSpPr>
+          <p:nvPr>
+            <p:ph type="body"/>
+          </p:nvPr>
+        </p:nvSpPr>
+        <p:spPr>
+          <a:xfrm>
+            <a:off x="504000" y="1768680"/>
+            <a:ext cx="4426200" cy="2090160"/>
+          </a:xfrm>
+          <a:prstGeom prst="rect">
+            <a:avLst/>
+          </a:prstGeom>
+        </p:spPr>
+        <p:txBody>
+          <a:bodyPr lIns="0" rIns="0" tIns="0" bIns="0"/>
+          <a:p>
+            <a:endParaRPr/>
+          </a:p>
+        </p:txBody>
+      </p:sp>
+      <p:sp>
+        <p:nvSpPr>
+          <p:cNvPr id="136" name="PlaceHolder 3"/>
+          <p:cNvSpPr>
+            <a:spLocks noGrp="1"/>
+          </p:cNvSpPr>
+          <p:nvPr>
+            <p:ph type="body"/>
+          </p:nvPr>
+        </p:nvSpPr>
+        <p:spPr>
+          <a:xfrm>
+            <a:off x="5151960" y="1768680"/>
+            <a:ext cx="4426200" cy="2090160"/>
+          </a:xfrm>
+          <a:prstGeom prst="rect">
+            <a:avLst/>
+          </a:prstGeom>
+        </p:spPr>
+        <p:txBody>
+          <a:bodyPr lIns="0" rIns="0" tIns="0" bIns="0"/>
+          <a:p>
+            <a:endParaRPr/>
+          </a:p>
+        </p:txBody>
+      </p:sp>
+      <p:sp>
+        <p:nvSpPr>
+          <p:cNvPr id="137" name="PlaceHolder 4"/>
+          <p:cNvSpPr>
+            <a:spLocks noGrp="1"/>
+          </p:cNvSpPr>
+          <p:nvPr>
+            <p:ph type="body"/>
+          </p:nvPr>
+        </p:nvSpPr>
+        <p:spPr>
+          <a:xfrm>
+            <a:off x="5151960" y="4057920"/>
+            <a:ext cx="4426200" cy="2090160"/>
+          </a:xfrm>
+          <a:prstGeom prst="rect">
+            <a:avLst/>
+          </a:prstGeom>
+        </p:spPr>
+        <p:txBody>
+          <a:bodyPr lIns="0" rIns="0" tIns="0" bIns="0"/>
+          <a:p>
+            <a:endParaRPr/>
+          </a:p>
+        </p:txBody>
+      </p:sp>
+      <p:sp>
+        <p:nvSpPr>
+          <p:cNvPr id="138" name="PlaceHolder 5"/>
+          <p:cNvSpPr>
+            <a:spLocks noGrp="1"/>
+          </p:cNvSpPr>
+          <p:nvPr>
+            <p:ph type="body"/>
+          </p:nvPr>
+        </p:nvSpPr>
+        <p:spPr>
+          <a:xfrm>
+            <a:off x="504000" y="4057920"/>
+            <a:ext cx="4426200" cy="2090160"/>
+          </a:xfrm>
+          <a:prstGeom prst="rect">
+            <a:avLst/>
+          </a:prstGeom>
+        </p:spPr>
+        <p:txBody>
+          <a:bodyPr lIns="0" rIns="0" tIns="0" bIns="0"/>
+          <a:p>
+            <a:endParaRPr/>
+          </a:p>
+        </p:txBody>
+      </p:sp>
+    </p:spTree>
+  </p:cSld>
+</p:sldLayout>
+</file>
+
+<file path=ppt/slideLayouts/slideLayout48.xml><?xml version="1.0" encoding="utf-8"?>
+<p:sldLayout xmlns:a="http://schemas.openxmlformats.org/drawingml/2006/main" xmlns:p="http://schemas.openxmlformats.org/presentationml/2006/main" xmlns:r="http://schemas.openxmlformats.org/officeDocument/2006/relationships" type="blank" preserve="1">
+  <p:cSld name="Title, 6 Content">
+    <p:spTree>
+      <p:nvGrpSpPr>
+        <p:cNvPr id="1" name=""/>
+        <p:cNvGrpSpPr/>
+        <p:nvPr/>
+      </p:nvGrpSpPr>
+      <p:grpSpPr>
+        <a:xfrm>
+          <a:off x="0" y="0"/>
+          <a:ext cx="0" cy="0"/>
+          <a:chOff x="0" y="0"/>
+          <a:chExt cx="0" cy="0"/>
+        </a:xfrm>
+      </p:grpSpPr>
+      <p:sp>
+        <p:nvSpPr>
+          <p:cNvPr id="139" name="PlaceHolder 1"/>
+          <p:cNvSpPr>
+            <a:spLocks noGrp="1"/>
+          </p:cNvSpPr>
+          <p:nvPr>
+            <p:ph type="title"/>
+          </p:nvPr>
+        </p:nvSpPr>
+        <p:spPr>
+          <a:xfrm>
+            <a:off x="504000" y="301320"/>
+            <a:ext cx="9070560" cy="1262160"/>
+          </a:xfrm>
+          <a:prstGeom prst="rect">
+            <a:avLst/>
+          </a:prstGeom>
+        </p:spPr>
+        <p:txBody>
+          <a:bodyPr lIns="0" rIns="0" tIns="0" bIns="0" anchor="ctr"/>
+          <a:p>
+            <a:pPr algn="ctr"/>
+            <a:endParaRPr/>
+          </a:p>
+        </p:txBody>
+      </p:sp>
+      <p:sp>
+        <p:nvSpPr>
+          <p:cNvPr id="140" name="PlaceHolder 2"/>
+          <p:cNvSpPr>
+            <a:spLocks noGrp="1"/>
+          </p:cNvSpPr>
+          <p:nvPr>
+            <p:ph type="body"/>
+          </p:nvPr>
+        </p:nvSpPr>
+        <p:spPr>
+          <a:xfrm>
+            <a:off x="504000" y="1768680"/>
+            <a:ext cx="9070560" cy="4382640"/>
+          </a:xfrm>
+          <a:prstGeom prst="rect">
+            <a:avLst/>
+          </a:prstGeom>
+        </p:spPr>
+        <p:txBody>
+          <a:bodyPr lIns="0" rIns="0" tIns="0" bIns="0"/>
+          <a:p>
+            <a:endParaRPr/>
+          </a:p>
+        </p:txBody>
+      </p:sp>
+      <p:sp>
+        <p:nvSpPr>
+          <p:cNvPr id="141" name="PlaceHolder 3"/>
+          <p:cNvSpPr>
+            <a:spLocks noGrp="1"/>
+          </p:cNvSpPr>
+          <p:nvPr>
+            <p:ph type="body"/>
+          </p:nvPr>
+        </p:nvSpPr>
+        <p:spPr>
+          <a:xfrm>
+            <a:off x="504000" y="1768680"/>
+            <a:ext cx="9070560" cy="4382640"/>
+          </a:xfrm>
+          <a:prstGeom prst="rect">
+            <a:avLst/>
+          </a:prstGeom>
+        </p:spPr>
+        <p:txBody>
+          <a:bodyPr lIns="0" rIns="0" tIns="0" bIns="0"/>
+          <a:p>
+            <a:endParaRPr/>
+          </a:p>
+        </p:txBody>
+      </p:sp>
+      <p:pic>
+        <p:nvPicPr>
+          <p:cNvPr id="142" name="" descr=""/>
+          <p:cNvPicPr/>
+          <p:nvPr/>
+        </p:nvPicPr>
+        <p:blipFill>
+          <a:blip r:embed="rId2"/>
+          <a:stretch>
+            <a:fillRect/>
+          </a:stretch>
+        </p:blipFill>
+        <p:spPr>
+          <a:xfrm>
+            <a:off x="2292840" y="1768680"/>
+            <a:ext cx="5492880" cy="4382640"/>
+          </a:xfrm>
+          <a:prstGeom prst="rect">
+            <a:avLst/>
+          </a:prstGeom>
+          <a:ln>
+            <a:noFill/>
+          </a:ln>
+        </p:spPr>
+      </p:pic>
+      <p:pic>
+        <p:nvPicPr>
+          <p:cNvPr id="143" name="" descr=""/>
+          <p:cNvPicPr/>
+          <p:nvPr/>
+        </p:nvPicPr>
+        <p:blipFill>
+          <a:blip r:embed="rId3"/>
+          <a:stretch>
+            <a:fillRect/>
+          </a:stretch>
+        </p:blipFill>
+        <p:spPr>
+          <a:xfrm>
+            <a:off x="2292840" y="1768680"/>
+            <a:ext cx="5492880" cy="4382640"/>
+          </a:xfrm>
+          <a:prstGeom prst="rect">
+            <a:avLst/>
+          </a:prstGeom>
+          <a:ln>
+            <a:noFill/>
+          </a:ln>
+        </p:spPr>
+      </p:pic>
     </p:spTree>
   </p:cSld>
 </p:sldLayout>
@@ -3058,7 +4217,7 @@
         <p:spPr>
           <a:xfrm>
             <a:off x="504000" y="301320"/>
-            <a:ext cx="9070920" cy="1262160"/>
+            <a:ext cx="9070560" cy="1262160"/>
           </a:xfrm>
           <a:prstGeom prst="rect">
             <a:avLst/>
@@ -3107,7 +4266,7 @@
         <p:spPr>
           <a:xfrm>
             <a:off x="504000" y="301320"/>
-            <a:ext cx="9070920" cy="5850720"/>
+            <a:ext cx="9070560" cy="5850720"/>
           </a:xfrm>
           <a:prstGeom prst="rect">
             <a:avLst/>
@@ -3156,7 +4315,7 @@
         <p:spPr>
           <a:xfrm>
             <a:off x="504000" y="301320"/>
-            <a:ext cx="9070920" cy="1262160"/>
+            <a:ext cx="9070560" cy="1262160"/>
           </a:xfrm>
           <a:prstGeom prst="rect">
             <a:avLst/>
@@ -3183,7 +4342,7 @@
         <p:spPr>
           <a:xfrm>
             <a:off x="504000" y="1768680"/>
-            <a:ext cx="4426560" cy="2090520"/>
+            <a:ext cx="4426200" cy="2090160"/>
           </a:xfrm>
           <a:prstGeom prst="rect">
             <a:avLst/>
@@ -3208,8 +4367,8 @@
         </p:nvSpPr>
         <p:spPr>
           <a:xfrm>
-            <a:off x="504000" y="4058280"/>
-            <a:ext cx="4426560" cy="2090520"/>
+            <a:off x="504000" y="4057920"/>
+            <a:ext cx="4426200" cy="2090160"/>
           </a:xfrm>
           <a:prstGeom prst="rect">
             <a:avLst/>
@@ -3234,8 +4393,8 @@
         </p:nvSpPr>
         <p:spPr>
           <a:xfrm>
-            <a:off x="5152320" y="1768680"/>
-            <a:ext cx="4426560" cy="4383000"/>
+            <a:off x="5151960" y="1768680"/>
+            <a:ext cx="4426200" cy="4382640"/>
           </a:xfrm>
           <a:prstGeom prst="rect">
             <a:avLst/>
@@ -3283,7 +4442,7 @@
         <p:spPr>
           <a:xfrm>
             <a:off x="504000" y="301320"/>
-            <a:ext cx="9070920" cy="1262160"/>
+            <a:ext cx="9070560" cy="1262160"/>
           </a:xfrm>
           <a:prstGeom prst="rect">
             <a:avLst/>
@@ -3310,7 +4469,7 @@
         <p:spPr>
           <a:xfrm>
             <a:off x="504000" y="1768680"/>
-            <a:ext cx="4426560" cy="4383000"/>
+            <a:ext cx="4426200" cy="4382640"/>
           </a:xfrm>
           <a:prstGeom prst="rect">
             <a:avLst/>
@@ -3335,8 +4494,8 @@
         </p:nvSpPr>
         <p:spPr>
           <a:xfrm>
-            <a:off x="5152320" y="1768680"/>
-            <a:ext cx="4426560" cy="2090520"/>
+            <a:off x="5151960" y="1768680"/>
+            <a:ext cx="4426200" cy="2090160"/>
           </a:xfrm>
           <a:prstGeom prst="rect">
             <a:avLst/>
@@ -3361,8 +4520,8 @@
         </p:nvSpPr>
         <p:spPr>
           <a:xfrm>
-            <a:off x="5152320" y="4058280"/>
-            <a:ext cx="4426560" cy="2090520"/>
+            <a:off x="5151960" y="4057920"/>
+            <a:ext cx="4426200" cy="2090160"/>
           </a:xfrm>
           <a:prstGeom prst="rect">
             <a:avLst/>
@@ -3410,7 +4569,7 @@
         <p:spPr>
           <a:xfrm>
             <a:off x="504000" y="301320"/>
-            <a:ext cx="9070920" cy="1262160"/>
+            <a:ext cx="9070560" cy="1262160"/>
           </a:xfrm>
           <a:prstGeom prst="rect">
             <a:avLst/>
@@ -3437,7 +4596,7 @@
         <p:spPr>
           <a:xfrm>
             <a:off x="504000" y="1768680"/>
-            <a:ext cx="4426560" cy="2090520"/>
+            <a:ext cx="4426200" cy="2090160"/>
           </a:xfrm>
           <a:prstGeom prst="rect">
             <a:avLst/>
@@ -3462,8 +4621,8 @@
         </p:nvSpPr>
         <p:spPr>
           <a:xfrm>
-            <a:off x="5152320" y="1768680"/>
-            <a:ext cx="4426560" cy="2090520"/>
+            <a:off x="5151960" y="1768680"/>
+            <a:ext cx="4426200" cy="2090160"/>
           </a:xfrm>
           <a:prstGeom prst="rect">
             <a:avLst/>
@@ -3488,8 +4647,8 @@
         </p:nvSpPr>
         <p:spPr>
           <a:xfrm>
-            <a:off x="504000" y="4058280"/>
-            <a:ext cx="9070920" cy="2090520"/>
+            <a:off x="504000" y="4057920"/>
+            <a:ext cx="9070560" cy="2090160"/>
           </a:xfrm>
           <a:prstGeom prst="rect">
             <a:avLst/>
@@ -3919,7 +5078,7 @@
         <p:spPr>
           <a:xfrm>
             <a:off x="504000" y="301320"/>
-            <a:ext cx="9070920" cy="1261800"/>
+            <a:ext cx="9072000" cy="1261800"/>
           </a:xfrm>
           <a:prstGeom prst="rect">
             <a:avLst/>
@@ -3928,8 +5087,9 @@
         <p:txBody>
           <a:bodyPr lIns="0" rIns="0" tIns="0" bIns="0" anchor="ctr"/>
           <a:p>
-            <a:r>
-              <a:rPr lang="en-US">
+            <a:pPr algn="ctr"/>
+            <a:r>
+              <a:rPr lang="en-US" sz="4400">
                 <a:latin typeface="Arial"/>
               </a:rPr>
               <a:t>单击鼠标编辑标题文字格式</a:t>
@@ -3951,7 +5111,7 @@
         <p:spPr>
           <a:xfrm>
             <a:off x="504000" y="1768680"/>
-            <a:ext cx="9070920" cy="4383000"/>
+            <a:ext cx="9072000" cy="4384080"/>
           </a:xfrm>
           <a:prstGeom prst="rect">
             <a:avLst/>
@@ -3966,7 +5126,7 @@
               <a:buChar char=""/>
             </a:pPr>
             <a:r>
-              <a:rPr lang="en-US">
+              <a:rPr lang="en-US" sz="3200">
                 <a:latin typeface="Arial"/>
               </a:rPr>
               <a:t>单击鼠标编辑大纲文字格式</a:t>
@@ -3980,7 +5140,7 @@
               <a:buChar char=""/>
             </a:pPr>
             <a:r>
-              <a:rPr lang="en-US">
+              <a:rPr lang="en-US" sz="2800">
                 <a:latin typeface="Arial"/>
               </a:rPr>
               <a:t>第二个大纲级</a:t>
@@ -3994,7 +5154,7 @@
               <a:buChar char=""/>
             </a:pPr>
             <a:r>
-              <a:rPr lang="en-US">
+              <a:rPr lang="en-US" sz="2400">
                 <a:latin typeface="Arial"/>
               </a:rPr>
               <a:t>第三大纲级别</a:t>
@@ -4008,7 +5168,7 @@
               <a:buChar char=""/>
             </a:pPr>
             <a:r>
-              <a:rPr lang="en-US">
+              <a:rPr lang="en-US" sz="2000">
                 <a:latin typeface="Arial"/>
               </a:rPr>
               <a:t>第四大纲级别</a:t>
@@ -4022,7 +5182,7 @@
               <a:buChar char=""/>
             </a:pPr>
             <a:r>
-              <a:rPr lang="en-US">
+              <a:rPr lang="en-US" sz="2000">
                 <a:latin typeface="Arial"/>
               </a:rPr>
               <a:t>第五大纲级别</a:t>
@@ -4036,7 +5196,7 @@
               <a:buChar char=""/>
             </a:pPr>
             <a:r>
-              <a:rPr lang="en-US">
+              <a:rPr lang="en-US" sz="2000">
                 <a:latin typeface="Arial"/>
               </a:rPr>
               <a:t>第六大纲级别</a:t>
@@ -4050,7 +5210,7 @@
               <a:buChar char=""/>
             </a:pPr>
             <a:r>
-              <a:rPr lang="en-US">
+              <a:rPr lang="en-US" sz="2000">
                 <a:latin typeface="Arial"/>
               </a:rPr>
               <a:t>第七大纲级别</a:t>
@@ -4075,6 +5235,196 @@
     <p:sldLayoutId id="2147483684" r:id="rId11"/>
     <p:sldLayoutId id="2147483685" r:id="rId12"/>
     <p:sldLayoutId id="2147483686" r:id="rId13"/>
+  </p:sldLayoutIdLst>
+</p:sldMaster>
+</file>
+
+<file path=ppt/slideMasters/slideMaster4.xml><?xml version="1.0" encoding="utf-8"?>
+<p:sldMaster xmlns:a="http://schemas.openxmlformats.org/drawingml/2006/main" xmlns:p="http://schemas.openxmlformats.org/presentationml/2006/main" xmlns:r="http://schemas.openxmlformats.org/officeDocument/2006/relationships">
+  <p:cSld>
+    <p:spTree>
+      <p:nvGrpSpPr>
+        <p:cNvPr id="1" name=""/>
+        <p:cNvGrpSpPr/>
+        <p:nvPr/>
+      </p:nvGrpSpPr>
+      <p:grpSpPr>
+        <a:xfrm>
+          <a:off x="0" y="0"/>
+          <a:ext cx="0" cy="0"/>
+          <a:chOff x="0" y="0"/>
+          <a:chExt cx="0" cy="0"/>
+        </a:xfrm>
+      </p:grpSpPr>
+      <p:sp>
+        <p:nvSpPr>
+          <p:cNvPr id="108" name="PlaceHolder 1"/>
+          <p:cNvSpPr>
+            <a:spLocks noGrp="1"/>
+          </p:cNvSpPr>
+          <p:nvPr>
+            <p:ph type="title"/>
+          </p:nvPr>
+        </p:nvSpPr>
+        <p:spPr>
+          <a:xfrm>
+            <a:off x="504000" y="301320"/>
+            <a:ext cx="9070560" cy="1261800"/>
+          </a:xfrm>
+          <a:prstGeom prst="rect">
+            <a:avLst/>
+          </a:prstGeom>
+        </p:spPr>
+        <p:txBody>
+          <a:bodyPr lIns="0" rIns="0" tIns="0" bIns="0" anchor="ctr"/>
+          <a:p>
+            <a:r>
+              <a:rPr lang="en-US">
+                <a:latin typeface="Arial"/>
+              </a:rPr>
+              <a:t>单击鼠标编辑标题文字格式</a:t>
+            </a:r>
+            <a:endParaRPr/>
+          </a:p>
+        </p:txBody>
+      </p:sp>
+      <p:sp>
+        <p:nvSpPr>
+          <p:cNvPr id="109" name="PlaceHolder 2"/>
+          <p:cNvSpPr>
+            <a:spLocks noGrp="1"/>
+          </p:cNvSpPr>
+          <p:nvPr>
+            <p:ph type="body"/>
+          </p:nvPr>
+        </p:nvSpPr>
+        <p:spPr>
+          <a:xfrm>
+            <a:off x="504000" y="1768680"/>
+            <a:ext cx="9070560" cy="4382640"/>
+          </a:xfrm>
+          <a:prstGeom prst="rect">
+            <a:avLst/>
+          </a:prstGeom>
+        </p:spPr>
+        <p:txBody>
+          <a:bodyPr lIns="0" rIns="0" tIns="0" bIns="0"/>
+          <a:p>
+            <a:pPr>
+              <a:buSzPct val="45000"/>
+              <a:buFont typeface="StarSymbol"/>
+              <a:buChar char=""/>
+            </a:pPr>
+            <a:r>
+              <a:rPr lang="en-US">
+                <a:latin typeface="Arial"/>
+              </a:rPr>
+              <a:t>单击鼠标编辑大纲文字格式</a:t>
+            </a:r>
+            <a:endParaRPr/>
+          </a:p>
+          <a:p>
+            <a:pPr lvl="1">
+              <a:buSzPct val="75000"/>
+              <a:buFont typeface="StarSymbol"/>
+              <a:buChar char=""/>
+            </a:pPr>
+            <a:r>
+              <a:rPr lang="en-US">
+                <a:latin typeface="Arial"/>
+              </a:rPr>
+              <a:t>第二个大纲级</a:t>
+            </a:r>
+            <a:endParaRPr/>
+          </a:p>
+          <a:p>
+            <a:pPr lvl="2">
+              <a:buSzPct val="45000"/>
+              <a:buFont typeface="StarSymbol"/>
+              <a:buChar char=""/>
+            </a:pPr>
+            <a:r>
+              <a:rPr lang="en-US">
+                <a:latin typeface="Arial"/>
+              </a:rPr>
+              <a:t>第三大纲级别</a:t>
+            </a:r>
+            <a:endParaRPr/>
+          </a:p>
+          <a:p>
+            <a:pPr lvl="3">
+              <a:buSzPct val="75000"/>
+              <a:buFont typeface="StarSymbol"/>
+              <a:buChar char=""/>
+            </a:pPr>
+            <a:r>
+              <a:rPr lang="en-US">
+                <a:latin typeface="Arial"/>
+              </a:rPr>
+              <a:t>第四大纲级别</a:t>
+            </a:r>
+            <a:endParaRPr/>
+          </a:p>
+          <a:p>
+            <a:pPr lvl="4">
+              <a:buSzPct val="45000"/>
+              <a:buFont typeface="StarSymbol"/>
+              <a:buChar char=""/>
+            </a:pPr>
+            <a:r>
+              <a:rPr lang="en-US">
+                <a:latin typeface="Arial"/>
+              </a:rPr>
+              <a:t>第五大纲级别</a:t>
+            </a:r>
+            <a:endParaRPr/>
+          </a:p>
+          <a:p>
+            <a:pPr lvl="5">
+              <a:buSzPct val="45000"/>
+              <a:buFont typeface="StarSymbol"/>
+              <a:buChar char=""/>
+            </a:pPr>
+            <a:r>
+              <a:rPr lang="en-US">
+                <a:latin typeface="Arial"/>
+              </a:rPr>
+              <a:t>第六大纲级别</a:t>
+            </a:r>
+            <a:endParaRPr/>
+          </a:p>
+          <a:p>
+            <a:pPr lvl="6">
+              <a:buSzPct val="45000"/>
+              <a:buFont typeface="StarSymbol"/>
+              <a:buChar char=""/>
+            </a:pPr>
+            <a:r>
+              <a:rPr lang="en-US">
+                <a:latin typeface="Arial"/>
+              </a:rPr>
+              <a:t>第七大纲级别</a:t>
+            </a:r>
+            <a:endParaRPr/>
+          </a:p>
+        </p:txBody>
+      </p:sp>
+    </p:spTree>
+  </p:cSld>
+  <p:clrMap bg1="lt1" bg2="lt2" tx1="dk1" tx2="dk2" accent1="accent1" accent2="accent2" accent3="accent3" accent4="accent4" accent5="accent5" accent6="accent6" hlink="hlink" folHlink="folHlink"/>
+  <p:sldLayoutIdLst>
+    <p:sldLayoutId id="2147483688" r:id="rId2"/>
+    <p:sldLayoutId id="2147483689" r:id="rId3"/>
+    <p:sldLayoutId id="2147483690" r:id="rId4"/>
+    <p:sldLayoutId id="2147483691" r:id="rId5"/>
+    <p:sldLayoutId id="2147483692" r:id="rId6"/>
+    <p:sldLayoutId id="2147483693" r:id="rId7"/>
+    <p:sldLayoutId id="2147483694" r:id="rId8"/>
+    <p:sldLayoutId id="2147483695" r:id="rId9"/>
+    <p:sldLayoutId id="2147483696" r:id="rId10"/>
+    <p:sldLayoutId id="2147483697" r:id="rId11"/>
+    <p:sldLayoutId id="2147483698" r:id="rId12"/>
+    <p:sldLayoutId id="2147483699" r:id="rId13"/>
   </p:sldLayoutIdLst>
 </p:sldMaster>
 </file>
@@ -4098,14 +5448,14 @@
       </p:grpSpPr>
       <p:sp>
         <p:nvSpPr>
-          <p:cNvPr id="108" name="CustomShape 1"/>
+          <p:cNvPr id="144" name="CustomShape 1"/>
           <p:cNvSpPr/>
           <p:nvPr/>
         </p:nvSpPr>
         <p:spPr>
           <a:xfrm>
             <a:off x="504000" y="301320"/>
-            <a:ext cx="9070920" cy="1260720"/>
+            <a:ext cx="9070560" cy="1260360"/>
           </a:xfrm>
           <a:prstGeom prst="rect">
             <a:avLst/>
@@ -4135,14 +5485,14 @@
       </p:sp>
       <p:sp>
         <p:nvSpPr>
-          <p:cNvPr id="109" name="CustomShape 2"/>
+          <p:cNvPr id="145" name="CustomShape 2"/>
           <p:cNvSpPr/>
           <p:nvPr/>
         </p:nvSpPr>
         <p:spPr>
           <a:xfrm>
             <a:off x="504000" y="1768680"/>
-            <a:ext cx="9070920" cy="4383000"/>
+            <a:ext cx="9070560" cy="4382640"/>
           </a:xfrm>
           <a:prstGeom prst="rect">
             <a:avLst/>
@@ -4207,7 +5557,7 @@
               <a:rPr lang="en-US" sz="3200">
                 <a:latin typeface="Arial"/>
               </a:rPr>
-              <a:t>建不可变：数字，字符串，元祖</a:t>
+              <a:t>键不可变：数字，字符串，元祖</a:t>
             </a:r>
             <a:endParaRPr/>
           </a:p>
@@ -4281,14 +5631,14 @@
       </p:grpSpPr>
       <p:sp>
         <p:nvSpPr>
-          <p:cNvPr id="126" name="CustomShape 1"/>
+          <p:cNvPr id="162" name="CustomShape 1"/>
           <p:cNvSpPr/>
           <p:nvPr/>
         </p:nvSpPr>
         <p:spPr>
           <a:xfrm>
             <a:off x="504000" y="301320"/>
-            <a:ext cx="9070920" cy="1261080"/>
+            <a:ext cx="9070560" cy="1260720"/>
           </a:xfrm>
           <a:prstGeom prst="rect">
             <a:avLst/>
@@ -4310,22 +5660,22 @@
               <a:rPr lang="en-US" sz="4400">
                 <a:latin typeface="Arial"/>
               </a:rPr>
-              <a:t>添加执行</a:t>
-            </a:r>
-            <a:endParaRPr/>
-          </a:p>
-        </p:txBody>
-      </p:sp>
-      <p:sp>
-        <p:nvSpPr>
-          <p:cNvPr id="127" name="CustomShape 2"/>
+              <a:t>条件执行</a:t>
+            </a:r>
+            <a:endParaRPr/>
+          </a:p>
+        </p:txBody>
+      </p:sp>
+      <p:sp>
+        <p:nvSpPr>
+          <p:cNvPr id="163" name="CustomShape 2"/>
           <p:cNvSpPr/>
           <p:nvPr/>
         </p:nvSpPr>
         <p:spPr>
           <a:xfrm>
             <a:off x="504000" y="1768680"/>
-            <a:ext cx="9070920" cy="4383000"/>
+            <a:ext cx="9070560" cy="4382640"/>
           </a:xfrm>
           <a:prstGeom prst="rect">
             <a:avLst/>
@@ -4470,14 +5820,14 @@
       </p:grpSpPr>
       <p:sp>
         <p:nvSpPr>
-          <p:cNvPr id="128" name="CustomShape 1"/>
+          <p:cNvPr id="164" name="CustomShape 1"/>
           <p:cNvSpPr/>
           <p:nvPr/>
         </p:nvSpPr>
         <p:spPr>
           <a:xfrm>
             <a:off x="504000" y="301320"/>
-            <a:ext cx="9070920" cy="1261080"/>
+            <a:ext cx="9070560" cy="1260720"/>
           </a:xfrm>
           <a:prstGeom prst="rect">
             <a:avLst/>
@@ -4499,22 +5849,22 @@
               <a:rPr lang="en-US" sz="4400">
                 <a:latin typeface="Arial"/>
               </a:rPr>
-              <a:t>添加执行</a:t>
-            </a:r>
-            <a:endParaRPr/>
-          </a:p>
-        </p:txBody>
-      </p:sp>
-      <p:sp>
-        <p:nvSpPr>
-          <p:cNvPr id="129" name="CustomShape 2"/>
+              <a:t>条件执行</a:t>
+            </a:r>
+            <a:endParaRPr/>
+          </a:p>
+        </p:txBody>
+      </p:sp>
+      <p:sp>
+        <p:nvSpPr>
+          <p:cNvPr id="165" name="CustomShape 2"/>
           <p:cNvSpPr/>
           <p:nvPr/>
         </p:nvSpPr>
         <p:spPr>
           <a:xfrm>
             <a:off x="504000" y="1768680"/>
-            <a:ext cx="9070920" cy="4383000"/>
+            <a:ext cx="9070560" cy="4382640"/>
           </a:xfrm>
           <a:prstGeom prst="rect">
             <a:avLst/>
@@ -4686,14 +6036,14 @@
       </p:grpSpPr>
       <p:sp>
         <p:nvSpPr>
-          <p:cNvPr id="130" name="CustomShape 1"/>
+          <p:cNvPr id="166" name="CustomShape 1"/>
           <p:cNvSpPr/>
           <p:nvPr/>
         </p:nvSpPr>
         <p:spPr>
           <a:xfrm>
             <a:off x="504000" y="199080"/>
-            <a:ext cx="9070920" cy="1465560"/>
+            <a:ext cx="9070560" cy="1465200"/>
           </a:xfrm>
           <a:prstGeom prst="rect">
             <a:avLst/>
@@ -4726,14 +6076,14 @@
       </p:sp>
       <p:sp>
         <p:nvSpPr>
-          <p:cNvPr id="131" name="CustomShape 2"/>
+          <p:cNvPr id="167" name="CustomShape 2"/>
           <p:cNvSpPr/>
           <p:nvPr/>
         </p:nvSpPr>
         <p:spPr>
           <a:xfrm>
             <a:off x="504000" y="1768680"/>
-            <a:ext cx="9070920" cy="4383000"/>
+            <a:ext cx="9070560" cy="4382640"/>
           </a:xfrm>
           <a:prstGeom prst="rect">
             <a:avLst/>
@@ -4850,14 +6200,14 @@
       </p:grpSpPr>
       <p:sp>
         <p:nvSpPr>
-          <p:cNvPr id="132" name="CustomShape 1"/>
+          <p:cNvPr id="168" name="CustomShape 1"/>
           <p:cNvSpPr/>
           <p:nvPr/>
         </p:nvSpPr>
         <p:spPr>
           <a:xfrm>
             <a:off x="504000" y="301320"/>
-            <a:ext cx="9070920" cy="1261080"/>
+            <a:ext cx="9070560" cy="1260720"/>
           </a:xfrm>
           <a:prstGeom prst="rect">
             <a:avLst/>
@@ -4887,14 +6237,14 @@
       </p:sp>
       <p:sp>
         <p:nvSpPr>
-          <p:cNvPr id="133" name="CustomShape 2"/>
+          <p:cNvPr id="169" name="CustomShape 2"/>
           <p:cNvSpPr/>
           <p:nvPr/>
         </p:nvSpPr>
         <p:spPr>
           <a:xfrm>
             <a:off x="504000" y="1768680"/>
-            <a:ext cx="9070920" cy="4383000"/>
+            <a:ext cx="9070560" cy="4382640"/>
           </a:xfrm>
           <a:prstGeom prst="rect">
             <a:avLst/>
@@ -5057,14 +6407,14 @@
       </p:grpSpPr>
       <p:sp>
         <p:nvSpPr>
-          <p:cNvPr id="134" name="CustomShape 1"/>
+          <p:cNvPr id="170" name="CustomShape 1"/>
           <p:cNvSpPr/>
           <p:nvPr/>
         </p:nvSpPr>
         <p:spPr>
           <a:xfrm>
             <a:off x="504000" y="301320"/>
-            <a:ext cx="9070920" cy="1261440"/>
+            <a:ext cx="9070560" cy="1261080"/>
           </a:xfrm>
           <a:prstGeom prst="rect">
             <a:avLst/>
@@ -5112,14 +6462,14 @@
       </p:sp>
       <p:sp>
         <p:nvSpPr>
-          <p:cNvPr id="135" name="CustomShape 2"/>
+          <p:cNvPr id="171" name="CustomShape 2"/>
           <p:cNvSpPr/>
           <p:nvPr/>
         </p:nvSpPr>
         <p:spPr>
           <a:xfrm>
             <a:off x="504000" y="1768680"/>
-            <a:ext cx="9070920" cy="4383000"/>
+            <a:ext cx="9070560" cy="4382640"/>
           </a:xfrm>
           <a:prstGeom prst="rect">
             <a:avLst/>
@@ -5320,14 +6670,14 @@
       </p:grpSpPr>
       <p:sp>
         <p:nvSpPr>
-          <p:cNvPr id="136" name="CustomShape 1"/>
+          <p:cNvPr id="172" name="CustomShape 1"/>
           <p:cNvSpPr/>
           <p:nvPr/>
         </p:nvSpPr>
         <p:spPr>
           <a:xfrm>
             <a:off x="504000" y="301320"/>
-            <a:ext cx="9070920" cy="1261440"/>
+            <a:ext cx="9070560" cy="1261080"/>
           </a:xfrm>
           <a:prstGeom prst="rect">
             <a:avLst/>
@@ -5375,14 +6725,14 @@
       </p:sp>
       <p:sp>
         <p:nvSpPr>
-          <p:cNvPr id="137" name="CustomShape 2"/>
+          <p:cNvPr id="173" name="CustomShape 2"/>
           <p:cNvSpPr/>
           <p:nvPr/>
         </p:nvSpPr>
         <p:spPr>
           <a:xfrm>
             <a:off x="504000" y="1768680"/>
-            <a:ext cx="9070920" cy="4383000"/>
+            <a:ext cx="9070560" cy="4382640"/>
           </a:xfrm>
           <a:prstGeom prst="rect">
             <a:avLst/>
@@ -5583,14 +6933,14 @@
       </p:grpSpPr>
       <p:sp>
         <p:nvSpPr>
-          <p:cNvPr id="138" name="CustomShape 1"/>
+          <p:cNvPr id="174" name="CustomShape 1"/>
           <p:cNvSpPr/>
           <p:nvPr/>
         </p:nvSpPr>
         <p:spPr>
           <a:xfrm>
             <a:off x="504000" y="301320"/>
-            <a:ext cx="9070920" cy="1261440"/>
+            <a:ext cx="9070560" cy="1261080"/>
           </a:xfrm>
           <a:prstGeom prst="rect">
             <a:avLst/>
@@ -5638,14 +6988,14 @@
       </p:sp>
       <p:sp>
         <p:nvSpPr>
-          <p:cNvPr id="139" name="CustomShape 2"/>
+          <p:cNvPr id="175" name="CustomShape 2"/>
           <p:cNvSpPr/>
           <p:nvPr/>
         </p:nvSpPr>
         <p:spPr>
           <a:xfrm>
             <a:off x="504000" y="1768680"/>
-            <a:ext cx="9070920" cy="4383000"/>
+            <a:ext cx="9070560" cy="4382640"/>
           </a:xfrm>
           <a:prstGeom prst="rect">
             <a:avLst/>
@@ -5920,14 +7270,14 @@
       </p:grpSpPr>
       <p:sp>
         <p:nvSpPr>
-          <p:cNvPr id="140" name="CustomShape 1"/>
+          <p:cNvPr id="176" name="CustomShape 1"/>
           <p:cNvSpPr/>
           <p:nvPr/>
         </p:nvSpPr>
         <p:spPr>
           <a:xfrm>
             <a:off x="504000" y="301320"/>
-            <a:ext cx="9070920" cy="1261440"/>
+            <a:ext cx="9070560" cy="1261080"/>
           </a:xfrm>
           <a:prstGeom prst="rect">
             <a:avLst/>
@@ -5975,14 +7325,14 @@
       </p:sp>
       <p:sp>
         <p:nvSpPr>
-          <p:cNvPr id="141" name="CustomShape 2"/>
+          <p:cNvPr id="177" name="CustomShape 2"/>
           <p:cNvSpPr/>
           <p:nvPr/>
         </p:nvSpPr>
         <p:spPr>
           <a:xfrm>
             <a:off x="504000" y="1768680"/>
-            <a:ext cx="9070920" cy="4383000"/>
+            <a:ext cx="9070560" cy="4382640"/>
           </a:xfrm>
           <a:prstGeom prst="rect">
             <a:avLst/>
@@ -6152,9 +7502,6 @@
               <a:lnSpc>
                 <a:spcPct val="100000"/>
               </a:lnSpc>
-              <a:buSzPct val="45000"/>
-              <a:buFont typeface="StarSymbol"/>
-              <a:buChar char="l"/>
             </a:pPr>
             <a:endParaRPr/>
           </a:p>
@@ -6211,18 +7558,22 @@
       </p:grpSpPr>
       <p:sp>
         <p:nvSpPr>
-          <p:cNvPr id="142" name="TextShape 1"/>
-          <p:cNvSpPr txBox="1"/>
+          <p:cNvPr id="178" name="CustomShape 1"/>
+          <p:cNvSpPr/>
           <p:nvPr/>
         </p:nvSpPr>
         <p:spPr>
           <a:xfrm>
             <a:off x="504000" y="301320"/>
-            <a:ext cx="9070920" cy="1261800"/>
-          </a:xfrm>
-          <a:prstGeom prst="rect">
-            <a:avLst/>
-          </a:prstGeom>
+            <a:ext cx="9070560" cy="1261440"/>
+          </a:xfrm>
+          <a:prstGeom prst="rect">
+            <a:avLst/>
+          </a:prstGeom>
+          <a:noFill/>
+          <a:ln>
+            <a:noFill/>
+          </a:ln>
         </p:spPr>
         <p:txBody>
           <a:bodyPr lIns="0" rIns="0" tIns="0" bIns="0" anchor="ctr"/>
@@ -6262,18 +7613,22 @@
       </p:sp>
       <p:sp>
         <p:nvSpPr>
-          <p:cNvPr id="143" name="TextShape 2"/>
-          <p:cNvSpPr txBox="1"/>
+          <p:cNvPr id="179" name="CustomShape 2"/>
+          <p:cNvSpPr/>
           <p:nvPr/>
         </p:nvSpPr>
         <p:spPr>
           <a:xfrm>
             <a:off x="504000" y="1768680"/>
-            <a:ext cx="9070920" cy="4383000"/>
-          </a:xfrm>
-          <a:prstGeom prst="rect">
-            <a:avLst/>
-          </a:prstGeom>
+            <a:ext cx="9070560" cy="4382640"/>
+          </a:xfrm>
+          <a:prstGeom prst="rect">
+            <a:avLst/>
+          </a:prstGeom>
+          <a:noFill/>
+          <a:ln>
+            <a:noFill/>
+          </a:ln>
         </p:spPr>
         <p:txBody>
           <a:bodyPr lIns="0" rIns="0" tIns="0" bIns="0"/>
@@ -6440,18 +7795,22 @@
       </p:grpSpPr>
       <p:sp>
         <p:nvSpPr>
-          <p:cNvPr id="144" name="TextShape 1"/>
-          <p:cNvSpPr txBox="1"/>
+          <p:cNvPr id="180" name="CustomShape 1"/>
+          <p:cNvSpPr/>
           <p:nvPr/>
         </p:nvSpPr>
         <p:spPr>
           <a:xfrm>
             <a:off x="504000" y="301320"/>
-            <a:ext cx="9070920" cy="1261800"/>
-          </a:xfrm>
-          <a:prstGeom prst="rect">
-            <a:avLst/>
-          </a:prstGeom>
+            <a:ext cx="9070560" cy="1261440"/>
+          </a:xfrm>
+          <a:prstGeom prst="rect">
+            <a:avLst/>
+          </a:prstGeom>
+          <a:noFill/>
+          <a:ln>
+            <a:noFill/>
+          </a:ln>
         </p:spPr>
         <p:txBody>
           <a:bodyPr lIns="0" rIns="0" tIns="0" bIns="0" anchor="ctr"/>
@@ -6473,26 +7832,33 @@
       </p:sp>
       <p:sp>
         <p:nvSpPr>
-          <p:cNvPr id="145" name="TextShape 2"/>
-          <p:cNvSpPr txBox="1"/>
+          <p:cNvPr id="181" name="CustomShape 2"/>
+          <p:cNvSpPr/>
           <p:nvPr/>
         </p:nvSpPr>
         <p:spPr>
           <a:xfrm>
             <a:off x="577080" y="1665000"/>
-            <a:ext cx="9070920" cy="4383000"/>
-          </a:xfrm>
-          <a:prstGeom prst="rect">
-            <a:avLst/>
-          </a:prstGeom>
+            <a:ext cx="9070560" cy="4382640"/>
+          </a:xfrm>
+          <a:prstGeom prst="rect">
+            <a:avLst/>
+          </a:prstGeom>
+          <a:noFill/>
+          <a:ln>
+            <a:noFill/>
+          </a:ln>
         </p:spPr>
         <p:txBody>
           <a:bodyPr lIns="0" rIns="0" tIns="0" bIns="0"/>
           <a:p>
             <a:pPr>
-              <a:buSzPct val="45000"/>
-              <a:buFont typeface="StarSymbol"/>
-              <a:buChar char=""/>
+              <a:lnSpc>
+                <a:spcPct val="100000"/>
+              </a:lnSpc>
+              <a:buSzPct val="45000"/>
+              <a:buFont typeface="StarSymbol"/>
+              <a:buChar char="l"/>
             </a:pPr>
             <a:r>
               <a:rPr lang="en-US" sz="3200">
@@ -6504,9 +7870,12 @@
           </a:p>
           <a:p>
             <a:pPr lvl="1">
+              <a:lnSpc>
+                <a:spcPct val="100000"/>
+              </a:lnSpc>
               <a:buSzPct val="75000"/>
               <a:buFont typeface="StarSymbol"/>
-              <a:buChar char=""/>
+              <a:buChar char="l"/>
             </a:pPr>
             <a:r>
               <a:rPr lang="en-US" sz="2800">
@@ -6518,9 +7887,12 @@
           </a:p>
           <a:p>
             <a:pPr>
-              <a:buSzPct val="45000"/>
-              <a:buFont typeface="StarSymbol"/>
-              <a:buChar char=""/>
+              <a:lnSpc>
+                <a:spcPct val="100000"/>
+              </a:lnSpc>
+              <a:buSzPct val="45000"/>
+              <a:buFont typeface="StarSymbol"/>
+              <a:buChar char="l"/>
             </a:pPr>
             <a:r>
               <a:rPr lang="en-US" sz="3200">
@@ -6532,9 +7904,12 @@
           </a:p>
           <a:p>
             <a:pPr>
-              <a:buSzPct val="45000"/>
-              <a:buFont typeface="StarSymbol"/>
-              <a:buChar char=""/>
+              <a:lnSpc>
+                <a:spcPct val="100000"/>
+              </a:lnSpc>
+              <a:buSzPct val="45000"/>
+              <a:buFont typeface="StarSymbol"/>
+              <a:buChar char="l"/>
             </a:pPr>
             <a:r>
               <a:rPr lang="en-US" sz="3200">
@@ -6546,9 +7921,12 @@
           </a:p>
           <a:p>
             <a:pPr>
-              <a:buSzPct val="45000"/>
-              <a:buFont typeface="StarSymbol"/>
-              <a:buChar char=""/>
+              <a:lnSpc>
+                <a:spcPct val="100000"/>
+              </a:lnSpc>
+              <a:buSzPct val="45000"/>
+              <a:buFont typeface="StarSymbol"/>
+              <a:buChar char="l"/>
             </a:pPr>
             <a:r>
               <a:rPr lang="en-US" sz="3200">
@@ -6560,9 +7938,12 @@
           </a:p>
           <a:p>
             <a:pPr>
-              <a:buSzPct val="45000"/>
-              <a:buFont typeface="StarSymbol"/>
-              <a:buChar char=""/>
+              <a:lnSpc>
+                <a:spcPct val="100000"/>
+              </a:lnSpc>
+              <a:buSzPct val="45000"/>
+              <a:buFont typeface="StarSymbol"/>
+              <a:buChar char="l"/>
             </a:pPr>
             <a:r>
               <a:rPr lang="en-US" sz="3200">
@@ -6574,9 +7955,12 @@
           </a:p>
           <a:p>
             <a:pPr>
-              <a:buSzPct val="45000"/>
-              <a:buFont typeface="StarSymbol"/>
-              <a:buChar char=""/>
+              <a:lnSpc>
+                <a:spcPct val="100000"/>
+              </a:lnSpc>
+              <a:buSzPct val="45000"/>
+              <a:buFont typeface="StarSymbol"/>
+              <a:buChar char="l"/>
             </a:pPr>
             <a:r>
               <a:rPr lang="en-US" sz="3200">
@@ -6588,17 +7972,17 @@
           </a:p>
           <a:p>
             <a:pPr>
-              <a:buSzPct val="45000"/>
-              <a:buFont typeface="StarSymbol"/>
-              <a:buChar char=""/>
-            </a:pPr>
-            <a:endParaRPr/>
-          </a:p>
-          <a:p>
-            <a:pPr lvl="1">
-              <a:buSzPct val="75000"/>
-              <a:buFont typeface="StarSymbol"/>
-              <a:buChar char=""/>
+              <a:lnSpc>
+                <a:spcPct val="100000"/>
+              </a:lnSpc>
+            </a:pPr>
+            <a:endParaRPr/>
+          </a:p>
+          <a:p>
+            <a:pPr>
+              <a:lnSpc>
+                <a:spcPct val="100000"/>
+              </a:lnSpc>
             </a:pPr>
             <a:endParaRPr/>
           </a:p>
@@ -6655,14 +8039,14 @@
       </p:grpSpPr>
       <p:sp>
         <p:nvSpPr>
-          <p:cNvPr id="110" name="CustomShape 1"/>
+          <p:cNvPr id="146" name="CustomShape 1"/>
           <p:cNvSpPr/>
           <p:nvPr/>
         </p:nvSpPr>
         <p:spPr>
           <a:xfrm>
             <a:off x="504000" y="301320"/>
-            <a:ext cx="9070920" cy="1260720"/>
+            <a:ext cx="9070560" cy="1260360"/>
           </a:xfrm>
           <a:prstGeom prst="rect">
             <a:avLst/>
@@ -6692,14 +8076,14 @@
       </p:sp>
       <p:sp>
         <p:nvSpPr>
-          <p:cNvPr id="111" name="CustomShape 2"/>
+          <p:cNvPr id="147" name="CustomShape 2"/>
           <p:cNvSpPr/>
           <p:nvPr/>
         </p:nvSpPr>
         <p:spPr>
           <a:xfrm>
             <a:off x="504000" y="1768680"/>
-            <a:ext cx="9070920" cy="4383000"/>
+            <a:ext cx="9070560" cy="4382640"/>
           </a:xfrm>
           <a:prstGeom prst="rect">
             <a:avLst/>
@@ -6856,18 +8240,22 @@
       </p:grpSpPr>
       <p:sp>
         <p:nvSpPr>
-          <p:cNvPr id="146" name="TextShape 1"/>
-          <p:cNvSpPr txBox="1"/>
+          <p:cNvPr id="182" name="CustomShape 1"/>
+          <p:cNvSpPr/>
           <p:nvPr/>
         </p:nvSpPr>
         <p:spPr>
           <a:xfrm>
             <a:off x="504000" y="301320"/>
-            <a:ext cx="9070920" cy="1261800"/>
-          </a:xfrm>
-          <a:prstGeom prst="rect">
-            <a:avLst/>
-          </a:prstGeom>
+            <a:ext cx="9070560" cy="1261440"/>
+          </a:xfrm>
+          <a:prstGeom prst="rect">
+            <a:avLst/>
+          </a:prstGeom>
+          <a:noFill/>
+          <a:ln>
+            <a:noFill/>
+          </a:ln>
         </p:spPr>
         <p:txBody>
           <a:bodyPr lIns="0" rIns="0" tIns="0" bIns="0" anchor="ctr"/>
@@ -6889,26 +8277,33 @@
       </p:sp>
       <p:sp>
         <p:nvSpPr>
-          <p:cNvPr id="147" name="TextShape 2"/>
-          <p:cNvSpPr txBox="1"/>
+          <p:cNvPr id="183" name="CustomShape 2"/>
+          <p:cNvSpPr/>
           <p:nvPr/>
         </p:nvSpPr>
         <p:spPr>
           <a:xfrm>
             <a:off x="504000" y="1768680"/>
-            <a:ext cx="9070920" cy="4383000"/>
-          </a:xfrm>
-          <a:prstGeom prst="rect">
-            <a:avLst/>
-          </a:prstGeom>
+            <a:ext cx="9070560" cy="4382640"/>
+          </a:xfrm>
+          <a:prstGeom prst="rect">
+            <a:avLst/>
+          </a:prstGeom>
+          <a:noFill/>
+          <a:ln>
+            <a:noFill/>
+          </a:ln>
         </p:spPr>
         <p:txBody>
           <a:bodyPr lIns="0" rIns="0" tIns="0" bIns="0"/>
           <a:p>
             <a:pPr>
-              <a:buSzPct val="45000"/>
-              <a:buFont typeface="StarSymbol"/>
-              <a:buChar char=""/>
+              <a:lnSpc>
+                <a:spcPct val="100000"/>
+              </a:lnSpc>
+              <a:buSzPct val="45000"/>
+              <a:buFont typeface="StarSymbol"/>
+              <a:buChar char="l"/>
             </a:pPr>
             <a:r>
               <a:rPr lang="en-US" sz="3200">
@@ -6920,9 +8315,12 @@
           </a:p>
           <a:p>
             <a:pPr lvl="1">
+              <a:lnSpc>
+                <a:spcPct val="100000"/>
+              </a:lnSpc>
               <a:buSzPct val="75000"/>
               <a:buFont typeface="StarSymbol"/>
-              <a:buChar char=""/>
+              <a:buChar char="l"/>
             </a:pPr>
             <a:r>
               <a:rPr lang="en-US" sz="2800">
@@ -6934,9 +8332,12 @@
           </a:p>
           <a:p>
             <a:pPr>
-              <a:buSzPct val="45000"/>
-              <a:buFont typeface="StarSymbol"/>
-              <a:buChar char=""/>
+              <a:lnSpc>
+                <a:spcPct val="100000"/>
+              </a:lnSpc>
+              <a:buSzPct val="45000"/>
+              <a:buFont typeface="StarSymbol"/>
+              <a:buChar char="l"/>
             </a:pPr>
             <a:r>
               <a:rPr lang="en-US" sz="3200">
@@ -6948,9 +8349,12 @@
           </a:p>
           <a:p>
             <a:pPr>
-              <a:buSzPct val="45000"/>
-              <a:buFont typeface="StarSymbol"/>
-              <a:buChar char=""/>
+              <a:lnSpc>
+                <a:spcPct val="100000"/>
+              </a:lnSpc>
+              <a:buSzPct val="45000"/>
+              <a:buFont typeface="StarSymbol"/>
+              <a:buChar char="l"/>
             </a:pPr>
             <a:r>
               <a:rPr lang="en-US" sz="3200">
@@ -6962,9 +8366,12 @@
           </a:p>
           <a:p>
             <a:pPr>
-              <a:buSzPct val="45000"/>
-              <a:buFont typeface="StarSymbol"/>
-              <a:buChar char=""/>
+              <a:lnSpc>
+                <a:spcPct val="100000"/>
+              </a:lnSpc>
+              <a:buSzPct val="45000"/>
+              <a:buFont typeface="StarSymbol"/>
+              <a:buChar char="l"/>
             </a:pPr>
             <a:r>
               <a:rPr lang="en-US" sz="3200">
@@ -6976,9 +8383,12 @@
           </a:p>
           <a:p>
             <a:pPr>
-              <a:buSzPct val="45000"/>
-              <a:buFont typeface="StarSymbol"/>
-              <a:buChar char=""/>
+              <a:lnSpc>
+                <a:spcPct val="100000"/>
+              </a:lnSpc>
+              <a:buSzPct val="45000"/>
+              <a:buFont typeface="StarSymbol"/>
+              <a:buChar char="l"/>
             </a:pPr>
             <a:r>
               <a:rPr lang="en-US" sz="3200">
@@ -6996,9 +8406,12 @@
           </a:p>
           <a:p>
             <a:pPr>
-              <a:buSzPct val="45000"/>
-              <a:buFont typeface="StarSymbol"/>
-              <a:buChar char=""/>
+              <a:lnSpc>
+                <a:spcPct val="100000"/>
+              </a:lnSpc>
+              <a:buSzPct val="45000"/>
+              <a:buFont typeface="StarSymbol"/>
+              <a:buChar char="l"/>
             </a:pPr>
             <a:r>
               <a:rPr lang="en-US" sz="3200">
@@ -7061,14 +8474,14 @@
       </p:grpSpPr>
       <p:sp>
         <p:nvSpPr>
-          <p:cNvPr id="112" name="CustomShape 1"/>
+          <p:cNvPr id="148" name="CustomShape 1"/>
           <p:cNvSpPr/>
           <p:nvPr/>
         </p:nvSpPr>
         <p:spPr>
           <a:xfrm>
             <a:off x="504000" y="301320"/>
-            <a:ext cx="9070920" cy="1260720"/>
+            <a:ext cx="9070560" cy="1260360"/>
           </a:xfrm>
           <a:prstGeom prst="rect">
             <a:avLst/>
@@ -7098,14 +8511,14 @@
       </p:sp>
       <p:sp>
         <p:nvSpPr>
-          <p:cNvPr id="113" name="CustomShape 2"/>
+          <p:cNvPr id="149" name="CustomShape 2"/>
           <p:cNvSpPr/>
           <p:nvPr/>
         </p:nvSpPr>
         <p:spPr>
           <a:xfrm>
             <a:off x="504000" y="1768680"/>
-            <a:ext cx="9070920" cy="4383000"/>
+            <a:ext cx="9070560" cy="4382640"/>
           </a:xfrm>
           <a:prstGeom prst="rect">
             <a:avLst/>
@@ -7357,14 +8770,14 @@
       </p:grpSpPr>
       <p:sp>
         <p:nvSpPr>
-          <p:cNvPr id="114" name="CustomShape 1"/>
+          <p:cNvPr id="150" name="CustomShape 1"/>
           <p:cNvSpPr/>
           <p:nvPr/>
         </p:nvSpPr>
         <p:spPr>
           <a:xfrm>
             <a:off x="504000" y="301320"/>
-            <a:ext cx="9070920" cy="1260720"/>
+            <a:ext cx="9070560" cy="1260360"/>
           </a:xfrm>
           <a:prstGeom prst="rect">
             <a:avLst/>
@@ -7412,14 +8825,14 @@
       </p:sp>
       <p:sp>
         <p:nvSpPr>
-          <p:cNvPr id="115" name="CustomShape 2"/>
+          <p:cNvPr id="151" name="CustomShape 2"/>
           <p:cNvSpPr/>
           <p:nvPr/>
         </p:nvSpPr>
         <p:spPr>
           <a:xfrm>
             <a:off x="504000" y="1768680"/>
-            <a:ext cx="9070920" cy="4383000"/>
+            <a:ext cx="9070560" cy="4382640"/>
           </a:xfrm>
           <a:prstGeom prst="rect">
             <a:avLst/>
@@ -7623,14 +9036,14 @@
       </p:grpSpPr>
       <p:sp>
         <p:nvSpPr>
-          <p:cNvPr id="116" name="CustomShape 1"/>
+          <p:cNvPr id="152" name="CustomShape 1"/>
           <p:cNvSpPr/>
           <p:nvPr/>
         </p:nvSpPr>
         <p:spPr>
           <a:xfrm>
             <a:off x="504000" y="301320"/>
-            <a:ext cx="9070920" cy="1260720"/>
+            <a:ext cx="9070560" cy="1260360"/>
           </a:xfrm>
           <a:prstGeom prst="rect">
             <a:avLst/>
@@ -7678,14 +9091,14 @@
       </p:sp>
       <p:sp>
         <p:nvSpPr>
-          <p:cNvPr id="117" name="CustomShape 2"/>
+          <p:cNvPr id="153" name="CustomShape 2"/>
           <p:cNvSpPr/>
           <p:nvPr/>
         </p:nvSpPr>
         <p:spPr>
           <a:xfrm>
             <a:off x="504000" y="1768680"/>
-            <a:ext cx="9070920" cy="4383000"/>
+            <a:ext cx="9070560" cy="4382640"/>
           </a:xfrm>
           <a:prstGeom prst="rect">
             <a:avLst/>
@@ -7865,14 +9278,14 @@
       </p:grpSpPr>
       <p:sp>
         <p:nvSpPr>
-          <p:cNvPr id="118" name="CustomShape 1"/>
+          <p:cNvPr id="154" name="CustomShape 1"/>
           <p:cNvSpPr/>
           <p:nvPr/>
         </p:nvSpPr>
         <p:spPr>
           <a:xfrm>
             <a:off x="504000" y="301320"/>
-            <a:ext cx="9070920" cy="1261080"/>
+            <a:ext cx="9070560" cy="1260720"/>
           </a:xfrm>
           <a:prstGeom prst="rect">
             <a:avLst/>
@@ -7914,14 +9327,14 @@
       </p:sp>
       <p:sp>
         <p:nvSpPr>
-          <p:cNvPr id="119" name="CustomShape 2"/>
+          <p:cNvPr id="155" name="CustomShape 2"/>
           <p:cNvSpPr/>
           <p:nvPr/>
         </p:nvSpPr>
         <p:spPr>
           <a:xfrm>
             <a:off x="504000" y="1768680"/>
-            <a:ext cx="9070920" cy="4383000"/>
+            <a:ext cx="9070560" cy="4382640"/>
           </a:xfrm>
           <a:prstGeom prst="rect">
             <a:avLst/>
@@ -7946,7 +9359,7 @@
               <a:rPr lang="en-US" sz="3200">
                 <a:latin typeface="Arial"/>
               </a:rPr>
-              <a:t>语句快</a:t>
+              <a:t>语句块</a:t>
             </a:r>
             <a:endParaRPr/>
           </a:p>
@@ -8054,14 +9467,14 @@
       </p:grpSpPr>
       <p:sp>
         <p:nvSpPr>
-          <p:cNvPr id="120" name="CustomShape 1"/>
+          <p:cNvPr id="156" name="CustomShape 1"/>
           <p:cNvSpPr/>
           <p:nvPr/>
         </p:nvSpPr>
         <p:spPr>
           <a:xfrm>
             <a:off x="504000" y="301320"/>
-            <a:ext cx="9070920" cy="1261080"/>
+            <a:ext cx="9070560" cy="1260720"/>
           </a:xfrm>
           <a:prstGeom prst="rect">
             <a:avLst/>
@@ -8094,14 +9507,14 @@
       </p:sp>
       <p:sp>
         <p:nvSpPr>
-          <p:cNvPr id="121" name="CustomShape 2"/>
+          <p:cNvPr id="157" name="CustomShape 2"/>
           <p:cNvSpPr/>
           <p:nvPr/>
         </p:nvSpPr>
         <p:spPr>
           <a:xfrm>
             <a:off x="504000" y="1768680"/>
-            <a:ext cx="9070920" cy="4383000"/>
+            <a:ext cx="9070560" cy="4382640"/>
           </a:xfrm>
           <a:prstGeom prst="rect">
             <a:avLst/>
@@ -8317,14 +9730,14 @@
       </p:grpSpPr>
       <p:sp>
         <p:nvSpPr>
-          <p:cNvPr id="122" name="CustomShape 1"/>
+          <p:cNvPr id="158" name="CustomShape 1"/>
           <p:cNvSpPr/>
           <p:nvPr/>
         </p:nvSpPr>
         <p:spPr>
           <a:xfrm>
             <a:off x="504000" y="301320"/>
-            <a:ext cx="9070920" cy="1261080"/>
+            <a:ext cx="9070560" cy="1260720"/>
           </a:xfrm>
           <a:prstGeom prst="rect">
             <a:avLst/>
@@ -8354,14 +9767,14 @@
       </p:sp>
       <p:sp>
         <p:nvSpPr>
-          <p:cNvPr id="123" name="CustomShape 2"/>
+          <p:cNvPr id="159" name="CustomShape 2"/>
           <p:cNvSpPr/>
           <p:nvPr/>
         </p:nvSpPr>
         <p:spPr>
           <a:xfrm>
             <a:off x="504000" y="1768680"/>
-            <a:ext cx="9070920" cy="4383000"/>
+            <a:ext cx="9070560" cy="4382640"/>
           </a:xfrm>
           <a:prstGeom prst="rect">
             <a:avLst/>
@@ -8392,7 +9805,7 @@
               <a:rPr lang="en-US" sz="3200">
                 <a:latin typeface="Arial"/>
               </a:rPr>
-              <a:t>所有的添加执行都用</a:t>
+              <a:t>所有的条件执行都用</a:t>
             </a:r>
             <a:r>
               <a:rPr lang="en-US" sz="3200">
@@ -8646,14 +10059,14 @@
       </p:grpSpPr>
       <p:sp>
         <p:nvSpPr>
-          <p:cNvPr id="124" name="CustomShape 1"/>
+          <p:cNvPr id="160" name="CustomShape 1"/>
           <p:cNvSpPr/>
           <p:nvPr/>
         </p:nvSpPr>
         <p:spPr>
           <a:xfrm>
             <a:off x="504000" y="301320"/>
-            <a:ext cx="9070920" cy="1261080"/>
+            <a:ext cx="9070560" cy="1260720"/>
           </a:xfrm>
           <a:prstGeom prst="rect">
             <a:avLst/>
@@ -8683,14 +10096,14 @@
       </p:sp>
       <p:sp>
         <p:nvSpPr>
-          <p:cNvPr id="125" name="CustomShape 2"/>
+          <p:cNvPr id="161" name="CustomShape 2"/>
           <p:cNvSpPr/>
           <p:nvPr/>
         </p:nvSpPr>
         <p:spPr>
           <a:xfrm>
             <a:off x="504000" y="1768680"/>
-            <a:ext cx="9070920" cy="4383000"/>
+            <a:ext cx="9070560" cy="4382640"/>
           </a:xfrm>
           <a:prstGeom prst="rect">
             <a:avLst/>
@@ -9537,4 +10950,227 @@
     </a:fmtScheme>
   </a:themeElements>
 </a:theme>
+</file>
+
+<file path=ppt/theme/theme4.xml><?xml version="1.0" encoding="utf-8"?>
+<a:theme xmlns:a="http://schemas.openxmlformats.org/drawingml/2006/main" name="Office Theme">
+  <a:themeElements>
+    <a:clrScheme name="Office">
+      <a:dk1>
+        <a:sysClr val="windowText" lastClr="000000"/>
+      </a:dk1>
+      <a:lt1>
+        <a:sysClr val="window" lastClr="FFFFFF"/>
+      </a:lt1>
+      <a:dk2>
+        <a:srgbClr val="1F497D"/>
+      </a:dk2>
+      <a:lt2>
+        <a:srgbClr val="EEECE1"/>
+      </a:lt2>
+      <a:accent1>
+        <a:srgbClr val="4F81BD"/>
+      </a:accent1>
+      <a:accent2>
+        <a:srgbClr val="C0504D"/>
+      </a:accent2>
+      <a:accent3>
+        <a:srgbClr val="9BBB59"/>
+      </a:accent3>
+      <a:accent4>
+        <a:srgbClr val="8064A2"/>
+      </a:accent4>
+      <a:accent5>
+        <a:srgbClr val="4BACC6"/>
+      </a:accent5>
+      <a:accent6>
+        <a:srgbClr val="F79646"/>
+      </a:accent6>
+      <a:hlink>
+        <a:srgbClr val="0000FF"/>
+      </a:hlink>
+      <a:folHlink>
+        <a:srgbClr val="800080"/>
+      </a:folHlink>
+    </a:clrScheme>
+    <a:fontScheme name="Office">
+      <a:majorFont>
+        <a:latin typeface="Arial"/>
+        <a:ea typeface="DejaVu Sans"/>
+        <a:cs typeface="DejaVu Sans"/>
+      </a:majorFont>
+      <a:minorFont>
+        <a:latin typeface="Arial"/>
+        <a:ea typeface="DejaVu Sans"/>
+        <a:cs typeface="DejaVu Sans"/>
+      </a:minorFont>
+    </a:fontScheme>
+    <a:fmtScheme name="Office">
+      <a:fillStyleLst>
+        <a:solidFill>
+          <a:schemeClr val="phClr"/>
+        </a:solidFill>
+        <a:gradFill rotWithShape="1">
+          <a:gsLst>
+            <a:gs pos="0">
+              <a:schemeClr val="phClr">
+                <a:tint val="50000"/>
+                <a:satMod val="300000"/>
+              </a:schemeClr>
+            </a:gs>
+            <a:gs pos="35000">
+              <a:schemeClr val="phClr">
+                <a:tint val="37000"/>
+                <a:satMod val="300000"/>
+              </a:schemeClr>
+            </a:gs>
+            <a:gs pos="100000">
+              <a:schemeClr val="phClr">
+                <a:tint val="15000"/>
+                <a:satMod val="350000"/>
+              </a:schemeClr>
+            </a:gs>
+          </a:gsLst>
+          <a:lin ang="16200000" scaled="1"/>
+        </a:gradFill>
+        <a:gradFill rotWithShape="1">
+          <a:gsLst>
+            <a:gs pos="0">
+              <a:schemeClr val="phClr">
+                <a:shade val="51000"/>
+                <a:satMod val="130000"/>
+              </a:schemeClr>
+            </a:gs>
+            <a:gs pos="80000">
+              <a:schemeClr val="phClr">
+                <a:shade val="93000"/>
+                <a:satMod val="130000"/>
+              </a:schemeClr>
+            </a:gs>
+            <a:gs pos="100000">
+              <a:schemeClr val="phClr">
+                <a:shade val="94000"/>
+                <a:satMod val="135000"/>
+              </a:schemeClr>
+            </a:gs>
+          </a:gsLst>
+          <a:lin ang="16200000" scaled="0"/>
+        </a:gradFill>
+      </a:fillStyleLst>
+      <a:lnStyleLst>
+        <a:ln w="9525" cap="flat" cmpd="sng" algn="ctr">
+          <a:solidFill>
+            <a:schemeClr val="phClr">
+              <a:shade val="95000"/>
+              <a:satMod val="105000"/>
+            </a:schemeClr>
+          </a:solidFill>
+          <a:prstDash val="solid"/>
+        </a:ln>
+        <a:ln w="25400" cap="flat" cmpd="sng" algn="ctr">
+          <a:solidFill>
+            <a:schemeClr val="phClr"/>
+          </a:solidFill>
+          <a:prstDash val="solid"/>
+        </a:ln>
+        <a:ln w="38100" cap="flat" cmpd="sng" algn="ctr">
+          <a:solidFill>
+            <a:schemeClr val="phClr"/>
+          </a:solidFill>
+          <a:prstDash val="solid"/>
+        </a:ln>
+      </a:lnStyleLst>
+      <a:effectStyleLst>
+        <a:effectStyle>
+          <a:effectLst>
+            <a:outerShdw blurRad="40000" dist="20000" dir="5400000" rotWithShape="0">
+              <a:srgbClr val="000000">
+                <a:alpha val="38000"/>
+              </a:srgbClr>
+            </a:outerShdw>
+          </a:effectLst>
+        </a:effectStyle>
+        <a:effectStyle>
+          <a:effectLst>
+            <a:outerShdw blurRad="40000" dist="23000" dir="5400000" rotWithShape="0">
+              <a:srgbClr val="000000">
+                <a:alpha val="35000"/>
+              </a:srgbClr>
+            </a:outerShdw>
+          </a:effectLst>
+        </a:effectStyle>
+        <a:effectStyle>
+          <a:effectLst>
+            <a:outerShdw blurRad="40000" dist="23000" dir="5400000" rotWithShape="0">
+              <a:srgbClr val="000000">
+                <a:alpha val="35000"/>
+              </a:srgbClr>
+            </a:outerShdw>
+          </a:effectLst>
+          <a:scene3d>
+            <a:camera prst="orthographicFront">
+              <a:rot lat="0" lon="0" rev="0"/>
+            </a:camera>
+            <a:lightRig rig="threePt" dir="t">
+              <a:rot lat="0" lon="0" rev="1200000"/>
+            </a:lightRig>
+          </a:scene3d>
+          <a:sp3d>
+            <a:bevelT w="63500" h="25400"/>
+          </a:sp3d>
+        </a:effectStyle>
+      </a:effectStyleLst>
+      <a:bgFillStyleLst>
+        <a:solidFill>
+          <a:schemeClr val="phClr"/>
+        </a:solidFill>
+        <a:gradFill rotWithShape="1">
+          <a:gsLst>
+            <a:gs pos="0">
+              <a:schemeClr val="phClr">
+                <a:tint val="40000"/>
+                <a:satMod val="350000"/>
+              </a:schemeClr>
+            </a:gs>
+            <a:gs pos="40000">
+              <a:schemeClr val="phClr">
+                <a:tint val="45000"/>
+                <a:shade val="99000"/>
+                <a:satMod val="350000"/>
+              </a:schemeClr>
+            </a:gs>
+            <a:gs pos="100000">
+              <a:schemeClr val="phClr">
+                <a:shade val="20000"/>
+                <a:satMod val="255000"/>
+              </a:schemeClr>
+            </a:gs>
+          </a:gsLst>
+          <a:path path="circle">
+            <a:fillToRect l="50000" t="-80000" r="50000" b="180000"/>
+          </a:path>
+        </a:gradFill>
+        <a:gradFill rotWithShape="1">
+          <a:gsLst>
+            <a:gs pos="0">
+              <a:schemeClr val="phClr">
+                <a:tint val="80000"/>
+                <a:satMod val="300000"/>
+              </a:schemeClr>
+            </a:gs>
+            <a:gs pos="100000">
+              <a:schemeClr val="phClr">
+                <a:shade val="30000"/>
+                <a:satMod val="200000"/>
+              </a:schemeClr>
+            </a:gs>
+          </a:gsLst>
+          <a:path path="circle">
+            <a:fillToRect l="50000" t="50000" r="50000" b="50000"/>
+          </a:path>
+        </a:gradFill>
+      </a:bgFillStyleLst>
+    </a:fmtScheme>
+  </a:themeElements>
+</a:theme>
 </file>